--- a/PPT/Module 4 - Model Performance for Classification.pptx
+++ b/PPT/Module 4 - Model Performance for Classification.pptx
@@ -5,7 +5,7 @@
     <p:sldMasterId id="2147483648" r:id="rId1"/>
   </p:sldMasterIdLst>
   <p:notesMasterIdLst>
-    <p:notesMasterId r:id="rId25"/>
+    <p:notesMasterId r:id="rId32"/>
   </p:notesMasterIdLst>
   <p:sldIdLst>
     <p:sldId id="301" r:id="rId2"/>
@@ -23,49 +23,52 @@
     <p:sldId id="471" r:id="rId14"/>
     <p:sldId id="481" r:id="rId15"/>
     <p:sldId id="472" r:id="rId16"/>
-    <p:sldId id="473" r:id="rId17"/>
-    <p:sldId id="474" r:id="rId18"/>
-    <p:sldId id="475" r:id="rId19"/>
-    <p:sldId id="476" r:id="rId20"/>
-    <p:sldId id="477" r:id="rId21"/>
-    <p:sldId id="483" r:id="rId22"/>
-    <p:sldId id="482" r:id="rId23"/>
-    <p:sldId id="407" r:id="rId24"/>
+    <p:sldId id="484" r:id="rId17"/>
+    <p:sldId id="486" r:id="rId18"/>
+    <p:sldId id="487" r:id="rId19"/>
+    <p:sldId id="488" r:id="rId20"/>
+    <p:sldId id="485" r:id="rId21"/>
+    <p:sldId id="473" r:id="rId22"/>
+    <p:sldId id="489" r:id="rId23"/>
+    <p:sldId id="474" r:id="rId24"/>
+    <p:sldId id="490" r:id="rId25"/>
+    <p:sldId id="475" r:id="rId26"/>
+    <p:sldId id="476" r:id="rId27"/>
+    <p:sldId id="477" r:id="rId28"/>
+    <p:sldId id="483" r:id="rId29"/>
+    <p:sldId id="482" r:id="rId30"/>
+    <p:sldId id="407" r:id="rId31"/>
   </p:sldIdLst>
   <p:sldSz cx="12192000" cy="6858000"/>
   <p:notesSz cx="6858000" cy="9144000"/>
   <p:embeddedFontLst>
     <p:embeddedFont>
       <p:font typeface="Cambria Math" panose="02040503050406030204" pitchFamily="18" charset="0"/>
-      <p:regular r:id="rId26"/>
+      <p:regular r:id="rId33"/>
     </p:embeddedFont>
     <p:embeddedFont>
       <p:font typeface="Lato" panose="020F0502020204030203" pitchFamily="34" charset="0"/>
-      <p:regular r:id="rId27"/>
-      <p:bold r:id="rId28"/>
-      <p:italic r:id="rId29"/>
-      <p:boldItalic r:id="rId30"/>
+      <p:regular r:id="rId34"/>
+      <p:bold r:id="rId35"/>
+      <p:italic r:id="rId36"/>
+      <p:boldItalic r:id="rId37"/>
     </p:embeddedFont>
     <p:embeddedFont>
       <p:font typeface="Lato Light" panose="020F0302020204030204" pitchFamily="34" charset="0"/>
-      <p:regular r:id="rId31"/>
-      <p:bold r:id="rId32"/>
-      <p:italic r:id="rId33"/>
-      <p:boldItalic r:id="rId34"/>
-    </p:embeddedFont>
-    <p:embeddedFont>
-      <p:font typeface="Libre Franklin" pitchFamily="2" charset="77"/>
-      <p:regular r:id="rId35"/>
-      <p:bold r:id="rId36"/>
-      <p:italic r:id="rId37"/>
-      <p:boldItalic r:id="rId38"/>
+      <p:regular r:id="rId38"/>
+      <p:bold r:id="rId39"/>
+      <p:italic r:id="rId40"/>
+      <p:boldItalic r:id="rId41"/>
     </p:embeddedFont>
     <p:embeddedFont>
       <p:font typeface="Roboto Slab" pitchFamily="2" charset="0"/>
-      <p:regular r:id="rId39"/>
-      <p:bold r:id="rId40"/>
+      <p:regular r:id="rId42"/>
+      <p:bold r:id="rId43"/>
     </p:embeddedFont>
   </p:embeddedFontLst>
+  <p:custDataLst>
+    <p:tags r:id="rId44"/>
+  </p:custDataLst>
   <p:defaultTextStyle>
     <a:defPPr marR="0" lvl="0" algn="l" rtl="0">
       <a:lnSpc>
@@ -300,7 +303,7 @@
       <p15:sldGuideLst xmlns:p15="http://schemas.microsoft.com/office/powerpoint/2012/main"/>
     </p:ext>
     <p:ext uri="http://customooxmlschemas.google.com/">
-      <go:slidesCustomData xmlns:go="http://customooxmlschemas.google.com/" xmlns:ahyp="http://schemas.microsoft.com/office/drawing/2018/hyperlinkcolor" xmlns:p15="http://schemas.microsoft.com/office/powerpoint/2012/main" xmlns:p14="http://schemas.microsoft.com/office/powerpoint/2010/main" xmlns:com="http://schemas.openxmlformats.org/drawingml/2006/compatibility" xmlns:pvml="urn:schemas-microsoft-com:office:powerpoint" xmlns:v="urn:schemas-microsoft-com:vml" xmlns:o="urn:schemas-microsoft-com:office:office" xmlns:dgm="http://schemas.openxmlformats.org/drawingml/2006/diagram" xmlns:c="http://schemas.openxmlformats.org/drawingml/2006/chart" xmlns:mv="urn:schemas-microsoft-com:mac:vml" xmlns:mc="http://schemas.openxmlformats.org/markup-compatibility/2006" xmlns="" r:id="rId61" roundtripDataSignature="AMtx7mh8+V1nZDCJuCgwzr3Qy4UygyySmw=="/>
+      <go:slidesCustomData xmlns="" xmlns:mc="http://schemas.openxmlformats.org/markup-compatibility/2006" xmlns:mv="urn:schemas-microsoft-com:mac:vml" xmlns:c="http://schemas.openxmlformats.org/drawingml/2006/chart" xmlns:dgm="http://schemas.openxmlformats.org/drawingml/2006/diagram" xmlns:o="urn:schemas-microsoft-com:office:office" xmlns:v="urn:schemas-microsoft-com:vml" xmlns:pvml="urn:schemas-microsoft-com:office:powerpoint" xmlns:com="http://schemas.openxmlformats.org/drawingml/2006/compatibility" xmlns:p14="http://schemas.microsoft.com/office/powerpoint/2010/main" xmlns:p15="http://schemas.microsoft.com/office/powerpoint/2012/main" xmlns:ahyp="http://schemas.microsoft.com/office/drawing/2018/hyperlinkcolor" xmlns:go="http://customooxmlschemas.google.com/" r:id="rId61" roundtripDataSignature="AMtx7mh8+V1nZDCJuCgwzr3Qy4UygyySmw=="/>
     </p:ext>
   </p:extLst>
 </p:presentation>
@@ -5838,6 +5841,124 @@
 </p:sldLayout>
 </file>
 
+<file path=ppt/slideLayouts/slideLayout5.xml><?xml version="1.0" encoding="utf-8"?>
+<p:sldLayout xmlns:a="http://schemas.openxmlformats.org/drawingml/2006/main" xmlns:r="http://schemas.openxmlformats.org/officeDocument/2006/relationships" xmlns:p="http://schemas.openxmlformats.org/presentationml/2006/main" type="blank" preserve="1">
+  <p:cSld name="Blank">
+    <p:spTree>
+      <p:nvGrpSpPr>
+        <p:cNvPr id="1" name=""/>
+        <p:cNvGrpSpPr/>
+        <p:nvPr/>
+      </p:nvGrpSpPr>
+      <p:grpSpPr>
+        <a:xfrm>
+          <a:off x="0" y="0"/>
+          <a:ext cx="0" cy="0"/>
+          <a:chOff x="0" y="0"/>
+          <a:chExt cx="0" cy="0"/>
+        </a:xfrm>
+      </p:grpSpPr>
+      <p:sp>
+        <p:nvSpPr>
+          <p:cNvPr id="2" name="Date Placeholder 1">
+            <a:extLst>
+              <a:ext uri="{FF2B5EF4-FFF2-40B4-BE49-F238E27FC236}">
+                <a16:creationId xmlns:a16="http://schemas.microsoft.com/office/drawing/2014/main" id="{4DF96C1C-D4C9-E4BA-5FC2-60F790C4B1E6}"/>
+              </a:ext>
+            </a:extLst>
+          </p:cNvPr>
+          <p:cNvSpPr>
+            <a:spLocks noGrp="1"/>
+          </p:cNvSpPr>
+          <p:nvPr>
+            <p:ph type="dt" idx="10"/>
+          </p:nvPr>
+        </p:nvSpPr>
+        <p:spPr/>
+        <p:txBody>
+          <a:bodyPr/>
+          <a:lstStyle/>
+          <a:p>
+            <a:endParaRPr lang="en-US"/>
+          </a:p>
+        </p:txBody>
+      </p:sp>
+      <p:sp>
+        <p:nvSpPr>
+          <p:cNvPr id="3" name="Footer Placeholder 2">
+            <a:extLst>
+              <a:ext uri="{FF2B5EF4-FFF2-40B4-BE49-F238E27FC236}">
+                <a16:creationId xmlns:a16="http://schemas.microsoft.com/office/drawing/2014/main" id="{1F2F68BC-7426-9755-582F-5BD7F3A4B7D7}"/>
+              </a:ext>
+            </a:extLst>
+          </p:cNvPr>
+          <p:cNvSpPr>
+            <a:spLocks noGrp="1"/>
+          </p:cNvSpPr>
+          <p:nvPr>
+            <p:ph type="ftr" idx="11"/>
+          </p:nvPr>
+        </p:nvSpPr>
+        <p:spPr/>
+        <p:txBody>
+          <a:bodyPr/>
+          <a:lstStyle/>
+          <a:p>
+            <a:endParaRPr lang="en-US"/>
+          </a:p>
+        </p:txBody>
+      </p:sp>
+      <p:sp>
+        <p:nvSpPr>
+          <p:cNvPr id="4" name="Slide Number Placeholder 3">
+            <a:extLst>
+              <a:ext uri="{FF2B5EF4-FFF2-40B4-BE49-F238E27FC236}">
+                <a16:creationId xmlns:a16="http://schemas.microsoft.com/office/drawing/2014/main" id="{4AF670BE-8D1D-95AA-F8F5-213F7EEF397B}"/>
+              </a:ext>
+            </a:extLst>
+          </p:cNvPr>
+          <p:cNvSpPr>
+            <a:spLocks noGrp="1"/>
+          </p:cNvSpPr>
+          <p:nvPr>
+            <p:ph type="sldNum" idx="12"/>
+          </p:nvPr>
+        </p:nvSpPr>
+        <p:spPr/>
+        <p:txBody>
+          <a:bodyPr/>
+          <a:lstStyle/>
+          <a:p>
+            <a:pPr marL="0" lvl="0" indent="0" algn="r" rtl="0">
+              <a:spcBef>
+                <a:spcPts val="0"/>
+              </a:spcBef>
+              <a:spcAft>
+                <a:spcPts val="0"/>
+              </a:spcAft>
+              <a:buNone/>
+            </a:pPr>
+            <a:fld id="{00000000-1234-1234-1234-123412341234}" type="slidenum">
+              <a:rPr lang="en-US" smtClean="0"/>
+              <a:t>‹#›</a:t>
+            </a:fld>
+            <a:endParaRPr lang="en-US"/>
+          </a:p>
+        </p:txBody>
+      </p:sp>
+    </p:spTree>
+    <p:extLst>
+      <p:ext uri="{BB962C8B-B14F-4D97-AF65-F5344CB8AC3E}">
+        <p14:creationId xmlns:p14="http://schemas.microsoft.com/office/powerpoint/2010/main" val="1375037109"/>
+      </p:ext>
+    </p:extLst>
+  </p:cSld>
+  <p:clrMapOvr>
+    <a:masterClrMapping/>
+  </p:clrMapOvr>
+</p:sldLayout>
+</file>
+
 <file path=ppt/slideMasters/slideMaster1.xml><?xml version="1.0" encoding="utf-8"?>
 <p:sldMaster xmlns:a="http://schemas.openxmlformats.org/drawingml/2006/main" xmlns:r="http://schemas.openxmlformats.org/officeDocument/2006/relationships" xmlns:p="http://schemas.openxmlformats.org/presentationml/2006/main">
   <p:cSld>
@@ -6879,6 +7000,7 @@
     <p:sldLayoutId id="2147483657" r:id="rId2"/>
     <p:sldLayoutId id="2147483671" r:id="rId3"/>
     <p:sldLayoutId id="2147483672" r:id="rId4"/>
+    <p:sldLayoutId id="2147483673" r:id="rId5"/>
   </p:sldLayoutIdLst>
   <p:hf sldNum="0" hdr="0" ftr="0" dt="0"/>
   <p:txStyles>
@@ -9802,6 +9924,2095 @@
 </file>
 
 <file path=ppt/slides/slide16.xml><?xml version="1.0" encoding="utf-8"?>
+<p:sld xmlns:a="http://schemas.openxmlformats.org/drawingml/2006/main" xmlns:r="http://schemas.openxmlformats.org/officeDocument/2006/relationships" xmlns:p="http://schemas.openxmlformats.org/presentationml/2006/main" showMasterSp="0">
+  <p:cSld>
+    <p:bg>
+      <p:bgPr>
+        <a:solidFill>
+          <a:srgbClr val="FFFFFF"/>
+        </a:solidFill>
+        <a:effectLst/>
+      </p:bgPr>
+    </p:bg>
+    <p:spTree>
+      <p:nvGrpSpPr>
+        <p:cNvPr id="1" name=""/>
+        <p:cNvGrpSpPr/>
+        <p:nvPr/>
+      </p:nvGrpSpPr>
+      <p:grpSpPr>
+        <a:xfrm>
+          <a:off x="0" y="0"/>
+          <a:ext cx="0" cy="0"/>
+          <a:chOff x="0" y="0"/>
+          <a:chExt cx="0" cy="0"/>
+        </a:xfrm>
+      </p:grpSpPr>
+      <p:pic>
+        <p:nvPicPr>
+          <p:cNvPr id="3" name="Graphic 2">
+            <a:extLst>
+              <a:ext uri="{FF2B5EF4-FFF2-40B4-BE49-F238E27FC236}">
+                <a16:creationId xmlns:a16="http://schemas.microsoft.com/office/drawing/2014/main" id="{B9ADC810-0FCC-A647-A344-BC2AD079D184}"/>
+              </a:ext>
+            </a:extLst>
+          </p:cNvPr>
+          <p:cNvPicPr>
+            <a:picLocks/>
+          </p:cNvPicPr>
+          <p:nvPr>
+            <p:custDataLst>
+              <p:tags r:id="rId2"/>
+            </p:custDataLst>
+          </p:nvPr>
+        </p:nvPicPr>
+        <p:blipFill>
+          <a:blip r:embed="rId9">
+            <a:extLst>
+              <a:ext uri="{96DAC541-7B7A-43D3-8B79-37D633B846F1}">
+                <asvg:svgBlip xmlns:asvg="http://schemas.microsoft.com/office/drawing/2016/SVG/main" r:embed="rId10"/>
+              </a:ext>
+            </a:extLst>
+          </a:blip>
+          <a:stretch>
+            <a:fillRect/>
+          </a:stretch>
+        </p:blipFill>
+        <p:spPr>
+          <a:xfrm>
+            <a:off x="3901440" y="617220"/>
+            <a:ext cx="1036320" cy="518160"/>
+          </a:xfrm>
+          <a:prstGeom prst="rect">
+            <a:avLst/>
+          </a:prstGeom>
+        </p:spPr>
+      </p:pic>
+      <p:sp>
+        <p:nvSpPr>
+          <p:cNvPr id="6" name="Rectangle 5">
+            <a:extLst>
+              <a:ext uri="{FF2B5EF4-FFF2-40B4-BE49-F238E27FC236}">
+                <a16:creationId xmlns:a16="http://schemas.microsoft.com/office/drawing/2014/main" id="{0C04A06F-5B46-A836-CC59-C7648F1EDB0B}"/>
+              </a:ext>
+            </a:extLst>
+          </p:cNvPr>
+          <p:cNvSpPr/>
+          <p:nvPr>
+            <p:custDataLst>
+              <p:tags r:id="rId3"/>
+            </p:custDataLst>
+          </p:nvPr>
+        </p:nvSpPr>
+        <p:spPr>
+          <a:xfrm>
+            <a:off x="3901440" y="2571750"/>
+            <a:ext cx="7315199" cy="1714500"/>
+          </a:xfrm>
+          <a:prstGeom prst="rect">
+            <a:avLst/>
+          </a:prstGeom>
+          <a:noFill/>
+          <a:ln w="25400" cap="flat" cmpd="sng" algn="ctr">
+            <a:solidFill>
+              <a:srgbClr val="FFFFFF"/>
+            </a:solidFill>
+            <a:prstDash val="solid"/>
+          </a:ln>
+          <a:effectLst/>
+          <a:extLst>
+            <a:ext uri="{909E8E84-426E-40DD-AFC4-6F175D3DCCD1}">
+              <a14:hiddenFill xmlns:a14="http://schemas.microsoft.com/office/drawing/2010/main">
+                <a:solidFill>
+                  <a:schemeClr val="accent1"/>
+                </a:solidFill>
+              </a14:hiddenFill>
+            </a:ext>
+          </a:extLst>
+        </p:spPr>
+        <p:style>
+          <a:lnRef idx="2">
+            <a:schemeClr val="accent1">
+              <a:shade val="15000"/>
+            </a:schemeClr>
+          </a:lnRef>
+          <a:fillRef idx="1">
+            <a:schemeClr val="accent1"/>
+          </a:fillRef>
+          <a:effectRef idx="0">
+            <a:schemeClr val="accent1"/>
+          </a:effectRef>
+          <a:fontRef idx="minor">
+            <a:schemeClr val="lt1"/>
+          </a:fontRef>
+        </p:style>
+        <p:txBody>
+          <a:bodyPr rtlCol="0" anchor="ctr"/>
+          <a:lstStyle/>
+          <a:p>
+            <a:r>
+              <a:rPr lang="en-US" sz="3600" b="1">
+                <a:solidFill>
+                  <a:srgbClr val="5B5B5B"/>
+                </a:solidFill>
+              </a:rPr>
+              <a:t>Comparing the true value vs the predicted values, what is the value of the TP?</a:t>
+            </a:r>
+          </a:p>
+        </p:txBody>
+      </p:sp>
+      <p:sp>
+        <p:nvSpPr>
+          <p:cNvPr id="7" name="Rounded Rectangle 6">
+            <a:extLst>
+              <a:ext uri="{FF2B5EF4-FFF2-40B4-BE49-F238E27FC236}">
+                <a16:creationId xmlns:a16="http://schemas.microsoft.com/office/drawing/2014/main" id="{80020838-0010-8FB0-2D51-D59083127808}"/>
+              </a:ext>
+            </a:extLst>
+          </p:cNvPr>
+          <p:cNvSpPr/>
+          <p:nvPr>
+            <p:custDataLst>
+              <p:tags r:id="rId4"/>
+            </p:custDataLst>
+          </p:nvPr>
+        </p:nvSpPr>
+        <p:spPr>
+          <a:xfrm>
+            <a:off x="6286500" y="430530"/>
+            <a:ext cx="5524500" cy="891540"/>
+          </a:xfrm>
+          <a:prstGeom prst="roundRect">
+            <a:avLst/>
+          </a:prstGeom>
+          <a:solidFill>
+            <a:srgbClr val="F4F4F4"/>
+          </a:solidFill>
+          <a:ln w="25400" cap="flat" cmpd="sng" algn="ctr">
+            <a:noFill/>
+            <a:prstDash val="solid"/>
+          </a:ln>
+          <a:effectLst/>
+          <a:extLst>
+            <a:ext uri="{91240B29-F687-4F45-9708-019B960494DF}">
+              <a14:hiddenLine xmlns:a14="http://schemas.microsoft.com/office/drawing/2010/main" w="25400" cap="flat" cmpd="sng" algn="ctr">
+                <a:solidFill>
+                  <a:schemeClr val="accent1">
+                    <a:shade val="15000"/>
+                  </a:schemeClr>
+                </a:solidFill>
+                <a:prstDash val="solid"/>
+              </a14:hiddenLine>
+            </a:ext>
+          </a:extLst>
+        </p:spPr>
+        <p:style>
+          <a:lnRef idx="2">
+            <a:schemeClr val="accent1">
+              <a:shade val="15000"/>
+            </a:schemeClr>
+          </a:lnRef>
+          <a:fillRef idx="1">
+            <a:schemeClr val="accent1"/>
+          </a:fillRef>
+          <a:effectRef idx="0">
+            <a:schemeClr val="accent1"/>
+          </a:effectRef>
+          <a:fontRef idx="minor">
+            <a:schemeClr val="lt1"/>
+          </a:fontRef>
+        </p:style>
+        <p:txBody>
+          <a:bodyPr lIns="317500" rIns="1143000" rtlCol="0" anchor="ctr">
+            <a:normAutofit/>
+          </a:bodyPr>
+          <a:lstStyle/>
+          <a:p>
+            <a:r>
+              <a:rPr lang="en-US" sz="2000">
+                <a:solidFill>
+                  <a:srgbClr val="5B5B5B"/>
+                </a:solidFill>
+              </a:rPr>
+              <a:t>Please download and install the Slido app on all computers you use</a:t>
+            </a:r>
+          </a:p>
+        </p:txBody>
+      </p:sp>
+      <p:pic>
+        <p:nvPicPr>
+          <p:cNvPr id="9" name="Graphic 8">
+            <a:extLst>
+              <a:ext uri="{FF2B5EF4-FFF2-40B4-BE49-F238E27FC236}">
+                <a16:creationId xmlns:a16="http://schemas.microsoft.com/office/drawing/2014/main" id="{40C8EAD7-8EBD-B93C-3B26-4EBFCB49634B}"/>
+              </a:ext>
+            </a:extLst>
+          </p:cNvPr>
+          <p:cNvPicPr>
+            <a:picLocks/>
+          </p:cNvPicPr>
+          <p:nvPr>
+            <p:custDataLst>
+              <p:tags r:id="rId5"/>
+            </p:custDataLst>
+          </p:nvPr>
+        </p:nvPicPr>
+        <p:blipFill>
+          <a:blip r:embed="rId11">
+            <a:extLst>
+              <a:ext uri="{96DAC541-7B7A-43D3-8B79-37D633B846F1}">
+                <asvg:svgBlip xmlns:asvg="http://schemas.microsoft.com/office/drawing/2016/SVG/main" r:embed="rId12"/>
+              </a:ext>
+            </a:extLst>
+          </a:blip>
+          <a:stretch>
+            <a:fillRect/>
+          </a:stretch>
+        </p:blipFill>
+        <p:spPr>
+          <a:xfrm>
+            <a:off x="10826048" y="577634"/>
+            <a:ext cx="597332" cy="597332"/>
+          </a:xfrm>
+          <a:prstGeom prst="rect">
+            <a:avLst/>
+          </a:prstGeom>
+        </p:spPr>
+      </p:pic>
+      <p:sp>
+        <p:nvSpPr>
+          <p:cNvPr id="10" name="Rectangle 9">
+            <a:extLst>
+              <a:ext uri="{FF2B5EF4-FFF2-40B4-BE49-F238E27FC236}">
+                <a16:creationId xmlns:a16="http://schemas.microsoft.com/office/drawing/2014/main" id="{59BF1661-A8E3-7A97-0E68-56B2743585F7}"/>
+              </a:ext>
+            </a:extLst>
+          </p:cNvPr>
+          <p:cNvSpPr/>
+          <p:nvPr>
+            <p:custDataLst>
+              <p:tags r:id="rId6"/>
+            </p:custDataLst>
+          </p:nvPr>
+        </p:nvSpPr>
+        <p:spPr>
+          <a:xfrm>
+            <a:off x="3901440" y="6032500"/>
+            <a:ext cx="7315199" cy="518160"/>
+          </a:xfrm>
+          <a:prstGeom prst="rect">
+            <a:avLst/>
+          </a:prstGeom>
+          <a:solidFill>
+            <a:srgbClr val="FFFFFF"/>
+          </a:solidFill>
+          <a:ln w="25400" cap="flat" cmpd="sng" algn="ctr">
+            <a:noFill/>
+            <a:prstDash val="solid"/>
+          </a:ln>
+          <a:effectLst/>
+          <a:extLst>
+            <a:ext uri="{91240B29-F687-4F45-9708-019B960494DF}">
+              <a14:hiddenLine xmlns:a14="http://schemas.microsoft.com/office/drawing/2010/main" w="25400" cap="flat" cmpd="sng" algn="ctr">
+                <a:solidFill>
+                  <a:schemeClr val="accent1">
+                    <a:shade val="15000"/>
+                  </a:schemeClr>
+                </a:solidFill>
+                <a:prstDash val="solid"/>
+              </a14:hiddenLine>
+            </a:ext>
+          </a:extLst>
+        </p:spPr>
+        <p:style>
+          <a:lnRef idx="2">
+            <a:schemeClr val="accent1">
+              <a:shade val="15000"/>
+            </a:schemeClr>
+          </a:lnRef>
+          <a:fillRef idx="1">
+            <a:schemeClr val="accent1"/>
+          </a:fillRef>
+          <a:effectRef idx="0">
+            <a:schemeClr val="accent1"/>
+          </a:effectRef>
+          <a:fontRef idx="minor">
+            <a:schemeClr val="lt1"/>
+          </a:fontRef>
+        </p:style>
+        <p:txBody>
+          <a:bodyPr rtlCol="0" anchor="ctr">
+            <a:normAutofit/>
+          </a:bodyPr>
+          <a:lstStyle/>
+          <a:p>
+            <a:r>
+              <a:rPr lang="en-US" sz="2200" b="1">
+                <a:solidFill>
+                  <a:srgbClr val="5B5B5B"/>
+                </a:solidFill>
+              </a:rPr>
+              <a:t>ⓘ</a:t>
+            </a:r>
+            <a:r>
+              <a:rPr lang="en-US" sz="2000">
+                <a:solidFill>
+                  <a:srgbClr val="5B5B5B"/>
+                </a:solidFill>
+              </a:rPr>
+              <a:t> Start presenting to display the poll results on this slide.</a:t>
+            </a:r>
+          </a:p>
+        </p:txBody>
+      </p:sp>
+      <p:pic>
+        <p:nvPicPr>
+          <p:cNvPr id="14" name="Graphic 13">
+            <a:extLst>
+              <a:ext uri="{FF2B5EF4-FFF2-40B4-BE49-F238E27FC236}">
+                <a16:creationId xmlns:a16="http://schemas.microsoft.com/office/drawing/2014/main" id="{C5100AD1-BBC0-C105-1196-E4FA5A9EC57C}"/>
+              </a:ext>
+            </a:extLst>
+          </p:cNvPr>
+          <p:cNvPicPr>
+            <a:picLocks/>
+          </p:cNvPicPr>
+          <p:nvPr>
+            <p:custDataLst>
+              <p:tags r:id="rId7"/>
+            </p:custDataLst>
+          </p:nvPr>
+        </p:nvPicPr>
+        <p:blipFill>
+          <a:blip r:embed="rId13">
+            <a:extLst>
+              <a:ext uri="{96DAC541-7B7A-43D3-8B79-37D633B846F1}">
+                <asvg:svgBlip xmlns:asvg="http://schemas.microsoft.com/office/drawing/2016/SVG/main" r:embed="rId14"/>
+              </a:ext>
+            </a:extLst>
+          </a:blip>
+          <a:stretch>
+            <a:fillRect/>
+          </a:stretch>
+        </p:blipFill>
+        <p:spPr>
+          <a:xfrm>
+            <a:off x="1158240" y="2270760"/>
+            <a:ext cx="2316480" cy="2316480"/>
+          </a:xfrm>
+          <a:prstGeom prst="rect">
+            <a:avLst/>
+          </a:prstGeom>
+        </p:spPr>
+      </p:pic>
+    </p:spTree>
+    <p:custDataLst>
+      <p:tags r:id="rId1"/>
+    </p:custDataLst>
+    <p:extLst>
+      <p:ext uri="{BB962C8B-B14F-4D97-AF65-F5344CB8AC3E}">
+        <p14:creationId xmlns:p14="http://schemas.microsoft.com/office/powerpoint/2010/main" val="4051402882"/>
+      </p:ext>
+    </p:extLst>
+  </p:cSld>
+  <p:clrMapOvr>
+    <a:masterClrMapping/>
+  </p:clrMapOvr>
+  <p:timing>
+    <p:tnLst>
+      <p:par>
+        <p:cTn id="1" dur="indefinite" restart="never" nodeType="tmRoot">
+          <p:childTnLst>
+            <p:seq concurrent="1" nextAc="seek">
+              <p:cTn id="2" dur="indefinite" nodeType="mainSeq">
+                <p:childTnLst>
+                  <p:par>
+                    <p:cTn id="3" fill="hold">
+                      <p:stCondLst>
+                        <p:cond delay="indefinite"/>
+                      </p:stCondLst>
+                      <p:childTnLst>
+                        <p:par>
+                          <p:cTn id="4" fill="hold">
+                            <p:stCondLst>
+                              <p:cond delay="0"/>
+                            </p:stCondLst>
+                            <p:childTnLst>
+                              <p:par>
+                                <p:cTn id="5" presetID="26" presetClass="emph" presetSubtype="0" fill="hold" grpId="0" nodeType="clickEffect">
+                                  <p:stCondLst>
+                                    <p:cond delay="0"/>
+                                  </p:stCondLst>
+                                  <p:childTnLst>
+                                    <p:animEffect transition="out" filter="fade">
+                                      <p:cBhvr>
+                                        <p:cTn id="6" dur="50" tmFilter="0, 0; .2, .5; .8, .5; 1, 0"/>
+                                        <p:tgtEl>
+                                          <p:spTgt spid="6"/>
+                                        </p:tgtEl>
+                                      </p:cBhvr>
+                                    </p:animEffect>
+                                    <p:animScale>
+                                      <p:cBhvr>
+                                        <p:cTn id="7" dur="25" autoRev="1" fill="hold"/>
+                                        <p:tgtEl>
+                                          <p:spTgt spid="6"/>
+                                        </p:tgtEl>
+                                      </p:cBhvr>
+                                      <p:by x="105000" y="105000"/>
+                                    </p:animScale>
+                                  </p:childTnLst>
+                                </p:cTn>
+                              </p:par>
+                            </p:childTnLst>
+                          </p:cTn>
+                        </p:par>
+                      </p:childTnLst>
+                    </p:cTn>
+                  </p:par>
+                </p:childTnLst>
+              </p:cTn>
+              <p:prevCondLst>
+                <p:cond evt="onPrev" delay="0">
+                  <p:tgtEl>
+                    <p:sldTgt/>
+                  </p:tgtEl>
+                </p:cond>
+              </p:prevCondLst>
+              <p:nextCondLst>
+                <p:cond evt="onNext" delay="0">
+                  <p:tgtEl>
+                    <p:sldTgt/>
+                  </p:tgtEl>
+                </p:cond>
+              </p:nextCondLst>
+            </p:seq>
+          </p:childTnLst>
+        </p:cTn>
+      </p:par>
+    </p:tnLst>
+    <p:bldLst>
+      <p:bldP spid="6" grpId="0" animBg="1"/>
+    </p:bldLst>
+  </p:timing>
+</p:sld>
+</file>
+
+<file path=ppt/slides/slide17.xml><?xml version="1.0" encoding="utf-8"?>
+<p:sld xmlns:a="http://schemas.openxmlformats.org/drawingml/2006/main" xmlns:r="http://schemas.openxmlformats.org/officeDocument/2006/relationships" xmlns:p="http://schemas.openxmlformats.org/presentationml/2006/main" showMasterSp="0">
+  <p:cSld>
+    <p:bg>
+      <p:bgPr>
+        <a:solidFill>
+          <a:srgbClr val="FFFFFF"/>
+        </a:solidFill>
+        <a:effectLst/>
+      </p:bgPr>
+    </p:bg>
+    <p:spTree>
+      <p:nvGrpSpPr>
+        <p:cNvPr id="1" name=""/>
+        <p:cNvGrpSpPr/>
+        <p:nvPr/>
+      </p:nvGrpSpPr>
+      <p:grpSpPr>
+        <a:xfrm>
+          <a:off x="0" y="0"/>
+          <a:ext cx="0" cy="0"/>
+          <a:chOff x="0" y="0"/>
+          <a:chExt cx="0" cy="0"/>
+        </a:xfrm>
+      </p:grpSpPr>
+      <p:pic>
+        <p:nvPicPr>
+          <p:cNvPr id="3" name="Graphic 2">
+            <a:extLst>
+              <a:ext uri="{FF2B5EF4-FFF2-40B4-BE49-F238E27FC236}">
+                <a16:creationId xmlns:a16="http://schemas.microsoft.com/office/drawing/2014/main" id="{8369AFBD-D4FC-C04B-4B07-67BD1A668BBF}"/>
+              </a:ext>
+            </a:extLst>
+          </p:cNvPr>
+          <p:cNvPicPr>
+            <a:picLocks/>
+          </p:cNvPicPr>
+          <p:nvPr>
+            <p:custDataLst>
+              <p:tags r:id="rId2"/>
+            </p:custDataLst>
+          </p:nvPr>
+        </p:nvPicPr>
+        <p:blipFill>
+          <a:blip r:embed="rId9">
+            <a:extLst>
+              <a:ext uri="{96DAC541-7B7A-43D3-8B79-37D633B846F1}">
+                <asvg:svgBlip xmlns:asvg="http://schemas.microsoft.com/office/drawing/2016/SVG/main" r:embed="rId10"/>
+              </a:ext>
+            </a:extLst>
+          </a:blip>
+          <a:stretch>
+            <a:fillRect/>
+          </a:stretch>
+        </p:blipFill>
+        <p:spPr>
+          <a:xfrm>
+            <a:off x="3901440" y="617220"/>
+            <a:ext cx="1036320" cy="518160"/>
+          </a:xfrm>
+          <a:prstGeom prst="rect">
+            <a:avLst/>
+          </a:prstGeom>
+        </p:spPr>
+      </p:pic>
+      <p:sp>
+        <p:nvSpPr>
+          <p:cNvPr id="6" name="Rectangle 5">
+            <a:extLst>
+              <a:ext uri="{FF2B5EF4-FFF2-40B4-BE49-F238E27FC236}">
+                <a16:creationId xmlns:a16="http://schemas.microsoft.com/office/drawing/2014/main" id="{EB0CAFE9-316D-D970-A1C5-169B563EEE5D}"/>
+              </a:ext>
+            </a:extLst>
+          </p:cNvPr>
+          <p:cNvSpPr/>
+          <p:nvPr>
+            <p:custDataLst>
+              <p:tags r:id="rId3"/>
+            </p:custDataLst>
+          </p:nvPr>
+        </p:nvSpPr>
+        <p:spPr>
+          <a:xfrm>
+            <a:off x="3901440" y="2571750"/>
+            <a:ext cx="7315199" cy="1714500"/>
+          </a:xfrm>
+          <a:prstGeom prst="rect">
+            <a:avLst/>
+          </a:prstGeom>
+          <a:noFill/>
+          <a:ln w="25400" cap="flat" cmpd="sng" algn="ctr">
+            <a:solidFill>
+              <a:srgbClr val="FFFFFF"/>
+            </a:solidFill>
+            <a:prstDash val="solid"/>
+          </a:ln>
+          <a:effectLst/>
+          <a:extLst>
+            <a:ext uri="{909E8E84-426E-40DD-AFC4-6F175D3DCCD1}">
+              <a14:hiddenFill xmlns:a14="http://schemas.microsoft.com/office/drawing/2010/main">
+                <a:solidFill>
+                  <a:schemeClr val="accent1"/>
+                </a:solidFill>
+              </a14:hiddenFill>
+            </a:ext>
+          </a:extLst>
+        </p:spPr>
+        <p:style>
+          <a:lnRef idx="2">
+            <a:schemeClr val="accent1">
+              <a:shade val="15000"/>
+            </a:schemeClr>
+          </a:lnRef>
+          <a:fillRef idx="1">
+            <a:schemeClr val="accent1"/>
+          </a:fillRef>
+          <a:effectRef idx="0">
+            <a:schemeClr val="accent1"/>
+          </a:effectRef>
+          <a:fontRef idx="minor">
+            <a:schemeClr val="lt1"/>
+          </a:fontRef>
+        </p:style>
+        <p:txBody>
+          <a:bodyPr rtlCol="0" anchor="ctr"/>
+          <a:lstStyle/>
+          <a:p>
+            <a:r>
+              <a:rPr lang="en-US" sz="3500" b="1">
+                <a:solidFill>
+                  <a:srgbClr val="5B5B5B"/>
+                </a:solidFill>
+              </a:rPr>
+              <a:t>Comparing the true value vs the predicted values, what is the value of FN?</a:t>
+            </a:r>
+          </a:p>
+        </p:txBody>
+      </p:sp>
+      <p:sp>
+        <p:nvSpPr>
+          <p:cNvPr id="7" name="Rounded Rectangle 6">
+            <a:extLst>
+              <a:ext uri="{FF2B5EF4-FFF2-40B4-BE49-F238E27FC236}">
+                <a16:creationId xmlns:a16="http://schemas.microsoft.com/office/drawing/2014/main" id="{1D519890-411D-A8AC-DEB0-54587022F1E8}"/>
+              </a:ext>
+            </a:extLst>
+          </p:cNvPr>
+          <p:cNvSpPr/>
+          <p:nvPr>
+            <p:custDataLst>
+              <p:tags r:id="rId4"/>
+            </p:custDataLst>
+          </p:nvPr>
+        </p:nvSpPr>
+        <p:spPr>
+          <a:xfrm>
+            <a:off x="6286500" y="430530"/>
+            <a:ext cx="5524500" cy="891540"/>
+          </a:xfrm>
+          <a:prstGeom prst="roundRect">
+            <a:avLst/>
+          </a:prstGeom>
+          <a:solidFill>
+            <a:srgbClr val="F4F4F4"/>
+          </a:solidFill>
+          <a:ln w="25400" cap="flat" cmpd="sng" algn="ctr">
+            <a:noFill/>
+            <a:prstDash val="solid"/>
+          </a:ln>
+          <a:effectLst/>
+          <a:extLst>
+            <a:ext uri="{91240B29-F687-4F45-9708-019B960494DF}">
+              <a14:hiddenLine xmlns:a14="http://schemas.microsoft.com/office/drawing/2010/main" w="25400" cap="flat" cmpd="sng" algn="ctr">
+                <a:solidFill>
+                  <a:schemeClr val="accent1">
+                    <a:shade val="15000"/>
+                  </a:schemeClr>
+                </a:solidFill>
+                <a:prstDash val="solid"/>
+              </a14:hiddenLine>
+            </a:ext>
+          </a:extLst>
+        </p:spPr>
+        <p:style>
+          <a:lnRef idx="2">
+            <a:schemeClr val="accent1">
+              <a:shade val="15000"/>
+            </a:schemeClr>
+          </a:lnRef>
+          <a:fillRef idx="1">
+            <a:schemeClr val="accent1"/>
+          </a:fillRef>
+          <a:effectRef idx="0">
+            <a:schemeClr val="accent1"/>
+          </a:effectRef>
+          <a:fontRef idx="minor">
+            <a:schemeClr val="lt1"/>
+          </a:fontRef>
+        </p:style>
+        <p:txBody>
+          <a:bodyPr lIns="317500" rIns="1143000" rtlCol="0" anchor="ctr">
+            <a:normAutofit/>
+          </a:bodyPr>
+          <a:lstStyle/>
+          <a:p>
+            <a:r>
+              <a:rPr lang="en-US" sz="2000">
+                <a:solidFill>
+                  <a:srgbClr val="5B5B5B"/>
+                </a:solidFill>
+              </a:rPr>
+              <a:t>Please download and install the Slido app on all computers you use</a:t>
+            </a:r>
+          </a:p>
+        </p:txBody>
+      </p:sp>
+      <p:pic>
+        <p:nvPicPr>
+          <p:cNvPr id="9" name="Graphic 8">
+            <a:extLst>
+              <a:ext uri="{FF2B5EF4-FFF2-40B4-BE49-F238E27FC236}">
+                <a16:creationId xmlns:a16="http://schemas.microsoft.com/office/drawing/2014/main" id="{E9F846B3-D78D-9341-7C65-24A97E30F8DC}"/>
+              </a:ext>
+            </a:extLst>
+          </p:cNvPr>
+          <p:cNvPicPr>
+            <a:picLocks/>
+          </p:cNvPicPr>
+          <p:nvPr>
+            <p:custDataLst>
+              <p:tags r:id="rId5"/>
+            </p:custDataLst>
+          </p:nvPr>
+        </p:nvPicPr>
+        <p:blipFill>
+          <a:blip r:embed="rId11">
+            <a:extLst>
+              <a:ext uri="{96DAC541-7B7A-43D3-8B79-37D633B846F1}">
+                <asvg:svgBlip xmlns:asvg="http://schemas.microsoft.com/office/drawing/2016/SVG/main" r:embed="rId12"/>
+              </a:ext>
+            </a:extLst>
+          </a:blip>
+          <a:stretch>
+            <a:fillRect/>
+          </a:stretch>
+        </p:blipFill>
+        <p:spPr>
+          <a:xfrm>
+            <a:off x="10826048" y="577634"/>
+            <a:ext cx="597332" cy="597332"/>
+          </a:xfrm>
+          <a:prstGeom prst="rect">
+            <a:avLst/>
+          </a:prstGeom>
+        </p:spPr>
+      </p:pic>
+      <p:sp>
+        <p:nvSpPr>
+          <p:cNvPr id="10" name="Rectangle 9">
+            <a:extLst>
+              <a:ext uri="{FF2B5EF4-FFF2-40B4-BE49-F238E27FC236}">
+                <a16:creationId xmlns:a16="http://schemas.microsoft.com/office/drawing/2014/main" id="{5D825018-8110-70D2-4D94-D32C1FA98390}"/>
+              </a:ext>
+            </a:extLst>
+          </p:cNvPr>
+          <p:cNvSpPr/>
+          <p:nvPr>
+            <p:custDataLst>
+              <p:tags r:id="rId6"/>
+            </p:custDataLst>
+          </p:nvPr>
+        </p:nvSpPr>
+        <p:spPr>
+          <a:xfrm>
+            <a:off x="3901440" y="6032500"/>
+            <a:ext cx="7315199" cy="518160"/>
+          </a:xfrm>
+          <a:prstGeom prst="rect">
+            <a:avLst/>
+          </a:prstGeom>
+          <a:solidFill>
+            <a:srgbClr val="FFFFFF"/>
+          </a:solidFill>
+          <a:ln w="25400" cap="flat" cmpd="sng" algn="ctr">
+            <a:noFill/>
+            <a:prstDash val="solid"/>
+          </a:ln>
+          <a:effectLst/>
+          <a:extLst>
+            <a:ext uri="{91240B29-F687-4F45-9708-019B960494DF}">
+              <a14:hiddenLine xmlns:a14="http://schemas.microsoft.com/office/drawing/2010/main" w="25400" cap="flat" cmpd="sng" algn="ctr">
+                <a:solidFill>
+                  <a:schemeClr val="accent1">
+                    <a:shade val="15000"/>
+                  </a:schemeClr>
+                </a:solidFill>
+                <a:prstDash val="solid"/>
+              </a14:hiddenLine>
+            </a:ext>
+          </a:extLst>
+        </p:spPr>
+        <p:style>
+          <a:lnRef idx="2">
+            <a:schemeClr val="accent1">
+              <a:shade val="15000"/>
+            </a:schemeClr>
+          </a:lnRef>
+          <a:fillRef idx="1">
+            <a:schemeClr val="accent1"/>
+          </a:fillRef>
+          <a:effectRef idx="0">
+            <a:schemeClr val="accent1"/>
+          </a:effectRef>
+          <a:fontRef idx="minor">
+            <a:schemeClr val="lt1"/>
+          </a:fontRef>
+        </p:style>
+        <p:txBody>
+          <a:bodyPr rtlCol="0" anchor="ctr">
+            <a:normAutofit/>
+          </a:bodyPr>
+          <a:lstStyle/>
+          <a:p>
+            <a:r>
+              <a:rPr lang="en-US" sz="2200" b="1">
+                <a:solidFill>
+                  <a:srgbClr val="5B5B5B"/>
+                </a:solidFill>
+              </a:rPr>
+              <a:t>ⓘ</a:t>
+            </a:r>
+            <a:r>
+              <a:rPr lang="en-US" sz="2000">
+                <a:solidFill>
+                  <a:srgbClr val="5B5B5B"/>
+                </a:solidFill>
+              </a:rPr>
+              <a:t> Start presenting to display the poll results on this slide.</a:t>
+            </a:r>
+          </a:p>
+        </p:txBody>
+      </p:sp>
+      <p:pic>
+        <p:nvPicPr>
+          <p:cNvPr id="12" name="Graphic 11">
+            <a:extLst>
+              <a:ext uri="{FF2B5EF4-FFF2-40B4-BE49-F238E27FC236}">
+                <a16:creationId xmlns:a16="http://schemas.microsoft.com/office/drawing/2014/main" id="{C542E6B5-B0DC-4FAA-E1E1-5F51567D273B}"/>
+              </a:ext>
+            </a:extLst>
+          </p:cNvPr>
+          <p:cNvPicPr>
+            <a:picLocks/>
+          </p:cNvPicPr>
+          <p:nvPr>
+            <p:custDataLst>
+              <p:tags r:id="rId7"/>
+            </p:custDataLst>
+          </p:nvPr>
+        </p:nvPicPr>
+        <p:blipFill>
+          <a:blip r:embed="rId13">
+            <a:extLst>
+              <a:ext uri="{96DAC541-7B7A-43D3-8B79-37D633B846F1}">
+                <asvg:svgBlip xmlns:asvg="http://schemas.microsoft.com/office/drawing/2016/SVG/main" r:embed="rId14"/>
+              </a:ext>
+            </a:extLst>
+          </a:blip>
+          <a:stretch>
+            <a:fillRect/>
+          </a:stretch>
+        </p:blipFill>
+        <p:spPr>
+          <a:xfrm>
+            <a:off x="1158240" y="2270760"/>
+            <a:ext cx="2316480" cy="2316480"/>
+          </a:xfrm>
+          <a:prstGeom prst="rect">
+            <a:avLst/>
+          </a:prstGeom>
+        </p:spPr>
+      </p:pic>
+    </p:spTree>
+    <p:custDataLst>
+      <p:tags r:id="rId1"/>
+    </p:custDataLst>
+    <p:extLst>
+      <p:ext uri="{BB962C8B-B14F-4D97-AF65-F5344CB8AC3E}">
+        <p14:creationId xmlns:p14="http://schemas.microsoft.com/office/powerpoint/2010/main" val="443341283"/>
+      </p:ext>
+    </p:extLst>
+  </p:cSld>
+  <p:clrMapOvr>
+    <a:masterClrMapping/>
+  </p:clrMapOvr>
+  <p:timing>
+    <p:tnLst>
+      <p:par>
+        <p:cTn id="1" dur="indefinite" restart="never" nodeType="tmRoot">
+          <p:childTnLst>
+            <p:seq concurrent="1" nextAc="seek">
+              <p:cTn id="2" dur="indefinite" nodeType="mainSeq">
+                <p:childTnLst>
+                  <p:par>
+                    <p:cTn id="3" fill="hold">
+                      <p:stCondLst>
+                        <p:cond delay="indefinite"/>
+                      </p:stCondLst>
+                      <p:childTnLst>
+                        <p:par>
+                          <p:cTn id="4" fill="hold">
+                            <p:stCondLst>
+                              <p:cond delay="0"/>
+                            </p:stCondLst>
+                            <p:childTnLst>
+                              <p:par>
+                                <p:cTn id="5" presetID="26" presetClass="emph" presetSubtype="0" fill="hold" grpId="0" nodeType="clickEffect">
+                                  <p:stCondLst>
+                                    <p:cond delay="0"/>
+                                  </p:stCondLst>
+                                  <p:childTnLst>
+                                    <p:animEffect transition="out" filter="fade">
+                                      <p:cBhvr>
+                                        <p:cTn id="6" dur="50" tmFilter="0, 0; .2, .5; .8, .5; 1, 0"/>
+                                        <p:tgtEl>
+                                          <p:spTgt spid="6"/>
+                                        </p:tgtEl>
+                                      </p:cBhvr>
+                                    </p:animEffect>
+                                    <p:animScale>
+                                      <p:cBhvr>
+                                        <p:cTn id="7" dur="25" autoRev="1" fill="hold"/>
+                                        <p:tgtEl>
+                                          <p:spTgt spid="6"/>
+                                        </p:tgtEl>
+                                      </p:cBhvr>
+                                      <p:by x="105000" y="105000"/>
+                                    </p:animScale>
+                                  </p:childTnLst>
+                                </p:cTn>
+                              </p:par>
+                            </p:childTnLst>
+                          </p:cTn>
+                        </p:par>
+                      </p:childTnLst>
+                    </p:cTn>
+                  </p:par>
+                </p:childTnLst>
+              </p:cTn>
+              <p:prevCondLst>
+                <p:cond evt="onPrev" delay="0">
+                  <p:tgtEl>
+                    <p:sldTgt/>
+                  </p:tgtEl>
+                </p:cond>
+              </p:prevCondLst>
+              <p:nextCondLst>
+                <p:cond evt="onNext" delay="0">
+                  <p:tgtEl>
+                    <p:sldTgt/>
+                  </p:tgtEl>
+                </p:cond>
+              </p:nextCondLst>
+            </p:seq>
+          </p:childTnLst>
+        </p:cTn>
+      </p:par>
+    </p:tnLst>
+    <p:bldLst>
+      <p:bldP spid="6" grpId="0" animBg="1"/>
+    </p:bldLst>
+  </p:timing>
+</p:sld>
+</file>
+
+<file path=ppt/slides/slide18.xml><?xml version="1.0" encoding="utf-8"?>
+<p:sld xmlns:a="http://schemas.openxmlformats.org/drawingml/2006/main" xmlns:r="http://schemas.openxmlformats.org/officeDocument/2006/relationships" xmlns:p="http://schemas.openxmlformats.org/presentationml/2006/main" showMasterSp="0">
+  <p:cSld>
+    <p:bg>
+      <p:bgPr>
+        <a:solidFill>
+          <a:srgbClr val="FFFFFF"/>
+        </a:solidFill>
+        <a:effectLst/>
+      </p:bgPr>
+    </p:bg>
+    <p:spTree>
+      <p:nvGrpSpPr>
+        <p:cNvPr id="1" name=""/>
+        <p:cNvGrpSpPr/>
+        <p:nvPr/>
+      </p:nvGrpSpPr>
+      <p:grpSpPr>
+        <a:xfrm>
+          <a:off x="0" y="0"/>
+          <a:ext cx="0" cy="0"/>
+          <a:chOff x="0" y="0"/>
+          <a:chExt cx="0" cy="0"/>
+        </a:xfrm>
+      </p:grpSpPr>
+      <p:pic>
+        <p:nvPicPr>
+          <p:cNvPr id="3" name="Graphic 2">
+            <a:extLst>
+              <a:ext uri="{FF2B5EF4-FFF2-40B4-BE49-F238E27FC236}">
+                <a16:creationId xmlns:a16="http://schemas.microsoft.com/office/drawing/2014/main" id="{83BA9B98-E3FE-1F30-DF1C-20E736B856E7}"/>
+              </a:ext>
+            </a:extLst>
+          </p:cNvPr>
+          <p:cNvPicPr>
+            <a:picLocks/>
+          </p:cNvPicPr>
+          <p:nvPr>
+            <p:custDataLst>
+              <p:tags r:id="rId2"/>
+            </p:custDataLst>
+          </p:nvPr>
+        </p:nvPicPr>
+        <p:blipFill>
+          <a:blip r:embed="rId9">
+            <a:extLst>
+              <a:ext uri="{96DAC541-7B7A-43D3-8B79-37D633B846F1}">
+                <asvg:svgBlip xmlns:asvg="http://schemas.microsoft.com/office/drawing/2016/SVG/main" r:embed="rId10"/>
+              </a:ext>
+            </a:extLst>
+          </a:blip>
+          <a:stretch>
+            <a:fillRect/>
+          </a:stretch>
+        </p:blipFill>
+        <p:spPr>
+          <a:xfrm>
+            <a:off x="3901440" y="617220"/>
+            <a:ext cx="1036320" cy="518160"/>
+          </a:xfrm>
+          <a:prstGeom prst="rect">
+            <a:avLst/>
+          </a:prstGeom>
+        </p:spPr>
+      </p:pic>
+      <p:pic>
+        <p:nvPicPr>
+          <p:cNvPr id="5" name="Graphic 4">
+            <a:extLst>
+              <a:ext uri="{FF2B5EF4-FFF2-40B4-BE49-F238E27FC236}">
+                <a16:creationId xmlns:a16="http://schemas.microsoft.com/office/drawing/2014/main" id="{B31B6A8E-515A-7285-7D07-45F990165957}"/>
+              </a:ext>
+            </a:extLst>
+          </p:cNvPr>
+          <p:cNvPicPr>
+            <a:picLocks/>
+          </p:cNvPicPr>
+          <p:nvPr>
+            <p:custDataLst>
+              <p:tags r:id="rId3"/>
+            </p:custDataLst>
+          </p:nvPr>
+        </p:nvPicPr>
+        <p:blipFill>
+          <a:blip r:embed="rId11">
+            <a:extLst>
+              <a:ext uri="{96DAC541-7B7A-43D3-8B79-37D633B846F1}">
+                <asvg:svgBlip xmlns:asvg="http://schemas.microsoft.com/office/drawing/2016/SVG/main" r:embed="rId12"/>
+              </a:ext>
+            </a:extLst>
+          </a:blip>
+          <a:stretch>
+            <a:fillRect/>
+          </a:stretch>
+        </p:blipFill>
+        <p:spPr>
+          <a:xfrm>
+            <a:off x="1158240" y="2270760"/>
+            <a:ext cx="2316480" cy="2316480"/>
+          </a:xfrm>
+          <a:prstGeom prst="rect">
+            <a:avLst/>
+          </a:prstGeom>
+        </p:spPr>
+      </p:pic>
+      <p:sp>
+        <p:nvSpPr>
+          <p:cNvPr id="6" name="Rectangle 5">
+            <a:extLst>
+              <a:ext uri="{FF2B5EF4-FFF2-40B4-BE49-F238E27FC236}">
+                <a16:creationId xmlns:a16="http://schemas.microsoft.com/office/drawing/2014/main" id="{D38F239A-DAF6-BC70-87AE-C6375F113800}"/>
+              </a:ext>
+            </a:extLst>
+          </p:cNvPr>
+          <p:cNvSpPr/>
+          <p:nvPr>
+            <p:custDataLst>
+              <p:tags r:id="rId4"/>
+            </p:custDataLst>
+          </p:nvPr>
+        </p:nvSpPr>
+        <p:spPr>
+          <a:xfrm>
+            <a:off x="3901440" y="2571750"/>
+            <a:ext cx="7315199" cy="1714500"/>
+          </a:xfrm>
+          <a:prstGeom prst="rect">
+            <a:avLst/>
+          </a:prstGeom>
+          <a:noFill/>
+          <a:ln w="25400" cap="flat" cmpd="sng" algn="ctr">
+            <a:solidFill>
+              <a:srgbClr val="FFFFFF"/>
+            </a:solidFill>
+            <a:prstDash val="solid"/>
+          </a:ln>
+          <a:effectLst/>
+          <a:extLst>
+            <a:ext uri="{909E8E84-426E-40DD-AFC4-6F175D3DCCD1}">
+              <a14:hiddenFill xmlns:a14="http://schemas.microsoft.com/office/drawing/2010/main">
+                <a:solidFill>
+                  <a:schemeClr val="accent1"/>
+                </a:solidFill>
+              </a14:hiddenFill>
+            </a:ext>
+          </a:extLst>
+        </p:spPr>
+        <p:style>
+          <a:lnRef idx="2">
+            <a:schemeClr val="accent1">
+              <a:shade val="15000"/>
+            </a:schemeClr>
+          </a:lnRef>
+          <a:fillRef idx="1">
+            <a:schemeClr val="accent1"/>
+          </a:fillRef>
+          <a:effectRef idx="0">
+            <a:schemeClr val="accent1"/>
+          </a:effectRef>
+          <a:fontRef idx="minor">
+            <a:schemeClr val="lt1"/>
+          </a:fontRef>
+        </p:style>
+        <p:txBody>
+          <a:bodyPr rtlCol="0" anchor="ctr"/>
+          <a:lstStyle/>
+          <a:p>
+            <a:r>
+              <a:rPr lang="en-US" sz="3300" b="1">
+                <a:solidFill>
+                  <a:srgbClr val="5B5B5B"/>
+                </a:solidFill>
+              </a:rPr>
+              <a:t>Comparing the true value vs the predicted values, what is the value of the FP?</a:t>
+            </a:r>
+          </a:p>
+        </p:txBody>
+      </p:sp>
+      <p:sp>
+        <p:nvSpPr>
+          <p:cNvPr id="7" name="Rounded Rectangle 6">
+            <a:extLst>
+              <a:ext uri="{FF2B5EF4-FFF2-40B4-BE49-F238E27FC236}">
+                <a16:creationId xmlns:a16="http://schemas.microsoft.com/office/drawing/2014/main" id="{5216BAF4-FDE4-5407-FC21-D95040093DC9}"/>
+              </a:ext>
+            </a:extLst>
+          </p:cNvPr>
+          <p:cNvSpPr/>
+          <p:nvPr>
+            <p:custDataLst>
+              <p:tags r:id="rId5"/>
+            </p:custDataLst>
+          </p:nvPr>
+        </p:nvSpPr>
+        <p:spPr>
+          <a:xfrm>
+            <a:off x="6286500" y="430530"/>
+            <a:ext cx="5524500" cy="891540"/>
+          </a:xfrm>
+          <a:prstGeom prst="roundRect">
+            <a:avLst/>
+          </a:prstGeom>
+          <a:solidFill>
+            <a:srgbClr val="F4F4F4"/>
+          </a:solidFill>
+          <a:ln w="25400" cap="flat" cmpd="sng" algn="ctr">
+            <a:noFill/>
+            <a:prstDash val="solid"/>
+          </a:ln>
+          <a:effectLst/>
+          <a:extLst>
+            <a:ext uri="{91240B29-F687-4F45-9708-019B960494DF}">
+              <a14:hiddenLine xmlns:a14="http://schemas.microsoft.com/office/drawing/2010/main" w="25400" cap="flat" cmpd="sng" algn="ctr">
+                <a:solidFill>
+                  <a:schemeClr val="accent1">
+                    <a:shade val="15000"/>
+                  </a:schemeClr>
+                </a:solidFill>
+                <a:prstDash val="solid"/>
+              </a14:hiddenLine>
+            </a:ext>
+          </a:extLst>
+        </p:spPr>
+        <p:style>
+          <a:lnRef idx="2">
+            <a:schemeClr val="accent1">
+              <a:shade val="15000"/>
+            </a:schemeClr>
+          </a:lnRef>
+          <a:fillRef idx="1">
+            <a:schemeClr val="accent1"/>
+          </a:fillRef>
+          <a:effectRef idx="0">
+            <a:schemeClr val="accent1"/>
+          </a:effectRef>
+          <a:fontRef idx="minor">
+            <a:schemeClr val="lt1"/>
+          </a:fontRef>
+        </p:style>
+        <p:txBody>
+          <a:bodyPr lIns="317500" rIns="1143000" rtlCol="0" anchor="ctr">
+            <a:normAutofit/>
+          </a:bodyPr>
+          <a:lstStyle/>
+          <a:p>
+            <a:r>
+              <a:rPr lang="en-US" sz="2000">
+                <a:solidFill>
+                  <a:srgbClr val="5B5B5B"/>
+                </a:solidFill>
+              </a:rPr>
+              <a:t>Please download and install the Slido app on all computers you use</a:t>
+            </a:r>
+          </a:p>
+        </p:txBody>
+      </p:sp>
+      <p:pic>
+        <p:nvPicPr>
+          <p:cNvPr id="9" name="Graphic 8">
+            <a:extLst>
+              <a:ext uri="{FF2B5EF4-FFF2-40B4-BE49-F238E27FC236}">
+                <a16:creationId xmlns:a16="http://schemas.microsoft.com/office/drawing/2014/main" id="{D0981A60-7FE1-6A21-8049-BC7E9104850C}"/>
+              </a:ext>
+            </a:extLst>
+          </p:cNvPr>
+          <p:cNvPicPr>
+            <a:picLocks/>
+          </p:cNvPicPr>
+          <p:nvPr>
+            <p:custDataLst>
+              <p:tags r:id="rId6"/>
+            </p:custDataLst>
+          </p:nvPr>
+        </p:nvPicPr>
+        <p:blipFill>
+          <a:blip r:embed="rId13">
+            <a:extLst>
+              <a:ext uri="{96DAC541-7B7A-43D3-8B79-37D633B846F1}">
+                <asvg:svgBlip xmlns:asvg="http://schemas.microsoft.com/office/drawing/2016/SVG/main" r:embed="rId14"/>
+              </a:ext>
+            </a:extLst>
+          </a:blip>
+          <a:stretch>
+            <a:fillRect/>
+          </a:stretch>
+        </p:blipFill>
+        <p:spPr>
+          <a:xfrm>
+            <a:off x="10826048" y="577634"/>
+            <a:ext cx="597332" cy="597332"/>
+          </a:xfrm>
+          <a:prstGeom prst="rect">
+            <a:avLst/>
+          </a:prstGeom>
+        </p:spPr>
+      </p:pic>
+      <p:sp>
+        <p:nvSpPr>
+          <p:cNvPr id="10" name="Rectangle 9">
+            <a:extLst>
+              <a:ext uri="{FF2B5EF4-FFF2-40B4-BE49-F238E27FC236}">
+                <a16:creationId xmlns:a16="http://schemas.microsoft.com/office/drawing/2014/main" id="{71945515-541D-3EBB-4C69-16F9786364DB}"/>
+              </a:ext>
+            </a:extLst>
+          </p:cNvPr>
+          <p:cNvSpPr/>
+          <p:nvPr>
+            <p:custDataLst>
+              <p:tags r:id="rId7"/>
+            </p:custDataLst>
+          </p:nvPr>
+        </p:nvSpPr>
+        <p:spPr>
+          <a:xfrm>
+            <a:off x="3901440" y="6032500"/>
+            <a:ext cx="7315199" cy="518160"/>
+          </a:xfrm>
+          <a:prstGeom prst="rect">
+            <a:avLst/>
+          </a:prstGeom>
+          <a:solidFill>
+            <a:srgbClr val="FFFFFF"/>
+          </a:solidFill>
+          <a:ln w="25400" cap="flat" cmpd="sng" algn="ctr">
+            <a:noFill/>
+            <a:prstDash val="solid"/>
+          </a:ln>
+          <a:effectLst/>
+          <a:extLst>
+            <a:ext uri="{91240B29-F687-4F45-9708-019B960494DF}">
+              <a14:hiddenLine xmlns:a14="http://schemas.microsoft.com/office/drawing/2010/main" w="25400" cap="flat" cmpd="sng" algn="ctr">
+                <a:solidFill>
+                  <a:schemeClr val="accent1">
+                    <a:shade val="15000"/>
+                  </a:schemeClr>
+                </a:solidFill>
+                <a:prstDash val="solid"/>
+              </a14:hiddenLine>
+            </a:ext>
+          </a:extLst>
+        </p:spPr>
+        <p:style>
+          <a:lnRef idx="2">
+            <a:schemeClr val="accent1">
+              <a:shade val="15000"/>
+            </a:schemeClr>
+          </a:lnRef>
+          <a:fillRef idx="1">
+            <a:schemeClr val="accent1"/>
+          </a:fillRef>
+          <a:effectRef idx="0">
+            <a:schemeClr val="accent1"/>
+          </a:effectRef>
+          <a:fontRef idx="minor">
+            <a:schemeClr val="lt1"/>
+          </a:fontRef>
+        </p:style>
+        <p:txBody>
+          <a:bodyPr rtlCol="0" anchor="ctr">
+            <a:normAutofit/>
+          </a:bodyPr>
+          <a:lstStyle/>
+          <a:p>
+            <a:r>
+              <a:rPr lang="en-US" sz="2200" b="1">
+                <a:solidFill>
+                  <a:srgbClr val="5B5B5B"/>
+                </a:solidFill>
+              </a:rPr>
+              <a:t>ⓘ</a:t>
+            </a:r>
+            <a:r>
+              <a:rPr lang="en-US" sz="2000">
+                <a:solidFill>
+                  <a:srgbClr val="5B5B5B"/>
+                </a:solidFill>
+              </a:rPr>
+              <a:t> Start presenting to display the poll results on this slide.</a:t>
+            </a:r>
+          </a:p>
+        </p:txBody>
+      </p:sp>
+    </p:spTree>
+    <p:custDataLst>
+      <p:tags r:id="rId1"/>
+    </p:custDataLst>
+    <p:extLst>
+      <p:ext uri="{BB962C8B-B14F-4D97-AF65-F5344CB8AC3E}">
+        <p14:creationId xmlns:p14="http://schemas.microsoft.com/office/powerpoint/2010/main" val="668216363"/>
+      </p:ext>
+    </p:extLst>
+  </p:cSld>
+  <p:clrMapOvr>
+    <a:masterClrMapping/>
+  </p:clrMapOvr>
+  <p:timing>
+    <p:tnLst>
+      <p:par>
+        <p:cTn id="1" dur="indefinite" restart="never" nodeType="tmRoot">
+          <p:childTnLst>
+            <p:seq concurrent="1" nextAc="seek">
+              <p:cTn id="2" dur="indefinite" nodeType="mainSeq">
+                <p:childTnLst>
+                  <p:par>
+                    <p:cTn id="3" fill="hold">
+                      <p:stCondLst>
+                        <p:cond delay="indefinite"/>
+                      </p:stCondLst>
+                      <p:childTnLst>
+                        <p:par>
+                          <p:cTn id="4" fill="hold">
+                            <p:stCondLst>
+                              <p:cond delay="0"/>
+                            </p:stCondLst>
+                            <p:childTnLst>
+                              <p:par>
+                                <p:cTn id="5" presetID="26" presetClass="emph" presetSubtype="0" fill="hold" grpId="0" nodeType="clickEffect">
+                                  <p:stCondLst>
+                                    <p:cond delay="0"/>
+                                  </p:stCondLst>
+                                  <p:childTnLst>
+                                    <p:animEffect transition="out" filter="fade">
+                                      <p:cBhvr>
+                                        <p:cTn id="6" dur="50" tmFilter="0, 0; .2, .5; .8, .5; 1, 0"/>
+                                        <p:tgtEl>
+                                          <p:spTgt spid="6"/>
+                                        </p:tgtEl>
+                                      </p:cBhvr>
+                                    </p:animEffect>
+                                    <p:animScale>
+                                      <p:cBhvr>
+                                        <p:cTn id="7" dur="25" autoRev="1" fill="hold"/>
+                                        <p:tgtEl>
+                                          <p:spTgt spid="6"/>
+                                        </p:tgtEl>
+                                      </p:cBhvr>
+                                      <p:by x="105000" y="105000"/>
+                                    </p:animScale>
+                                  </p:childTnLst>
+                                </p:cTn>
+                              </p:par>
+                            </p:childTnLst>
+                          </p:cTn>
+                        </p:par>
+                      </p:childTnLst>
+                    </p:cTn>
+                  </p:par>
+                </p:childTnLst>
+              </p:cTn>
+              <p:prevCondLst>
+                <p:cond evt="onPrev" delay="0">
+                  <p:tgtEl>
+                    <p:sldTgt/>
+                  </p:tgtEl>
+                </p:cond>
+              </p:prevCondLst>
+              <p:nextCondLst>
+                <p:cond evt="onNext" delay="0">
+                  <p:tgtEl>
+                    <p:sldTgt/>
+                  </p:tgtEl>
+                </p:cond>
+              </p:nextCondLst>
+            </p:seq>
+          </p:childTnLst>
+        </p:cTn>
+      </p:par>
+    </p:tnLst>
+    <p:bldLst>
+      <p:bldP spid="6" grpId="0" animBg="1"/>
+    </p:bldLst>
+  </p:timing>
+</p:sld>
+</file>
+
+<file path=ppt/slides/slide19.xml><?xml version="1.0" encoding="utf-8"?>
+<p:sld xmlns:a="http://schemas.openxmlformats.org/drawingml/2006/main" xmlns:r="http://schemas.openxmlformats.org/officeDocument/2006/relationships" xmlns:p="http://schemas.openxmlformats.org/presentationml/2006/main" showMasterSp="0">
+  <p:cSld>
+    <p:bg>
+      <p:bgPr>
+        <a:solidFill>
+          <a:srgbClr val="FFFFFF"/>
+        </a:solidFill>
+        <a:effectLst/>
+      </p:bgPr>
+    </p:bg>
+    <p:spTree>
+      <p:nvGrpSpPr>
+        <p:cNvPr id="1" name=""/>
+        <p:cNvGrpSpPr/>
+        <p:nvPr/>
+      </p:nvGrpSpPr>
+      <p:grpSpPr>
+        <a:xfrm>
+          <a:off x="0" y="0"/>
+          <a:ext cx="0" cy="0"/>
+          <a:chOff x="0" y="0"/>
+          <a:chExt cx="0" cy="0"/>
+        </a:xfrm>
+      </p:grpSpPr>
+      <p:pic>
+        <p:nvPicPr>
+          <p:cNvPr id="3" name="Graphic 2">
+            <a:extLst>
+              <a:ext uri="{FF2B5EF4-FFF2-40B4-BE49-F238E27FC236}">
+                <a16:creationId xmlns:a16="http://schemas.microsoft.com/office/drawing/2014/main" id="{46AD5B53-BC50-5E78-A985-3F0CF1E7E403}"/>
+              </a:ext>
+            </a:extLst>
+          </p:cNvPr>
+          <p:cNvPicPr>
+            <a:picLocks/>
+          </p:cNvPicPr>
+          <p:nvPr>
+            <p:custDataLst>
+              <p:tags r:id="rId2"/>
+            </p:custDataLst>
+          </p:nvPr>
+        </p:nvPicPr>
+        <p:blipFill>
+          <a:blip r:embed="rId9">
+            <a:extLst>
+              <a:ext uri="{96DAC541-7B7A-43D3-8B79-37D633B846F1}">
+                <asvg:svgBlip xmlns:asvg="http://schemas.microsoft.com/office/drawing/2016/SVG/main" r:embed="rId10"/>
+              </a:ext>
+            </a:extLst>
+          </a:blip>
+          <a:stretch>
+            <a:fillRect/>
+          </a:stretch>
+        </p:blipFill>
+        <p:spPr>
+          <a:xfrm>
+            <a:off x="3901440" y="617220"/>
+            <a:ext cx="1036320" cy="518160"/>
+          </a:xfrm>
+          <a:prstGeom prst="rect">
+            <a:avLst/>
+          </a:prstGeom>
+        </p:spPr>
+      </p:pic>
+      <p:pic>
+        <p:nvPicPr>
+          <p:cNvPr id="5" name="Graphic 4">
+            <a:extLst>
+              <a:ext uri="{FF2B5EF4-FFF2-40B4-BE49-F238E27FC236}">
+                <a16:creationId xmlns:a16="http://schemas.microsoft.com/office/drawing/2014/main" id="{9D065030-C6FE-2863-15B9-D8F4DFBF77BD}"/>
+              </a:ext>
+            </a:extLst>
+          </p:cNvPr>
+          <p:cNvPicPr>
+            <a:picLocks/>
+          </p:cNvPicPr>
+          <p:nvPr>
+            <p:custDataLst>
+              <p:tags r:id="rId3"/>
+            </p:custDataLst>
+          </p:nvPr>
+        </p:nvPicPr>
+        <p:blipFill>
+          <a:blip r:embed="rId11">
+            <a:extLst>
+              <a:ext uri="{96DAC541-7B7A-43D3-8B79-37D633B846F1}">
+                <asvg:svgBlip xmlns:asvg="http://schemas.microsoft.com/office/drawing/2016/SVG/main" r:embed="rId12"/>
+              </a:ext>
+            </a:extLst>
+          </a:blip>
+          <a:stretch>
+            <a:fillRect/>
+          </a:stretch>
+        </p:blipFill>
+        <p:spPr>
+          <a:xfrm>
+            <a:off x="1158240" y="2270760"/>
+            <a:ext cx="2316480" cy="2316480"/>
+          </a:xfrm>
+          <a:prstGeom prst="rect">
+            <a:avLst/>
+          </a:prstGeom>
+        </p:spPr>
+      </p:pic>
+      <p:sp>
+        <p:nvSpPr>
+          <p:cNvPr id="6" name="Rectangle 5">
+            <a:extLst>
+              <a:ext uri="{FF2B5EF4-FFF2-40B4-BE49-F238E27FC236}">
+                <a16:creationId xmlns:a16="http://schemas.microsoft.com/office/drawing/2014/main" id="{9225F65B-8658-B022-14DE-78F767792924}"/>
+              </a:ext>
+            </a:extLst>
+          </p:cNvPr>
+          <p:cNvSpPr/>
+          <p:nvPr>
+            <p:custDataLst>
+              <p:tags r:id="rId4"/>
+            </p:custDataLst>
+          </p:nvPr>
+        </p:nvSpPr>
+        <p:spPr>
+          <a:xfrm>
+            <a:off x="3901440" y="2571750"/>
+            <a:ext cx="7315199" cy="1714500"/>
+          </a:xfrm>
+          <a:prstGeom prst="rect">
+            <a:avLst/>
+          </a:prstGeom>
+          <a:noFill/>
+          <a:ln w="25400" cap="flat" cmpd="sng" algn="ctr">
+            <a:solidFill>
+              <a:srgbClr val="FFFFFF"/>
+            </a:solidFill>
+            <a:prstDash val="solid"/>
+          </a:ln>
+          <a:effectLst/>
+          <a:extLst>
+            <a:ext uri="{909E8E84-426E-40DD-AFC4-6F175D3DCCD1}">
+              <a14:hiddenFill xmlns:a14="http://schemas.microsoft.com/office/drawing/2010/main">
+                <a:solidFill>
+                  <a:schemeClr val="accent1"/>
+                </a:solidFill>
+              </a14:hiddenFill>
+            </a:ext>
+          </a:extLst>
+        </p:spPr>
+        <p:style>
+          <a:lnRef idx="2">
+            <a:schemeClr val="accent1">
+              <a:shade val="15000"/>
+            </a:schemeClr>
+          </a:lnRef>
+          <a:fillRef idx="1">
+            <a:schemeClr val="accent1"/>
+          </a:fillRef>
+          <a:effectRef idx="0">
+            <a:schemeClr val="accent1"/>
+          </a:effectRef>
+          <a:fontRef idx="minor">
+            <a:schemeClr val="lt1"/>
+          </a:fontRef>
+        </p:style>
+        <p:txBody>
+          <a:bodyPr rtlCol="0" anchor="ctr"/>
+          <a:lstStyle/>
+          <a:p>
+            <a:r>
+              <a:rPr lang="en-US" sz="3500" b="1">
+                <a:solidFill>
+                  <a:srgbClr val="5B5B5B"/>
+                </a:solidFill>
+              </a:rPr>
+              <a:t>Comparing the true value vs the predicted values, what is the value of TN?</a:t>
+            </a:r>
+          </a:p>
+        </p:txBody>
+      </p:sp>
+      <p:sp>
+        <p:nvSpPr>
+          <p:cNvPr id="7" name="Rounded Rectangle 6">
+            <a:extLst>
+              <a:ext uri="{FF2B5EF4-FFF2-40B4-BE49-F238E27FC236}">
+                <a16:creationId xmlns:a16="http://schemas.microsoft.com/office/drawing/2014/main" id="{99472969-0D78-383D-D427-C62B087D001A}"/>
+              </a:ext>
+            </a:extLst>
+          </p:cNvPr>
+          <p:cNvSpPr/>
+          <p:nvPr>
+            <p:custDataLst>
+              <p:tags r:id="rId5"/>
+            </p:custDataLst>
+          </p:nvPr>
+        </p:nvSpPr>
+        <p:spPr>
+          <a:xfrm>
+            <a:off x="6286500" y="430530"/>
+            <a:ext cx="5524500" cy="891540"/>
+          </a:xfrm>
+          <a:prstGeom prst="roundRect">
+            <a:avLst/>
+          </a:prstGeom>
+          <a:solidFill>
+            <a:srgbClr val="F4F4F4"/>
+          </a:solidFill>
+          <a:ln w="25400" cap="flat" cmpd="sng" algn="ctr">
+            <a:noFill/>
+            <a:prstDash val="solid"/>
+          </a:ln>
+          <a:effectLst/>
+          <a:extLst>
+            <a:ext uri="{91240B29-F687-4F45-9708-019B960494DF}">
+              <a14:hiddenLine xmlns:a14="http://schemas.microsoft.com/office/drawing/2010/main" w="25400" cap="flat" cmpd="sng" algn="ctr">
+                <a:solidFill>
+                  <a:schemeClr val="accent1">
+                    <a:shade val="15000"/>
+                  </a:schemeClr>
+                </a:solidFill>
+                <a:prstDash val="solid"/>
+              </a14:hiddenLine>
+            </a:ext>
+          </a:extLst>
+        </p:spPr>
+        <p:style>
+          <a:lnRef idx="2">
+            <a:schemeClr val="accent1">
+              <a:shade val="15000"/>
+            </a:schemeClr>
+          </a:lnRef>
+          <a:fillRef idx="1">
+            <a:schemeClr val="accent1"/>
+          </a:fillRef>
+          <a:effectRef idx="0">
+            <a:schemeClr val="accent1"/>
+          </a:effectRef>
+          <a:fontRef idx="minor">
+            <a:schemeClr val="lt1"/>
+          </a:fontRef>
+        </p:style>
+        <p:txBody>
+          <a:bodyPr lIns="317500" rIns="1143000" rtlCol="0" anchor="ctr">
+            <a:normAutofit/>
+          </a:bodyPr>
+          <a:lstStyle/>
+          <a:p>
+            <a:r>
+              <a:rPr lang="en-US" sz="2000">
+                <a:solidFill>
+                  <a:srgbClr val="5B5B5B"/>
+                </a:solidFill>
+              </a:rPr>
+              <a:t>Please download and install the Slido app on all computers you use</a:t>
+            </a:r>
+          </a:p>
+        </p:txBody>
+      </p:sp>
+      <p:pic>
+        <p:nvPicPr>
+          <p:cNvPr id="9" name="Graphic 8">
+            <a:extLst>
+              <a:ext uri="{FF2B5EF4-FFF2-40B4-BE49-F238E27FC236}">
+                <a16:creationId xmlns:a16="http://schemas.microsoft.com/office/drawing/2014/main" id="{C9D75DE5-BA60-E5C7-E2B7-E32735F154A3}"/>
+              </a:ext>
+            </a:extLst>
+          </p:cNvPr>
+          <p:cNvPicPr>
+            <a:picLocks/>
+          </p:cNvPicPr>
+          <p:nvPr>
+            <p:custDataLst>
+              <p:tags r:id="rId6"/>
+            </p:custDataLst>
+          </p:nvPr>
+        </p:nvPicPr>
+        <p:blipFill>
+          <a:blip r:embed="rId13">
+            <a:extLst>
+              <a:ext uri="{96DAC541-7B7A-43D3-8B79-37D633B846F1}">
+                <asvg:svgBlip xmlns:asvg="http://schemas.microsoft.com/office/drawing/2016/SVG/main" r:embed="rId14"/>
+              </a:ext>
+            </a:extLst>
+          </a:blip>
+          <a:stretch>
+            <a:fillRect/>
+          </a:stretch>
+        </p:blipFill>
+        <p:spPr>
+          <a:xfrm>
+            <a:off x="10826048" y="577634"/>
+            <a:ext cx="597332" cy="597332"/>
+          </a:xfrm>
+          <a:prstGeom prst="rect">
+            <a:avLst/>
+          </a:prstGeom>
+        </p:spPr>
+      </p:pic>
+      <p:sp>
+        <p:nvSpPr>
+          <p:cNvPr id="10" name="Rectangle 9">
+            <a:extLst>
+              <a:ext uri="{FF2B5EF4-FFF2-40B4-BE49-F238E27FC236}">
+                <a16:creationId xmlns:a16="http://schemas.microsoft.com/office/drawing/2014/main" id="{3F0ABF12-6DD4-C5AB-AA8B-FB51CFC410CF}"/>
+              </a:ext>
+            </a:extLst>
+          </p:cNvPr>
+          <p:cNvSpPr/>
+          <p:nvPr>
+            <p:custDataLst>
+              <p:tags r:id="rId7"/>
+            </p:custDataLst>
+          </p:nvPr>
+        </p:nvSpPr>
+        <p:spPr>
+          <a:xfrm>
+            <a:off x="3901440" y="6032500"/>
+            <a:ext cx="7315199" cy="518160"/>
+          </a:xfrm>
+          <a:prstGeom prst="rect">
+            <a:avLst/>
+          </a:prstGeom>
+          <a:solidFill>
+            <a:srgbClr val="FFFFFF"/>
+          </a:solidFill>
+          <a:ln w="25400" cap="flat" cmpd="sng" algn="ctr">
+            <a:noFill/>
+            <a:prstDash val="solid"/>
+          </a:ln>
+          <a:effectLst/>
+          <a:extLst>
+            <a:ext uri="{91240B29-F687-4F45-9708-019B960494DF}">
+              <a14:hiddenLine xmlns:a14="http://schemas.microsoft.com/office/drawing/2010/main" w="25400" cap="flat" cmpd="sng" algn="ctr">
+                <a:solidFill>
+                  <a:schemeClr val="accent1">
+                    <a:shade val="15000"/>
+                  </a:schemeClr>
+                </a:solidFill>
+                <a:prstDash val="solid"/>
+              </a14:hiddenLine>
+            </a:ext>
+          </a:extLst>
+        </p:spPr>
+        <p:style>
+          <a:lnRef idx="2">
+            <a:schemeClr val="accent1">
+              <a:shade val="15000"/>
+            </a:schemeClr>
+          </a:lnRef>
+          <a:fillRef idx="1">
+            <a:schemeClr val="accent1"/>
+          </a:fillRef>
+          <a:effectRef idx="0">
+            <a:schemeClr val="accent1"/>
+          </a:effectRef>
+          <a:fontRef idx="minor">
+            <a:schemeClr val="lt1"/>
+          </a:fontRef>
+        </p:style>
+        <p:txBody>
+          <a:bodyPr rtlCol="0" anchor="ctr">
+            <a:normAutofit/>
+          </a:bodyPr>
+          <a:lstStyle/>
+          <a:p>
+            <a:r>
+              <a:rPr lang="en-US" sz="2200" b="1">
+                <a:solidFill>
+                  <a:srgbClr val="5B5B5B"/>
+                </a:solidFill>
+              </a:rPr>
+              <a:t>ⓘ</a:t>
+            </a:r>
+            <a:r>
+              <a:rPr lang="en-US" sz="2000">
+                <a:solidFill>
+                  <a:srgbClr val="5B5B5B"/>
+                </a:solidFill>
+              </a:rPr>
+              <a:t> Start presenting to display the poll results on this slide.</a:t>
+            </a:r>
+          </a:p>
+        </p:txBody>
+      </p:sp>
+    </p:spTree>
+    <p:custDataLst>
+      <p:tags r:id="rId1"/>
+    </p:custDataLst>
+    <p:extLst>
+      <p:ext uri="{BB962C8B-B14F-4D97-AF65-F5344CB8AC3E}">
+        <p14:creationId xmlns:p14="http://schemas.microsoft.com/office/powerpoint/2010/main" val="758644312"/>
+      </p:ext>
+    </p:extLst>
+  </p:cSld>
+  <p:clrMapOvr>
+    <a:masterClrMapping/>
+  </p:clrMapOvr>
+  <p:timing>
+    <p:tnLst>
+      <p:par>
+        <p:cTn id="1" dur="indefinite" restart="never" nodeType="tmRoot">
+          <p:childTnLst>
+            <p:seq concurrent="1" nextAc="seek">
+              <p:cTn id="2" dur="indefinite" nodeType="mainSeq">
+                <p:childTnLst>
+                  <p:par>
+                    <p:cTn id="3" fill="hold">
+                      <p:stCondLst>
+                        <p:cond delay="indefinite"/>
+                      </p:stCondLst>
+                      <p:childTnLst>
+                        <p:par>
+                          <p:cTn id="4" fill="hold">
+                            <p:stCondLst>
+                              <p:cond delay="0"/>
+                            </p:stCondLst>
+                            <p:childTnLst>
+                              <p:par>
+                                <p:cTn id="5" presetID="26" presetClass="emph" presetSubtype="0" fill="hold" grpId="0" nodeType="clickEffect">
+                                  <p:stCondLst>
+                                    <p:cond delay="0"/>
+                                  </p:stCondLst>
+                                  <p:childTnLst>
+                                    <p:animEffect transition="out" filter="fade">
+                                      <p:cBhvr>
+                                        <p:cTn id="6" dur="50" tmFilter="0, 0; .2, .5; .8, .5; 1, 0"/>
+                                        <p:tgtEl>
+                                          <p:spTgt spid="6"/>
+                                        </p:tgtEl>
+                                      </p:cBhvr>
+                                    </p:animEffect>
+                                    <p:animScale>
+                                      <p:cBhvr>
+                                        <p:cTn id="7" dur="25" autoRev="1" fill="hold"/>
+                                        <p:tgtEl>
+                                          <p:spTgt spid="6"/>
+                                        </p:tgtEl>
+                                      </p:cBhvr>
+                                      <p:by x="105000" y="105000"/>
+                                    </p:animScale>
+                                  </p:childTnLst>
+                                </p:cTn>
+                              </p:par>
+                            </p:childTnLst>
+                          </p:cTn>
+                        </p:par>
+                      </p:childTnLst>
+                    </p:cTn>
+                  </p:par>
+                </p:childTnLst>
+              </p:cTn>
+              <p:prevCondLst>
+                <p:cond evt="onPrev" delay="0">
+                  <p:tgtEl>
+                    <p:sldTgt/>
+                  </p:tgtEl>
+                </p:cond>
+              </p:prevCondLst>
+              <p:nextCondLst>
+                <p:cond evt="onNext" delay="0">
+                  <p:tgtEl>
+                    <p:sldTgt/>
+                  </p:tgtEl>
+                </p:cond>
+              </p:nextCondLst>
+            </p:seq>
+          </p:childTnLst>
+        </p:cTn>
+      </p:par>
+    </p:tnLst>
+    <p:bldLst>
+      <p:bldP spid="6" grpId="0" animBg="1"/>
+    </p:bldLst>
+  </p:timing>
+</p:sld>
+</file>
+
+<file path=ppt/slides/slide2.xml><?xml version="1.0" encoding="utf-8"?>
+<p:sld xmlns:a="http://schemas.openxmlformats.org/drawingml/2006/main" xmlns:r="http://schemas.openxmlformats.org/officeDocument/2006/relationships" xmlns:p="http://schemas.openxmlformats.org/presentationml/2006/main">
+  <p:cSld>
+    <p:spTree>
+      <p:nvGrpSpPr>
+        <p:cNvPr id="1" name="Shape 303"/>
+        <p:cNvGrpSpPr/>
+        <p:nvPr/>
+      </p:nvGrpSpPr>
+      <p:grpSpPr>
+        <a:xfrm>
+          <a:off x="0" y="0"/>
+          <a:ext cx="0" cy="0"/>
+          <a:chOff x="0" y="0"/>
+          <a:chExt cx="0" cy="0"/>
+        </a:xfrm>
+      </p:grpSpPr>
+      <p:sp>
+        <p:nvSpPr>
+          <p:cNvPr id="304" name="Google Shape;304;p9"/>
+          <p:cNvSpPr txBox="1">
+            <a:spLocks noGrp="1"/>
+          </p:cNvSpPr>
+          <p:nvPr>
+            <p:ph type="ctrTitle"/>
+          </p:nvPr>
+        </p:nvSpPr>
+        <p:spPr>
+          <a:xfrm>
+            <a:off x="878652" y="2452388"/>
+            <a:ext cx="10224778" cy="1501403"/>
+          </a:xfrm>
+          <a:prstGeom prst="rect">
+            <a:avLst/>
+          </a:prstGeom>
+          <a:noFill/>
+          <a:ln>
+            <a:noFill/>
+          </a:ln>
+        </p:spPr>
+        <p:txBody>
+          <a:bodyPr spcFirstLastPara="1" wrap="square" lIns="91425" tIns="45700" rIns="91425" bIns="45700" anchor="b" anchorCtr="0">
+            <a:normAutofit/>
+          </a:bodyPr>
+          <a:lstStyle/>
+          <a:p>
+            <a:pPr marL="0" lvl="0" indent="0" algn="ctr" rtl="0">
+              <a:lnSpc>
+                <a:spcPct val="90000"/>
+              </a:lnSpc>
+              <a:spcBef>
+                <a:spcPts val="0"/>
+              </a:spcBef>
+              <a:spcAft>
+                <a:spcPts val="0"/>
+              </a:spcAft>
+              <a:buClr>
+                <a:schemeClr val="dk1"/>
+              </a:buClr>
+              <a:buSzPts val="4800"/>
+              <a:buFont typeface="Roboto Slab"/>
+              <a:buNone/>
+            </a:pPr>
+            <a:r>
+              <a:rPr lang="en-US" dirty="0"/>
+              <a:t>Model Performance Evaluation Classification Problems</a:t>
+            </a:r>
+            <a:endParaRPr dirty="0"/>
+          </a:p>
+        </p:txBody>
+      </p:sp>
+      <p:pic>
+        <p:nvPicPr>
+          <p:cNvPr id="6" name="Picture 5">
+            <a:extLst>
+              <a:ext uri="{FF2B5EF4-FFF2-40B4-BE49-F238E27FC236}">
+                <a16:creationId xmlns:a16="http://schemas.microsoft.com/office/drawing/2014/main" id="{7ACF5DF2-CA34-B4BE-CC46-9E0D76AA3276}"/>
+              </a:ext>
+            </a:extLst>
+          </p:cNvPr>
+          <p:cNvPicPr>
+            <a:picLocks noChangeAspect="1"/>
+          </p:cNvPicPr>
+          <p:nvPr/>
+        </p:nvPicPr>
+        <p:blipFill>
+          <a:blip r:embed="rId3"/>
+          <a:stretch>
+            <a:fillRect/>
+          </a:stretch>
+        </p:blipFill>
+        <p:spPr>
+          <a:xfrm>
+            <a:off x="4874478" y="4139765"/>
+            <a:ext cx="2443044" cy="2443044"/>
+          </a:xfrm>
+          <a:prstGeom prst="rect">
+            <a:avLst/>
+          </a:prstGeom>
+        </p:spPr>
+      </p:pic>
+    </p:spTree>
+  </p:cSld>
+  <p:clrMapOvr>
+    <a:masterClrMapping/>
+  </p:clrMapOvr>
+</p:sld>
+</file>
+
+<file path=ppt/slides/slide20.xml><?xml version="1.0" encoding="utf-8"?>
+<p:sld xmlns:a="http://schemas.openxmlformats.org/drawingml/2006/main" xmlns:r="http://schemas.openxmlformats.org/officeDocument/2006/relationships" xmlns:p="http://schemas.openxmlformats.org/presentationml/2006/main">
+  <p:cSld>
+    <p:spTree>
+      <p:nvGrpSpPr>
+        <p:cNvPr id="1" name=""/>
+        <p:cNvGrpSpPr/>
+        <p:nvPr/>
+      </p:nvGrpSpPr>
+      <p:grpSpPr>
+        <a:xfrm>
+          <a:off x="0" y="0"/>
+          <a:ext cx="0" cy="0"/>
+          <a:chOff x="0" y="0"/>
+          <a:chExt cx="0" cy="0"/>
+        </a:xfrm>
+      </p:grpSpPr>
+      <p:sp>
+        <p:nvSpPr>
+          <p:cNvPr id="2" name="Title 1">
+            <a:extLst>
+              <a:ext uri="{FF2B5EF4-FFF2-40B4-BE49-F238E27FC236}">
+                <a16:creationId xmlns:a16="http://schemas.microsoft.com/office/drawing/2014/main" id="{F8844A7B-1A40-D0AA-E042-92012797930C}"/>
+              </a:ext>
+            </a:extLst>
+          </p:cNvPr>
+          <p:cNvSpPr>
+            <a:spLocks noGrp="1"/>
+          </p:cNvSpPr>
+          <p:nvPr>
+            <p:ph type="title"/>
+          </p:nvPr>
+        </p:nvSpPr>
+        <p:spPr/>
+        <p:txBody>
+          <a:bodyPr/>
+          <a:lstStyle/>
+          <a:p>
+            <a:endParaRPr lang="en-US"/>
+          </a:p>
+        </p:txBody>
+      </p:sp>
+      <p:sp>
+        <p:nvSpPr>
+          <p:cNvPr id="3" name="Text Placeholder 2">
+            <a:extLst>
+              <a:ext uri="{FF2B5EF4-FFF2-40B4-BE49-F238E27FC236}">
+                <a16:creationId xmlns:a16="http://schemas.microsoft.com/office/drawing/2014/main" id="{AC8412BB-9681-1A81-89B9-4D24358729AD}"/>
+              </a:ext>
+            </a:extLst>
+          </p:cNvPr>
+          <p:cNvSpPr>
+            <a:spLocks noGrp="1"/>
+          </p:cNvSpPr>
+          <p:nvPr>
+            <p:ph type="body" idx="1"/>
+          </p:nvPr>
+        </p:nvSpPr>
+        <p:spPr/>
+        <p:txBody>
+          <a:bodyPr/>
+          <a:lstStyle/>
+          <a:p>
+            <a:endParaRPr lang="en-US"/>
+          </a:p>
+        </p:txBody>
+      </p:sp>
+    </p:spTree>
+    <p:extLst>
+      <p:ext uri="{BB962C8B-B14F-4D97-AF65-F5344CB8AC3E}">
+        <p14:creationId xmlns:p14="http://schemas.microsoft.com/office/powerpoint/2010/main" val="3420228752"/>
+      </p:ext>
+    </p:extLst>
+  </p:cSld>
+  <p:clrMapOvr>
+    <a:masterClrMapping/>
+  </p:clrMapOvr>
+</p:sld>
+</file>
+
+<file path=ppt/slides/slide21.xml><?xml version="1.0" encoding="utf-8"?>
 <p:sld xmlns:a="http://schemas.openxmlformats.org/drawingml/2006/main" xmlns:r="http://schemas.openxmlformats.org/officeDocument/2006/relationships" xmlns:p="http://schemas.openxmlformats.org/presentationml/2006/main">
   <p:cSld>
     <p:spTree>
@@ -10672,7 +12883,482 @@
 </p:sld>
 </file>
 
-<file path=ppt/slides/slide17.xml><?xml version="1.0" encoding="utf-8"?>
+<file path=ppt/slides/slide22.xml><?xml version="1.0" encoding="utf-8"?>
+<p:sld xmlns:a="http://schemas.openxmlformats.org/drawingml/2006/main" xmlns:r="http://schemas.openxmlformats.org/officeDocument/2006/relationships" xmlns:p="http://schemas.openxmlformats.org/presentationml/2006/main" showMasterSp="0">
+  <p:cSld>
+    <p:bg>
+      <p:bgPr>
+        <a:solidFill>
+          <a:srgbClr val="FFFFFF"/>
+        </a:solidFill>
+        <a:effectLst/>
+      </p:bgPr>
+    </p:bg>
+    <p:spTree>
+      <p:nvGrpSpPr>
+        <p:cNvPr id="1" name=""/>
+        <p:cNvGrpSpPr/>
+        <p:nvPr/>
+      </p:nvGrpSpPr>
+      <p:grpSpPr>
+        <a:xfrm>
+          <a:off x="0" y="0"/>
+          <a:ext cx="0" cy="0"/>
+          <a:chOff x="0" y="0"/>
+          <a:chExt cx="0" cy="0"/>
+        </a:xfrm>
+      </p:grpSpPr>
+      <p:pic>
+        <p:nvPicPr>
+          <p:cNvPr id="3" name="Graphic 2">
+            <a:extLst>
+              <a:ext uri="{FF2B5EF4-FFF2-40B4-BE49-F238E27FC236}">
+                <a16:creationId xmlns:a16="http://schemas.microsoft.com/office/drawing/2014/main" id="{F5AA1984-2C3C-0B41-FD00-71067B2D062A}"/>
+              </a:ext>
+            </a:extLst>
+          </p:cNvPr>
+          <p:cNvPicPr>
+            <a:picLocks/>
+          </p:cNvPicPr>
+          <p:nvPr>
+            <p:custDataLst>
+              <p:tags r:id="rId2"/>
+            </p:custDataLst>
+          </p:nvPr>
+        </p:nvPicPr>
+        <p:blipFill>
+          <a:blip r:embed="rId9">
+            <a:extLst>
+              <a:ext uri="{96DAC541-7B7A-43D3-8B79-37D633B846F1}">
+                <asvg:svgBlip xmlns:asvg="http://schemas.microsoft.com/office/drawing/2016/SVG/main" r:embed="rId10"/>
+              </a:ext>
+            </a:extLst>
+          </a:blip>
+          <a:stretch>
+            <a:fillRect/>
+          </a:stretch>
+        </p:blipFill>
+        <p:spPr>
+          <a:xfrm>
+            <a:off x="3901440" y="617220"/>
+            <a:ext cx="1036320" cy="518160"/>
+          </a:xfrm>
+          <a:prstGeom prst="rect">
+            <a:avLst/>
+          </a:prstGeom>
+        </p:spPr>
+      </p:pic>
+      <p:sp>
+        <p:nvSpPr>
+          <p:cNvPr id="6" name="Rectangle 5">
+            <a:extLst>
+              <a:ext uri="{FF2B5EF4-FFF2-40B4-BE49-F238E27FC236}">
+                <a16:creationId xmlns:a16="http://schemas.microsoft.com/office/drawing/2014/main" id="{DE9DE1FB-2C31-B2CE-2976-B375DC53943A}"/>
+              </a:ext>
+            </a:extLst>
+          </p:cNvPr>
+          <p:cNvSpPr/>
+          <p:nvPr>
+            <p:custDataLst>
+              <p:tags r:id="rId3"/>
+            </p:custDataLst>
+          </p:nvPr>
+        </p:nvSpPr>
+        <p:spPr>
+          <a:xfrm>
+            <a:off x="3901440" y="2571750"/>
+            <a:ext cx="7315199" cy="1714500"/>
+          </a:xfrm>
+          <a:prstGeom prst="rect">
+            <a:avLst/>
+          </a:prstGeom>
+          <a:noFill/>
+          <a:ln w="25400" cap="flat" cmpd="sng" algn="ctr">
+            <a:solidFill>
+              <a:srgbClr val="FFFFFF"/>
+            </a:solidFill>
+            <a:prstDash val="solid"/>
+          </a:ln>
+          <a:effectLst/>
+          <a:extLst>
+            <a:ext uri="{909E8E84-426E-40DD-AFC4-6F175D3DCCD1}">
+              <a14:hiddenFill xmlns:a14="http://schemas.microsoft.com/office/drawing/2010/main">
+                <a:solidFill>
+                  <a:schemeClr val="accent1"/>
+                </a:solidFill>
+              </a14:hiddenFill>
+            </a:ext>
+          </a:extLst>
+        </p:spPr>
+        <p:style>
+          <a:lnRef idx="2">
+            <a:schemeClr val="accent1">
+              <a:shade val="15000"/>
+            </a:schemeClr>
+          </a:lnRef>
+          <a:fillRef idx="1">
+            <a:schemeClr val="accent1"/>
+          </a:fillRef>
+          <a:effectRef idx="0">
+            <a:schemeClr val="accent1"/>
+          </a:effectRef>
+          <a:fontRef idx="minor">
+            <a:schemeClr val="lt1"/>
+          </a:fontRef>
+        </p:style>
+        <p:txBody>
+          <a:bodyPr rtlCol="0" anchor="ctr"/>
+          <a:lstStyle/>
+          <a:p>
+            <a:r>
+              <a:rPr lang="en-US" sz="2400" b="1">
+                <a:solidFill>
+                  <a:srgbClr val="5B5B5B"/>
+                </a:solidFill>
+              </a:rPr>
+              <a:t>Let's consider a business scenario where a bank wants to predict whether a customer will default on a loan. Here, y_true represents whether the customer actually defaulted (1) or not (0), and y_pred represents the bank's prediction about the customer defaulting. What is the accuracy of this model?</a:t>
+            </a:r>
+          </a:p>
+        </p:txBody>
+      </p:sp>
+      <p:sp>
+        <p:nvSpPr>
+          <p:cNvPr id="7" name="Rounded Rectangle 6">
+            <a:extLst>
+              <a:ext uri="{FF2B5EF4-FFF2-40B4-BE49-F238E27FC236}">
+                <a16:creationId xmlns:a16="http://schemas.microsoft.com/office/drawing/2014/main" id="{27EABD83-5A66-F702-05EE-F35B04AC0C85}"/>
+              </a:ext>
+            </a:extLst>
+          </p:cNvPr>
+          <p:cNvSpPr/>
+          <p:nvPr>
+            <p:custDataLst>
+              <p:tags r:id="rId4"/>
+            </p:custDataLst>
+          </p:nvPr>
+        </p:nvSpPr>
+        <p:spPr>
+          <a:xfrm>
+            <a:off x="6286500" y="430530"/>
+            <a:ext cx="5524500" cy="891540"/>
+          </a:xfrm>
+          <a:prstGeom prst="roundRect">
+            <a:avLst/>
+          </a:prstGeom>
+          <a:solidFill>
+            <a:srgbClr val="F4F4F4"/>
+          </a:solidFill>
+          <a:ln w="25400" cap="flat" cmpd="sng" algn="ctr">
+            <a:noFill/>
+            <a:prstDash val="solid"/>
+          </a:ln>
+          <a:effectLst/>
+          <a:extLst>
+            <a:ext uri="{91240B29-F687-4F45-9708-019B960494DF}">
+              <a14:hiddenLine xmlns:a14="http://schemas.microsoft.com/office/drawing/2010/main" w="25400" cap="flat" cmpd="sng" algn="ctr">
+                <a:solidFill>
+                  <a:schemeClr val="accent1">
+                    <a:shade val="15000"/>
+                  </a:schemeClr>
+                </a:solidFill>
+                <a:prstDash val="solid"/>
+              </a14:hiddenLine>
+            </a:ext>
+          </a:extLst>
+        </p:spPr>
+        <p:style>
+          <a:lnRef idx="2">
+            <a:schemeClr val="accent1">
+              <a:shade val="15000"/>
+            </a:schemeClr>
+          </a:lnRef>
+          <a:fillRef idx="1">
+            <a:schemeClr val="accent1"/>
+          </a:fillRef>
+          <a:effectRef idx="0">
+            <a:schemeClr val="accent1"/>
+          </a:effectRef>
+          <a:fontRef idx="minor">
+            <a:schemeClr val="lt1"/>
+          </a:fontRef>
+        </p:style>
+        <p:txBody>
+          <a:bodyPr lIns="317500" rIns="1143000" rtlCol="0" anchor="ctr">
+            <a:normAutofit/>
+          </a:bodyPr>
+          <a:lstStyle/>
+          <a:p>
+            <a:r>
+              <a:rPr lang="en-US" sz="2000">
+                <a:solidFill>
+                  <a:srgbClr val="5B5B5B"/>
+                </a:solidFill>
+              </a:rPr>
+              <a:t>Please download and install the Slido app on all computers you use</a:t>
+            </a:r>
+          </a:p>
+        </p:txBody>
+      </p:sp>
+      <p:pic>
+        <p:nvPicPr>
+          <p:cNvPr id="9" name="Graphic 8">
+            <a:extLst>
+              <a:ext uri="{FF2B5EF4-FFF2-40B4-BE49-F238E27FC236}">
+                <a16:creationId xmlns:a16="http://schemas.microsoft.com/office/drawing/2014/main" id="{24710FFB-1843-312B-346D-12D5D12A12B8}"/>
+              </a:ext>
+            </a:extLst>
+          </p:cNvPr>
+          <p:cNvPicPr>
+            <a:picLocks/>
+          </p:cNvPicPr>
+          <p:nvPr>
+            <p:custDataLst>
+              <p:tags r:id="rId5"/>
+            </p:custDataLst>
+          </p:nvPr>
+        </p:nvPicPr>
+        <p:blipFill>
+          <a:blip r:embed="rId11">
+            <a:extLst>
+              <a:ext uri="{96DAC541-7B7A-43D3-8B79-37D633B846F1}">
+                <asvg:svgBlip xmlns:asvg="http://schemas.microsoft.com/office/drawing/2016/SVG/main" r:embed="rId12"/>
+              </a:ext>
+            </a:extLst>
+          </a:blip>
+          <a:stretch>
+            <a:fillRect/>
+          </a:stretch>
+        </p:blipFill>
+        <p:spPr>
+          <a:xfrm>
+            <a:off x="10826048" y="577634"/>
+            <a:ext cx="597332" cy="597332"/>
+          </a:xfrm>
+          <a:prstGeom prst="rect">
+            <a:avLst/>
+          </a:prstGeom>
+        </p:spPr>
+      </p:pic>
+      <p:sp>
+        <p:nvSpPr>
+          <p:cNvPr id="10" name="Rectangle 9">
+            <a:extLst>
+              <a:ext uri="{FF2B5EF4-FFF2-40B4-BE49-F238E27FC236}">
+                <a16:creationId xmlns:a16="http://schemas.microsoft.com/office/drawing/2014/main" id="{1B137EF4-F6CF-D024-4DB9-1AFB26E59B58}"/>
+              </a:ext>
+            </a:extLst>
+          </p:cNvPr>
+          <p:cNvSpPr/>
+          <p:nvPr>
+            <p:custDataLst>
+              <p:tags r:id="rId6"/>
+            </p:custDataLst>
+          </p:nvPr>
+        </p:nvSpPr>
+        <p:spPr>
+          <a:xfrm>
+            <a:off x="3901440" y="6032500"/>
+            <a:ext cx="7315199" cy="518160"/>
+          </a:xfrm>
+          <a:prstGeom prst="rect">
+            <a:avLst/>
+          </a:prstGeom>
+          <a:solidFill>
+            <a:srgbClr val="FFFFFF"/>
+          </a:solidFill>
+          <a:ln w="25400" cap="flat" cmpd="sng" algn="ctr">
+            <a:noFill/>
+            <a:prstDash val="solid"/>
+          </a:ln>
+          <a:effectLst/>
+          <a:extLst>
+            <a:ext uri="{91240B29-F687-4F45-9708-019B960494DF}">
+              <a14:hiddenLine xmlns:a14="http://schemas.microsoft.com/office/drawing/2010/main" w="25400" cap="flat" cmpd="sng" algn="ctr">
+                <a:solidFill>
+                  <a:schemeClr val="accent1">
+                    <a:shade val="15000"/>
+                  </a:schemeClr>
+                </a:solidFill>
+                <a:prstDash val="solid"/>
+              </a14:hiddenLine>
+            </a:ext>
+          </a:extLst>
+        </p:spPr>
+        <p:style>
+          <a:lnRef idx="2">
+            <a:schemeClr val="accent1">
+              <a:shade val="15000"/>
+            </a:schemeClr>
+          </a:lnRef>
+          <a:fillRef idx="1">
+            <a:schemeClr val="accent1"/>
+          </a:fillRef>
+          <a:effectRef idx="0">
+            <a:schemeClr val="accent1"/>
+          </a:effectRef>
+          <a:fontRef idx="minor">
+            <a:schemeClr val="lt1"/>
+          </a:fontRef>
+        </p:style>
+        <p:txBody>
+          <a:bodyPr rtlCol="0" anchor="ctr">
+            <a:normAutofit/>
+          </a:bodyPr>
+          <a:lstStyle/>
+          <a:p>
+            <a:r>
+              <a:rPr lang="en-US" sz="2200" b="1">
+                <a:solidFill>
+                  <a:srgbClr val="5B5B5B"/>
+                </a:solidFill>
+              </a:rPr>
+              <a:t>ⓘ</a:t>
+            </a:r>
+            <a:r>
+              <a:rPr lang="en-US" sz="2000">
+                <a:solidFill>
+                  <a:srgbClr val="5B5B5B"/>
+                </a:solidFill>
+              </a:rPr>
+              <a:t> Start presenting to display the poll results on this slide.</a:t>
+            </a:r>
+          </a:p>
+        </p:txBody>
+      </p:sp>
+      <p:pic>
+        <p:nvPicPr>
+          <p:cNvPr id="12" name="Graphic 11">
+            <a:extLst>
+              <a:ext uri="{FF2B5EF4-FFF2-40B4-BE49-F238E27FC236}">
+                <a16:creationId xmlns:a16="http://schemas.microsoft.com/office/drawing/2014/main" id="{89D71D62-1A72-897C-5B6D-0C84032F0303}"/>
+              </a:ext>
+            </a:extLst>
+          </p:cNvPr>
+          <p:cNvPicPr>
+            <a:picLocks/>
+          </p:cNvPicPr>
+          <p:nvPr>
+            <p:custDataLst>
+              <p:tags r:id="rId7"/>
+            </p:custDataLst>
+          </p:nvPr>
+        </p:nvPicPr>
+        <p:blipFill>
+          <a:blip r:embed="rId13">
+            <a:extLst>
+              <a:ext uri="{96DAC541-7B7A-43D3-8B79-37D633B846F1}">
+                <asvg:svgBlip xmlns:asvg="http://schemas.microsoft.com/office/drawing/2016/SVG/main" r:embed="rId14"/>
+              </a:ext>
+            </a:extLst>
+          </a:blip>
+          <a:stretch>
+            <a:fillRect/>
+          </a:stretch>
+        </p:blipFill>
+        <p:spPr>
+          <a:xfrm>
+            <a:off x="1158240" y="2270760"/>
+            <a:ext cx="2316480" cy="2316480"/>
+          </a:xfrm>
+          <a:prstGeom prst="rect">
+            <a:avLst/>
+          </a:prstGeom>
+        </p:spPr>
+      </p:pic>
+    </p:spTree>
+    <p:custDataLst>
+      <p:tags r:id="rId1"/>
+    </p:custDataLst>
+    <p:extLst>
+      <p:ext uri="{BB962C8B-B14F-4D97-AF65-F5344CB8AC3E}">
+        <p14:creationId xmlns:p14="http://schemas.microsoft.com/office/powerpoint/2010/main" val="3009453833"/>
+      </p:ext>
+    </p:extLst>
+  </p:cSld>
+  <p:clrMapOvr>
+    <a:masterClrMapping/>
+  </p:clrMapOvr>
+  <p:timing>
+    <p:tnLst>
+      <p:par>
+        <p:cTn id="1" dur="indefinite" restart="never" nodeType="tmRoot">
+          <p:childTnLst>
+            <p:seq concurrent="1" nextAc="seek">
+              <p:cTn id="2" dur="indefinite" nodeType="mainSeq">
+                <p:childTnLst>
+                  <p:par>
+                    <p:cTn id="3" fill="hold">
+                      <p:stCondLst>
+                        <p:cond delay="indefinite"/>
+                      </p:stCondLst>
+                      <p:childTnLst>
+                        <p:par>
+                          <p:cTn id="4" fill="hold">
+                            <p:stCondLst>
+                              <p:cond delay="0"/>
+                            </p:stCondLst>
+                            <p:childTnLst>
+                              <p:par>
+                                <p:cTn id="5" presetID="26" presetClass="emph" presetSubtype="0" fill="hold" grpId="0" nodeType="clickEffect">
+                                  <p:stCondLst>
+                                    <p:cond delay="0"/>
+                                  </p:stCondLst>
+                                  <p:childTnLst>
+                                    <p:animEffect transition="out" filter="fade">
+                                      <p:cBhvr>
+                                        <p:cTn id="6" dur="50" tmFilter="0, 0; .2, .5; .8, .5; 1, 0"/>
+                                        <p:tgtEl>
+                                          <p:spTgt spid="6"/>
+                                        </p:tgtEl>
+                                      </p:cBhvr>
+                                    </p:animEffect>
+                                    <p:animScale>
+                                      <p:cBhvr>
+                                        <p:cTn id="7" dur="25" autoRev="1" fill="hold"/>
+                                        <p:tgtEl>
+                                          <p:spTgt spid="6"/>
+                                        </p:tgtEl>
+                                      </p:cBhvr>
+                                      <p:by x="105000" y="105000"/>
+                                    </p:animScale>
+                                  </p:childTnLst>
+                                </p:cTn>
+                              </p:par>
+                            </p:childTnLst>
+                          </p:cTn>
+                        </p:par>
+                      </p:childTnLst>
+                    </p:cTn>
+                  </p:par>
+                </p:childTnLst>
+              </p:cTn>
+              <p:prevCondLst>
+                <p:cond evt="onPrev" delay="0">
+                  <p:tgtEl>
+                    <p:sldTgt/>
+                  </p:tgtEl>
+                </p:cond>
+              </p:prevCondLst>
+              <p:nextCondLst>
+                <p:cond evt="onNext" delay="0">
+                  <p:tgtEl>
+                    <p:sldTgt/>
+                  </p:tgtEl>
+                </p:cond>
+              </p:nextCondLst>
+            </p:seq>
+          </p:childTnLst>
+        </p:cTn>
+      </p:par>
+    </p:tnLst>
+    <p:bldLst>
+      <p:bldP spid="6" grpId="0" animBg="1"/>
+    </p:bldLst>
+  </p:timing>
+</p:sld>
+</file>
+
+<file path=ppt/slides/slide23.xml><?xml version="1.0" encoding="utf-8"?>
 <p:sld xmlns:a="http://schemas.openxmlformats.org/drawingml/2006/main" xmlns:r="http://schemas.openxmlformats.org/officeDocument/2006/relationships" xmlns:p="http://schemas.openxmlformats.org/presentationml/2006/main">
   <p:cSld>
     <p:spTree>
@@ -11494,7 +14180,487 @@
 </p:sld>
 </file>
 
-<file path=ppt/slides/slide18.xml><?xml version="1.0" encoding="utf-8"?>
+<file path=ppt/slides/slide24.xml><?xml version="1.0" encoding="utf-8"?>
+<p:sld xmlns:a="http://schemas.openxmlformats.org/drawingml/2006/main" xmlns:r="http://schemas.openxmlformats.org/officeDocument/2006/relationships" xmlns:p="http://schemas.openxmlformats.org/presentationml/2006/main" showMasterSp="0">
+  <p:cSld>
+    <p:bg>
+      <p:bgPr>
+        <a:solidFill>
+          <a:srgbClr val="FFFFFF"/>
+        </a:solidFill>
+        <a:effectLst/>
+      </p:bgPr>
+    </p:bg>
+    <p:spTree>
+      <p:nvGrpSpPr>
+        <p:cNvPr id="1" name=""/>
+        <p:cNvGrpSpPr/>
+        <p:nvPr/>
+      </p:nvGrpSpPr>
+      <p:grpSpPr>
+        <a:xfrm>
+          <a:off x="0" y="0"/>
+          <a:ext cx="0" cy="0"/>
+          <a:chOff x="0" y="0"/>
+          <a:chExt cx="0" cy="0"/>
+        </a:xfrm>
+      </p:grpSpPr>
+      <p:pic>
+        <p:nvPicPr>
+          <p:cNvPr id="3" name="Graphic 2">
+            <a:extLst>
+              <a:ext uri="{FF2B5EF4-FFF2-40B4-BE49-F238E27FC236}">
+                <a16:creationId xmlns:a16="http://schemas.microsoft.com/office/drawing/2014/main" id="{07B3EB21-F9F4-1DBA-5FE6-939F031862A3}"/>
+              </a:ext>
+            </a:extLst>
+          </p:cNvPr>
+          <p:cNvPicPr>
+            <a:picLocks/>
+          </p:cNvPicPr>
+          <p:nvPr>
+            <p:custDataLst>
+              <p:tags r:id="rId2"/>
+            </p:custDataLst>
+          </p:nvPr>
+        </p:nvPicPr>
+        <p:blipFill>
+          <a:blip r:embed="rId9">
+            <a:extLst>
+              <a:ext uri="{96DAC541-7B7A-43D3-8B79-37D633B846F1}">
+                <asvg:svgBlip xmlns:asvg="http://schemas.microsoft.com/office/drawing/2016/SVG/main" r:embed="rId10"/>
+              </a:ext>
+            </a:extLst>
+          </a:blip>
+          <a:stretch>
+            <a:fillRect/>
+          </a:stretch>
+        </p:blipFill>
+        <p:spPr>
+          <a:xfrm>
+            <a:off x="3901440" y="617220"/>
+            <a:ext cx="1036320" cy="518160"/>
+          </a:xfrm>
+          <a:prstGeom prst="rect">
+            <a:avLst/>
+          </a:prstGeom>
+        </p:spPr>
+      </p:pic>
+      <p:sp>
+        <p:nvSpPr>
+          <p:cNvPr id="6" name="Rectangle 5">
+            <a:extLst>
+              <a:ext uri="{FF2B5EF4-FFF2-40B4-BE49-F238E27FC236}">
+                <a16:creationId xmlns:a16="http://schemas.microsoft.com/office/drawing/2014/main" id="{E6461925-6A79-142D-EAD2-5E5E2CE2FCB0}"/>
+              </a:ext>
+            </a:extLst>
+          </p:cNvPr>
+          <p:cNvSpPr/>
+          <p:nvPr>
+            <p:custDataLst>
+              <p:tags r:id="rId3"/>
+            </p:custDataLst>
+          </p:nvPr>
+        </p:nvSpPr>
+        <p:spPr>
+          <a:xfrm>
+            <a:off x="3901440" y="2571750"/>
+            <a:ext cx="7315199" cy="1714500"/>
+          </a:xfrm>
+          <a:prstGeom prst="rect">
+            <a:avLst/>
+          </a:prstGeom>
+          <a:noFill/>
+          <a:ln w="25400" cap="flat" cmpd="sng" algn="ctr">
+            <a:solidFill>
+              <a:srgbClr val="FFFFFF"/>
+            </a:solidFill>
+            <a:prstDash val="solid"/>
+          </a:ln>
+          <a:effectLst/>
+          <a:extLst>
+            <a:ext uri="{909E8E84-426E-40DD-AFC4-6F175D3DCCD1}">
+              <a14:hiddenFill xmlns:a14="http://schemas.microsoft.com/office/drawing/2010/main">
+                <a:solidFill>
+                  <a:schemeClr val="accent1"/>
+                </a:solidFill>
+              </a14:hiddenFill>
+            </a:ext>
+          </a:extLst>
+        </p:spPr>
+        <p:style>
+          <a:lnRef idx="2">
+            <a:schemeClr val="accent1">
+              <a:shade val="15000"/>
+            </a:schemeClr>
+          </a:lnRef>
+          <a:fillRef idx="1">
+            <a:schemeClr val="accent1"/>
+          </a:fillRef>
+          <a:effectRef idx="0">
+            <a:schemeClr val="accent1"/>
+          </a:effectRef>
+          <a:fontRef idx="minor">
+            <a:schemeClr val="lt1"/>
+          </a:fontRef>
+        </p:style>
+        <p:txBody>
+          <a:bodyPr rtlCol="0" anchor="ctr"/>
+          <a:lstStyle/>
+          <a:p>
+            <a:r>
+              <a:rPr lang="en-US" sz="2400" b="1">
+                <a:solidFill>
+                  <a:srgbClr val="5B5B5B"/>
+                </a:solidFill>
+              </a:rPr>
+              <a:t>Let's consider a business scenario where a bank wants to predict whether a customer will default on a loan. Here, y_true represents whether the customer actually defaulted (1) or not (0), and y_pred represents the bank's prediction about the customer defaulting. What is the error of this model?</a:t>
+            </a:r>
+            <a:endParaRPr lang="en-US" sz="2400" b="1" dirty="0">
+              <a:solidFill>
+                <a:srgbClr val="5B5B5B"/>
+              </a:solidFill>
+            </a:endParaRPr>
+          </a:p>
+        </p:txBody>
+      </p:sp>
+      <p:sp>
+        <p:nvSpPr>
+          <p:cNvPr id="7" name="Rounded Rectangle 6">
+            <a:extLst>
+              <a:ext uri="{FF2B5EF4-FFF2-40B4-BE49-F238E27FC236}">
+                <a16:creationId xmlns:a16="http://schemas.microsoft.com/office/drawing/2014/main" id="{BDA21387-0810-F9EC-8983-2EC900B88357}"/>
+              </a:ext>
+            </a:extLst>
+          </p:cNvPr>
+          <p:cNvSpPr/>
+          <p:nvPr>
+            <p:custDataLst>
+              <p:tags r:id="rId4"/>
+            </p:custDataLst>
+          </p:nvPr>
+        </p:nvSpPr>
+        <p:spPr>
+          <a:xfrm>
+            <a:off x="6286500" y="430530"/>
+            <a:ext cx="5524500" cy="891540"/>
+          </a:xfrm>
+          <a:prstGeom prst="roundRect">
+            <a:avLst/>
+          </a:prstGeom>
+          <a:solidFill>
+            <a:srgbClr val="F4F4F4"/>
+          </a:solidFill>
+          <a:ln w="25400" cap="flat" cmpd="sng" algn="ctr">
+            <a:noFill/>
+            <a:prstDash val="solid"/>
+          </a:ln>
+          <a:effectLst/>
+          <a:extLst>
+            <a:ext uri="{91240B29-F687-4F45-9708-019B960494DF}">
+              <a14:hiddenLine xmlns:a14="http://schemas.microsoft.com/office/drawing/2010/main" w="25400" cap="flat" cmpd="sng" algn="ctr">
+                <a:solidFill>
+                  <a:schemeClr val="accent1">
+                    <a:shade val="15000"/>
+                  </a:schemeClr>
+                </a:solidFill>
+                <a:prstDash val="solid"/>
+              </a14:hiddenLine>
+            </a:ext>
+          </a:extLst>
+        </p:spPr>
+        <p:style>
+          <a:lnRef idx="2">
+            <a:schemeClr val="accent1">
+              <a:shade val="15000"/>
+            </a:schemeClr>
+          </a:lnRef>
+          <a:fillRef idx="1">
+            <a:schemeClr val="accent1"/>
+          </a:fillRef>
+          <a:effectRef idx="0">
+            <a:schemeClr val="accent1"/>
+          </a:effectRef>
+          <a:fontRef idx="minor">
+            <a:schemeClr val="lt1"/>
+          </a:fontRef>
+        </p:style>
+        <p:txBody>
+          <a:bodyPr lIns="317500" rIns="1143000" rtlCol="0" anchor="ctr">
+            <a:normAutofit/>
+          </a:bodyPr>
+          <a:lstStyle/>
+          <a:p>
+            <a:r>
+              <a:rPr lang="en-US" sz="2000">
+                <a:solidFill>
+                  <a:srgbClr val="5B5B5B"/>
+                </a:solidFill>
+              </a:rPr>
+              <a:t>Please download and install the Slido app on all computers you use</a:t>
+            </a:r>
+          </a:p>
+        </p:txBody>
+      </p:sp>
+      <p:pic>
+        <p:nvPicPr>
+          <p:cNvPr id="9" name="Graphic 8">
+            <a:extLst>
+              <a:ext uri="{FF2B5EF4-FFF2-40B4-BE49-F238E27FC236}">
+                <a16:creationId xmlns:a16="http://schemas.microsoft.com/office/drawing/2014/main" id="{8242FA61-0B3B-E9A4-D809-55A9241B4F2B}"/>
+              </a:ext>
+            </a:extLst>
+          </p:cNvPr>
+          <p:cNvPicPr>
+            <a:picLocks/>
+          </p:cNvPicPr>
+          <p:nvPr>
+            <p:custDataLst>
+              <p:tags r:id="rId5"/>
+            </p:custDataLst>
+          </p:nvPr>
+        </p:nvPicPr>
+        <p:blipFill>
+          <a:blip r:embed="rId11">
+            <a:extLst>
+              <a:ext uri="{96DAC541-7B7A-43D3-8B79-37D633B846F1}">
+                <asvg:svgBlip xmlns:asvg="http://schemas.microsoft.com/office/drawing/2016/SVG/main" r:embed="rId12"/>
+              </a:ext>
+            </a:extLst>
+          </a:blip>
+          <a:stretch>
+            <a:fillRect/>
+          </a:stretch>
+        </p:blipFill>
+        <p:spPr>
+          <a:xfrm>
+            <a:off x="10826048" y="577634"/>
+            <a:ext cx="597332" cy="597332"/>
+          </a:xfrm>
+          <a:prstGeom prst="rect">
+            <a:avLst/>
+          </a:prstGeom>
+        </p:spPr>
+      </p:pic>
+      <p:sp>
+        <p:nvSpPr>
+          <p:cNvPr id="10" name="Rectangle 9">
+            <a:extLst>
+              <a:ext uri="{FF2B5EF4-FFF2-40B4-BE49-F238E27FC236}">
+                <a16:creationId xmlns:a16="http://schemas.microsoft.com/office/drawing/2014/main" id="{20EC8FDE-F671-4C80-0701-D50F490B2770}"/>
+              </a:ext>
+            </a:extLst>
+          </p:cNvPr>
+          <p:cNvSpPr/>
+          <p:nvPr>
+            <p:custDataLst>
+              <p:tags r:id="rId6"/>
+            </p:custDataLst>
+          </p:nvPr>
+        </p:nvSpPr>
+        <p:spPr>
+          <a:xfrm>
+            <a:off x="3901440" y="6032500"/>
+            <a:ext cx="7315199" cy="518160"/>
+          </a:xfrm>
+          <a:prstGeom prst="rect">
+            <a:avLst/>
+          </a:prstGeom>
+          <a:solidFill>
+            <a:srgbClr val="FFFFFF"/>
+          </a:solidFill>
+          <a:ln w="25400" cap="flat" cmpd="sng" algn="ctr">
+            <a:noFill/>
+            <a:prstDash val="solid"/>
+          </a:ln>
+          <a:effectLst/>
+          <a:extLst>
+            <a:ext uri="{91240B29-F687-4F45-9708-019B960494DF}">
+              <a14:hiddenLine xmlns:a14="http://schemas.microsoft.com/office/drawing/2010/main" w="25400" cap="flat" cmpd="sng" algn="ctr">
+                <a:solidFill>
+                  <a:schemeClr val="accent1">
+                    <a:shade val="15000"/>
+                  </a:schemeClr>
+                </a:solidFill>
+                <a:prstDash val="solid"/>
+              </a14:hiddenLine>
+            </a:ext>
+          </a:extLst>
+        </p:spPr>
+        <p:style>
+          <a:lnRef idx="2">
+            <a:schemeClr val="accent1">
+              <a:shade val="15000"/>
+            </a:schemeClr>
+          </a:lnRef>
+          <a:fillRef idx="1">
+            <a:schemeClr val="accent1"/>
+          </a:fillRef>
+          <a:effectRef idx="0">
+            <a:schemeClr val="accent1"/>
+          </a:effectRef>
+          <a:fontRef idx="minor">
+            <a:schemeClr val="lt1"/>
+          </a:fontRef>
+        </p:style>
+        <p:txBody>
+          <a:bodyPr rtlCol="0" anchor="ctr">
+            <a:normAutofit/>
+          </a:bodyPr>
+          <a:lstStyle/>
+          <a:p>
+            <a:r>
+              <a:rPr lang="en-US" sz="2200" b="1">
+                <a:solidFill>
+                  <a:srgbClr val="5B5B5B"/>
+                </a:solidFill>
+              </a:rPr>
+              <a:t>ⓘ</a:t>
+            </a:r>
+            <a:r>
+              <a:rPr lang="en-US" sz="2000">
+                <a:solidFill>
+                  <a:srgbClr val="5B5B5B"/>
+                </a:solidFill>
+              </a:rPr>
+              <a:t> Start presenting to display the poll results on this slide.</a:t>
+            </a:r>
+          </a:p>
+        </p:txBody>
+      </p:sp>
+      <p:pic>
+        <p:nvPicPr>
+          <p:cNvPr id="12" name="Graphic 11">
+            <a:extLst>
+              <a:ext uri="{FF2B5EF4-FFF2-40B4-BE49-F238E27FC236}">
+                <a16:creationId xmlns:a16="http://schemas.microsoft.com/office/drawing/2014/main" id="{B45FBF36-02C2-9146-884F-19431B1B20DF}"/>
+              </a:ext>
+            </a:extLst>
+          </p:cNvPr>
+          <p:cNvPicPr>
+            <a:picLocks/>
+          </p:cNvPicPr>
+          <p:nvPr>
+            <p:custDataLst>
+              <p:tags r:id="rId7"/>
+            </p:custDataLst>
+          </p:nvPr>
+        </p:nvPicPr>
+        <p:blipFill>
+          <a:blip r:embed="rId13">
+            <a:extLst>
+              <a:ext uri="{96DAC541-7B7A-43D3-8B79-37D633B846F1}">
+                <asvg:svgBlip xmlns:asvg="http://schemas.microsoft.com/office/drawing/2016/SVG/main" r:embed="rId14"/>
+              </a:ext>
+            </a:extLst>
+          </a:blip>
+          <a:stretch>
+            <a:fillRect/>
+          </a:stretch>
+        </p:blipFill>
+        <p:spPr>
+          <a:xfrm>
+            <a:off x="1158240" y="2270760"/>
+            <a:ext cx="2316480" cy="2316480"/>
+          </a:xfrm>
+          <a:prstGeom prst="rect">
+            <a:avLst/>
+          </a:prstGeom>
+        </p:spPr>
+      </p:pic>
+    </p:spTree>
+    <p:custDataLst>
+      <p:tags r:id="rId1"/>
+    </p:custDataLst>
+    <p:extLst>
+      <p:ext uri="{BB962C8B-B14F-4D97-AF65-F5344CB8AC3E}">
+        <p14:creationId xmlns:p14="http://schemas.microsoft.com/office/powerpoint/2010/main" val="2725645001"/>
+      </p:ext>
+    </p:extLst>
+  </p:cSld>
+  <p:clrMapOvr>
+    <a:masterClrMapping/>
+  </p:clrMapOvr>
+  <p:timing>
+    <p:tnLst>
+      <p:par>
+        <p:cTn id="1" dur="indefinite" restart="never" nodeType="tmRoot">
+          <p:childTnLst>
+            <p:seq concurrent="1" nextAc="seek">
+              <p:cTn id="2" dur="indefinite" nodeType="mainSeq">
+                <p:childTnLst>
+                  <p:par>
+                    <p:cTn id="3" fill="hold">
+                      <p:stCondLst>
+                        <p:cond delay="indefinite"/>
+                      </p:stCondLst>
+                      <p:childTnLst>
+                        <p:par>
+                          <p:cTn id="4" fill="hold">
+                            <p:stCondLst>
+                              <p:cond delay="0"/>
+                            </p:stCondLst>
+                            <p:childTnLst>
+                              <p:par>
+                                <p:cTn id="5" presetID="26" presetClass="emph" presetSubtype="0" fill="hold" grpId="0" nodeType="clickEffect">
+                                  <p:stCondLst>
+                                    <p:cond delay="0"/>
+                                  </p:stCondLst>
+                                  <p:childTnLst>
+                                    <p:animEffect transition="out" filter="fade">
+                                      <p:cBhvr>
+                                        <p:cTn id="6" dur="50" tmFilter="0, 0; .2, .5; .8, .5; 1, 0"/>
+                                        <p:tgtEl>
+                                          <p:spTgt spid="6"/>
+                                        </p:tgtEl>
+                                      </p:cBhvr>
+                                    </p:animEffect>
+                                    <p:animScale>
+                                      <p:cBhvr>
+                                        <p:cTn id="7" dur="25" autoRev="1" fill="hold"/>
+                                        <p:tgtEl>
+                                          <p:spTgt spid="6"/>
+                                        </p:tgtEl>
+                                      </p:cBhvr>
+                                      <p:by x="105000" y="105000"/>
+                                    </p:animScale>
+                                  </p:childTnLst>
+                                </p:cTn>
+                              </p:par>
+                            </p:childTnLst>
+                          </p:cTn>
+                        </p:par>
+                      </p:childTnLst>
+                    </p:cTn>
+                  </p:par>
+                </p:childTnLst>
+              </p:cTn>
+              <p:prevCondLst>
+                <p:cond evt="onPrev" delay="0">
+                  <p:tgtEl>
+                    <p:sldTgt/>
+                  </p:tgtEl>
+                </p:cond>
+              </p:prevCondLst>
+              <p:nextCondLst>
+                <p:cond evt="onNext" delay="0">
+                  <p:tgtEl>
+                    <p:sldTgt/>
+                  </p:tgtEl>
+                </p:cond>
+              </p:nextCondLst>
+            </p:seq>
+          </p:childTnLst>
+        </p:cTn>
+      </p:par>
+    </p:tnLst>
+    <p:bldLst>
+      <p:bldP spid="6" grpId="0" animBg="1"/>
+    </p:bldLst>
+  </p:timing>
+</p:sld>
+</file>
+
+<file path=ppt/slides/slide25.xml><?xml version="1.0" encoding="utf-8"?>
 <p:sld xmlns:a="http://schemas.openxmlformats.org/drawingml/2006/main" xmlns:r="http://schemas.openxmlformats.org/officeDocument/2006/relationships" xmlns:p="http://schemas.openxmlformats.org/presentationml/2006/main">
   <p:cSld>
     <p:spTree>
@@ -11558,10 +14724,10 @@
               <a:buNone/>
             </a:pPr>
             <a:r>
-              <a:rPr lang="en-US" dirty="0"/>
-              <a:t>Sensitivity – Recall – Detection Rate</a:t>
+              <a:rPr lang="en-US" sz="4000" dirty="0"/>
+              <a:t>Sensitivity – Recall – Detection Rate - TPR</a:t>
             </a:r>
-            <a:endParaRPr dirty="0"/>
+            <a:endParaRPr sz="4000" dirty="0"/>
           </a:p>
         </p:txBody>
       </p:sp>
@@ -12308,7 +15474,7 @@
 </p:sld>
 </file>
 
-<file path=ppt/slides/slide19.xml><?xml version="1.0" encoding="utf-8"?>
+<file path=ppt/slides/slide26.xml><?xml version="1.0" encoding="utf-8"?>
 <p:sld xmlns:a="http://schemas.openxmlformats.org/drawingml/2006/main" xmlns:r="http://schemas.openxmlformats.org/officeDocument/2006/relationships" xmlns:p="http://schemas.openxmlformats.org/presentationml/2006/main">
   <p:cSld>
     <p:spTree>
@@ -13122,116 +16288,7 @@
 </p:sld>
 </file>
 
-<file path=ppt/slides/slide2.xml><?xml version="1.0" encoding="utf-8"?>
-<p:sld xmlns:a="http://schemas.openxmlformats.org/drawingml/2006/main" xmlns:r="http://schemas.openxmlformats.org/officeDocument/2006/relationships" xmlns:p="http://schemas.openxmlformats.org/presentationml/2006/main">
-  <p:cSld>
-    <p:spTree>
-      <p:nvGrpSpPr>
-        <p:cNvPr id="1" name="Shape 303"/>
-        <p:cNvGrpSpPr/>
-        <p:nvPr/>
-      </p:nvGrpSpPr>
-      <p:grpSpPr>
-        <a:xfrm>
-          <a:off x="0" y="0"/>
-          <a:ext cx="0" cy="0"/>
-          <a:chOff x="0" y="0"/>
-          <a:chExt cx="0" cy="0"/>
-        </a:xfrm>
-      </p:grpSpPr>
-      <p:sp>
-        <p:nvSpPr>
-          <p:cNvPr id="304" name="Google Shape;304;p9"/>
-          <p:cNvSpPr txBox="1">
-            <a:spLocks noGrp="1"/>
-          </p:cNvSpPr>
-          <p:nvPr>
-            <p:ph type="ctrTitle"/>
-          </p:nvPr>
-        </p:nvSpPr>
-        <p:spPr>
-          <a:xfrm>
-            <a:off x="878652" y="2452388"/>
-            <a:ext cx="10224778" cy="1501403"/>
-          </a:xfrm>
-          <a:prstGeom prst="rect">
-            <a:avLst/>
-          </a:prstGeom>
-          <a:noFill/>
-          <a:ln>
-            <a:noFill/>
-          </a:ln>
-        </p:spPr>
-        <p:txBody>
-          <a:bodyPr spcFirstLastPara="1" wrap="square" lIns="91425" tIns="45700" rIns="91425" bIns="45700" anchor="b" anchorCtr="0">
-            <a:normAutofit/>
-          </a:bodyPr>
-          <a:lstStyle/>
-          <a:p>
-            <a:pPr marL="0" lvl="0" indent="0" algn="ctr" rtl="0">
-              <a:lnSpc>
-                <a:spcPct val="90000"/>
-              </a:lnSpc>
-              <a:spcBef>
-                <a:spcPts val="0"/>
-              </a:spcBef>
-              <a:spcAft>
-                <a:spcPts val="0"/>
-              </a:spcAft>
-              <a:buClr>
-                <a:schemeClr val="dk1"/>
-              </a:buClr>
-              <a:buSzPts val="4800"/>
-              <a:buFont typeface="Roboto Slab"/>
-              <a:buNone/>
-            </a:pPr>
-            <a:r>
-              <a:rPr lang="en-US" dirty="0"/>
-              <a:t>Model Performance Evaluation Classification Problems</a:t>
-            </a:r>
-            <a:endParaRPr dirty="0"/>
-          </a:p>
-        </p:txBody>
-      </p:sp>
-      <p:pic>
-        <p:nvPicPr>
-          <p:cNvPr id="6" name="Picture 5">
-            <a:extLst>
-              <a:ext uri="{FF2B5EF4-FFF2-40B4-BE49-F238E27FC236}">
-                <a16:creationId xmlns:a16="http://schemas.microsoft.com/office/drawing/2014/main" id="{7ACF5DF2-CA34-B4BE-CC46-9E0D76AA3276}"/>
-              </a:ext>
-            </a:extLst>
-          </p:cNvPr>
-          <p:cNvPicPr>
-            <a:picLocks noChangeAspect="1"/>
-          </p:cNvPicPr>
-          <p:nvPr/>
-        </p:nvPicPr>
-        <p:blipFill>
-          <a:blip r:embed="rId3"/>
-          <a:stretch>
-            <a:fillRect/>
-          </a:stretch>
-        </p:blipFill>
-        <p:spPr>
-          <a:xfrm>
-            <a:off x="4874478" y="4139765"/>
-            <a:ext cx="2443044" cy="2443044"/>
-          </a:xfrm>
-          <a:prstGeom prst="rect">
-            <a:avLst/>
-          </a:prstGeom>
-        </p:spPr>
-      </p:pic>
-    </p:spTree>
-  </p:cSld>
-  <p:clrMapOvr>
-    <a:masterClrMapping/>
-  </p:clrMapOvr>
-</p:sld>
-</file>
-
-<file path=ppt/slides/slide20.xml><?xml version="1.0" encoding="utf-8"?>
+<file path=ppt/slides/slide27.xml><?xml version="1.0" encoding="utf-8"?>
 <p:sld xmlns:a="http://schemas.openxmlformats.org/drawingml/2006/main" xmlns:r="http://schemas.openxmlformats.org/officeDocument/2006/relationships" xmlns:p="http://schemas.openxmlformats.org/presentationml/2006/main">
   <p:cSld>
     <p:spTree>
@@ -14247,7 +17304,7 @@
 </p:sld>
 </file>
 
-<file path=ppt/slides/slide21.xml><?xml version="1.0" encoding="utf-8"?>
+<file path=ppt/slides/slide28.xml><?xml version="1.0" encoding="utf-8"?>
 <p:sld xmlns:a="http://schemas.openxmlformats.org/drawingml/2006/main" xmlns:r="http://schemas.openxmlformats.org/officeDocument/2006/relationships" xmlns:p="http://schemas.openxmlformats.org/presentationml/2006/main">
   <p:cSld>
     <p:spTree>
@@ -14445,8 +17502,8 @@
           </a:extLst>
         </p:spPr>
       </p:pic>
-      <mc:AlternateContent xmlns:mc="http://schemas.openxmlformats.org/markup-compatibility/2006">
-        <mc:Choice xmlns:a14="http://schemas.microsoft.com/office/drawing/2010/main" Requires="a14">
+      <mc:AlternateContent xmlns:mc="http://schemas.openxmlformats.org/markup-compatibility/2006" xmlns:a14="http://schemas.microsoft.com/office/drawing/2010/main">
+        <mc:Choice Requires="a14">
           <p:sp>
             <p:nvSpPr>
               <p:cNvPr id="3" name="TextBox 2">
@@ -14515,7 +17572,7 @@
             </p:txBody>
           </p:sp>
         </mc:Choice>
-        <mc:Fallback>
+        <mc:Fallback xmlns="">
           <p:sp>
             <p:nvSpPr>
               <p:cNvPr id="3" name="TextBox 2">
@@ -14560,8 +17617,8 @@
           </p:sp>
         </mc:Fallback>
       </mc:AlternateContent>
-      <mc:AlternateContent xmlns:mc="http://schemas.openxmlformats.org/markup-compatibility/2006">
-        <mc:Choice xmlns:a14="http://schemas.microsoft.com/office/drawing/2010/main" Requires="a14">
+      <mc:AlternateContent xmlns:mc="http://schemas.openxmlformats.org/markup-compatibility/2006" xmlns:a14="http://schemas.microsoft.com/office/drawing/2010/main">
+        <mc:Choice Requires="a14">
           <p:sp>
             <p:nvSpPr>
               <p:cNvPr id="4" name="TextBox 3">
@@ -14630,7 +17687,7 @@
             </p:txBody>
           </p:sp>
         </mc:Choice>
-        <mc:Fallback>
+        <mc:Fallback xmlns="">
           <p:sp>
             <p:nvSpPr>
               <p:cNvPr id="4" name="TextBox 3">
@@ -14675,8 +17732,8 @@
           </p:sp>
         </mc:Fallback>
       </mc:AlternateContent>
-      <mc:AlternateContent xmlns:mc="http://schemas.openxmlformats.org/markup-compatibility/2006">
-        <mc:Choice xmlns:a14="http://schemas.microsoft.com/office/drawing/2010/main" Requires="a14">
+      <mc:AlternateContent xmlns:mc="http://schemas.openxmlformats.org/markup-compatibility/2006" xmlns:a14="http://schemas.microsoft.com/office/drawing/2010/main">
+        <mc:Choice Requires="a14">
           <p:sp>
             <p:nvSpPr>
               <p:cNvPr id="5" name="TextBox 4">
@@ -14745,7 +17802,7 @@
             </p:txBody>
           </p:sp>
         </mc:Choice>
-        <mc:Fallback>
+        <mc:Fallback xmlns="">
           <p:sp>
             <p:nvSpPr>
               <p:cNvPr id="5" name="TextBox 4">
@@ -14790,8 +17847,8 @@
           </p:sp>
         </mc:Fallback>
       </mc:AlternateContent>
-      <mc:AlternateContent xmlns:mc="http://schemas.openxmlformats.org/markup-compatibility/2006">
-        <mc:Choice xmlns:a14="http://schemas.microsoft.com/office/drawing/2010/main" Requires="a14">
+      <mc:AlternateContent xmlns:mc="http://schemas.openxmlformats.org/markup-compatibility/2006" xmlns:a14="http://schemas.microsoft.com/office/drawing/2010/main">
+        <mc:Choice Requires="a14">
           <p:sp>
             <p:nvSpPr>
               <p:cNvPr id="6" name="TextBox 5">
@@ -14860,7 +17917,7 @@
             </p:txBody>
           </p:sp>
         </mc:Choice>
-        <mc:Fallback>
+        <mc:Fallback xmlns="">
           <p:sp>
             <p:nvSpPr>
               <p:cNvPr id="6" name="TextBox 5">
@@ -14905,8 +17962,8 @@
           </p:sp>
         </mc:Fallback>
       </mc:AlternateContent>
-      <mc:AlternateContent xmlns:mc="http://schemas.openxmlformats.org/markup-compatibility/2006">
-        <mc:Choice xmlns:a14="http://schemas.microsoft.com/office/drawing/2010/main" Requires="a14">
+      <mc:AlternateContent xmlns:mc="http://schemas.openxmlformats.org/markup-compatibility/2006" xmlns:a14="http://schemas.microsoft.com/office/drawing/2010/main">
+        <mc:Choice Requires="a14">
           <p:sp>
             <p:nvSpPr>
               <p:cNvPr id="7" name="TextBox 6">
@@ -14945,7 +18002,7 @@
                       <m:sSub>
                         <m:sSubPr>
                           <m:ctrlPr>
-                            <a:rPr lang="en-US" sz="2400" b="1" i="0" smtClean="0">
+                            <a:rPr lang="en-US" sz="2400" b="1" i="1" smtClean="0">
                               <a:latin typeface="Cambria Math" panose="02040503050406030204" pitchFamily="18" charset="0"/>
                             </a:rPr>
                           </m:ctrlPr>
@@ -14982,7 +18039,7 @@
                       <m:f>
                         <m:fPr>
                           <m:ctrlPr>
-                            <a:rPr lang="en-US" sz="2400" b="1" smtClean="0">
+                            <a:rPr lang="en-US" sz="2400" b="1" i="1" smtClean="0">
                               <a:latin typeface="Cambria Math" panose="02040503050406030204" pitchFamily="18" charset="0"/>
                             </a:rPr>
                           </m:ctrlPr>
@@ -15042,7 +18099,7 @@
             </p:txBody>
           </p:sp>
         </mc:Choice>
-        <mc:Fallback>
+        <mc:Fallback xmlns="">
           <p:sp>
             <p:nvSpPr>
               <p:cNvPr id="7" name="TextBox 6">
@@ -15087,8 +18144,8 @@
           </p:sp>
         </mc:Fallback>
       </mc:AlternateContent>
-      <mc:AlternateContent xmlns:mc="http://schemas.openxmlformats.org/markup-compatibility/2006">
-        <mc:Choice xmlns:a14="http://schemas.microsoft.com/office/drawing/2010/main" Requires="a14">
+      <mc:AlternateContent xmlns:mc="http://schemas.openxmlformats.org/markup-compatibility/2006" xmlns:a14="http://schemas.microsoft.com/office/drawing/2010/main">
+        <mc:Choice Requires="a14">
           <p:sp>
             <p:nvSpPr>
               <p:cNvPr id="8" name="TextBox 7">
@@ -15127,7 +18184,7 @@
                       <m:sSub>
                         <m:sSubPr>
                           <m:ctrlPr>
-                            <a:rPr lang="en-US" sz="2400" b="1" i="0" smtClean="0">
+                            <a:rPr lang="en-US" sz="2400" b="1" i="1" smtClean="0">
                               <a:latin typeface="Cambria Math" panose="02040503050406030204" pitchFamily="18" charset="0"/>
                             </a:rPr>
                           </m:ctrlPr>
@@ -15158,7 +18215,7 @@
                       <m:f>
                         <m:fPr>
                           <m:ctrlPr>
-                            <a:rPr lang="en-US" sz="2400" b="1" smtClean="0">
+                            <a:rPr lang="en-US" sz="2400" b="1" i="1" smtClean="0">
                               <a:latin typeface="Cambria Math" panose="02040503050406030204" pitchFamily="18" charset="0"/>
                             </a:rPr>
                           </m:ctrlPr>
@@ -15212,7 +18269,7 @@
             </p:txBody>
           </p:sp>
         </mc:Choice>
-        <mc:Fallback>
+        <mc:Fallback xmlns="">
           <p:sp>
             <p:nvSpPr>
               <p:cNvPr id="8" name="TextBox 7">
@@ -15270,7 +18327,7 @@
 </p:sld>
 </file>
 
-<file path=ppt/slides/slide22.xml><?xml version="1.0" encoding="utf-8"?>
+<file path=ppt/slides/slide29.xml><?xml version="1.0" encoding="utf-8"?>
 <p:sld xmlns:a="http://schemas.openxmlformats.org/drawingml/2006/main" xmlns:r="http://schemas.openxmlformats.org/officeDocument/2006/relationships" xmlns:p="http://schemas.openxmlformats.org/presentationml/2006/main">
   <p:cSld>
     <p:spTree>
@@ -15825,90 +18882,6 @@
 </p:sld>
 </file>
 
-<file path=ppt/slides/slide23.xml><?xml version="1.0" encoding="utf-8"?>
-<p:sld xmlns:a="http://schemas.openxmlformats.org/drawingml/2006/main" xmlns:r="http://schemas.openxmlformats.org/officeDocument/2006/relationships" xmlns:p="http://schemas.openxmlformats.org/presentationml/2006/main">
-  <p:cSld>
-    <p:spTree>
-      <p:nvGrpSpPr>
-        <p:cNvPr id="1" name="Shape 315"/>
-        <p:cNvGrpSpPr/>
-        <p:nvPr/>
-      </p:nvGrpSpPr>
-      <p:grpSpPr>
-        <a:xfrm>
-          <a:off x="0" y="0"/>
-          <a:ext cx="0" cy="0"/>
-          <a:chOff x="0" y="0"/>
-          <a:chExt cx="0" cy="0"/>
-        </a:xfrm>
-      </p:grpSpPr>
-      <p:sp>
-        <p:nvSpPr>
-          <p:cNvPr id="316" name="Google Shape;316;p11"/>
-          <p:cNvSpPr txBox="1">
-            <a:spLocks noGrp="1"/>
-          </p:cNvSpPr>
-          <p:nvPr>
-            <p:ph type="ctrTitle"/>
-          </p:nvPr>
-        </p:nvSpPr>
-        <p:spPr>
-          <a:xfrm>
-            <a:off x="1524000" y="2971059"/>
-            <a:ext cx="9144000" cy="1501403"/>
-          </a:xfrm>
-          <a:prstGeom prst="rect">
-            <a:avLst/>
-          </a:prstGeom>
-          <a:noFill/>
-          <a:ln>
-            <a:noFill/>
-          </a:ln>
-        </p:spPr>
-        <p:txBody>
-          <a:bodyPr spcFirstLastPara="1" wrap="square" lIns="91425" tIns="45700" rIns="91425" bIns="45700" anchor="b" anchorCtr="0">
-            <a:normAutofit/>
-          </a:bodyPr>
-          <a:lstStyle/>
-          <a:p>
-            <a:pPr marL="0" lvl="0" indent="0" algn="ctr" rtl="0">
-              <a:lnSpc>
-                <a:spcPct val="90000"/>
-              </a:lnSpc>
-              <a:spcBef>
-                <a:spcPts val="0"/>
-              </a:spcBef>
-              <a:spcAft>
-                <a:spcPts val="0"/>
-              </a:spcAft>
-              <a:buClr>
-                <a:schemeClr val="accent6"/>
-              </a:buClr>
-              <a:buSzPts val="4800"/>
-              <a:buFont typeface="Roboto Slab"/>
-              <a:buNone/>
-            </a:pPr>
-            <a:r>
-              <a:rPr lang="en-US" dirty="0"/>
-              <a:t>Python</a:t>
-            </a:r>
-            <a:endParaRPr dirty="0"/>
-          </a:p>
-        </p:txBody>
-      </p:sp>
-    </p:spTree>
-    <p:extLst>
-      <p:ext uri="{BB962C8B-B14F-4D97-AF65-F5344CB8AC3E}">
-        <p14:creationId xmlns:p14="http://schemas.microsoft.com/office/powerpoint/2010/main" val="3329212569"/>
-      </p:ext>
-    </p:extLst>
-  </p:cSld>
-  <p:clrMapOvr>
-    <a:masterClrMapping/>
-  </p:clrMapOvr>
-</p:sld>
-</file>
-
 <file path=ppt/slides/slide3.xml><?xml version="1.0" encoding="utf-8"?>
 <p:sld xmlns:a="http://schemas.openxmlformats.org/drawingml/2006/main" xmlns:r="http://schemas.openxmlformats.org/officeDocument/2006/relationships" xmlns:p="http://schemas.openxmlformats.org/presentationml/2006/main">
   <p:cSld>
@@ -16146,6 +19119,90 @@
     <p:extLst>
       <p:ext uri="{BB962C8B-B14F-4D97-AF65-F5344CB8AC3E}">
         <p14:creationId xmlns:p14="http://schemas.microsoft.com/office/powerpoint/2010/main" val="4269744705"/>
+      </p:ext>
+    </p:extLst>
+  </p:cSld>
+  <p:clrMapOvr>
+    <a:masterClrMapping/>
+  </p:clrMapOvr>
+</p:sld>
+</file>
+
+<file path=ppt/slides/slide30.xml><?xml version="1.0" encoding="utf-8"?>
+<p:sld xmlns:a="http://schemas.openxmlformats.org/drawingml/2006/main" xmlns:r="http://schemas.openxmlformats.org/officeDocument/2006/relationships" xmlns:p="http://schemas.openxmlformats.org/presentationml/2006/main">
+  <p:cSld>
+    <p:spTree>
+      <p:nvGrpSpPr>
+        <p:cNvPr id="1" name="Shape 315"/>
+        <p:cNvGrpSpPr/>
+        <p:nvPr/>
+      </p:nvGrpSpPr>
+      <p:grpSpPr>
+        <a:xfrm>
+          <a:off x="0" y="0"/>
+          <a:ext cx="0" cy="0"/>
+          <a:chOff x="0" y="0"/>
+          <a:chExt cx="0" cy="0"/>
+        </a:xfrm>
+      </p:grpSpPr>
+      <p:sp>
+        <p:nvSpPr>
+          <p:cNvPr id="316" name="Google Shape;316;p11"/>
+          <p:cNvSpPr txBox="1">
+            <a:spLocks noGrp="1"/>
+          </p:cNvSpPr>
+          <p:nvPr>
+            <p:ph type="ctrTitle"/>
+          </p:nvPr>
+        </p:nvSpPr>
+        <p:spPr>
+          <a:xfrm>
+            <a:off x="1524000" y="2971059"/>
+            <a:ext cx="9144000" cy="1501403"/>
+          </a:xfrm>
+          <a:prstGeom prst="rect">
+            <a:avLst/>
+          </a:prstGeom>
+          <a:noFill/>
+          <a:ln>
+            <a:noFill/>
+          </a:ln>
+        </p:spPr>
+        <p:txBody>
+          <a:bodyPr spcFirstLastPara="1" wrap="square" lIns="91425" tIns="45700" rIns="91425" bIns="45700" anchor="b" anchorCtr="0">
+            <a:normAutofit/>
+          </a:bodyPr>
+          <a:lstStyle/>
+          <a:p>
+            <a:pPr marL="0" lvl="0" indent="0" algn="ctr" rtl="0">
+              <a:lnSpc>
+                <a:spcPct val="90000"/>
+              </a:lnSpc>
+              <a:spcBef>
+                <a:spcPts val="0"/>
+              </a:spcBef>
+              <a:spcAft>
+                <a:spcPts val="0"/>
+              </a:spcAft>
+              <a:buClr>
+                <a:schemeClr val="accent6"/>
+              </a:buClr>
+              <a:buSzPts val="4800"/>
+              <a:buFont typeface="Roboto Slab"/>
+              <a:buNone/>
+            </a:pPr>
+            <a:r>
+              <a:rPr lang="en-US" dirty="0"/>
+              <a:t>Python</a:t>
+            </a:r>
+            <a:endParaRPr dirty="0"/>
+          </a:p>
+        </p:txBody>
+      </p:sp>
+    </p:spTree>
+    <p:extLst>
+      <p:ext uri="{BB962C8B-B14F-4D97-AF65-F5344CB8AC3E}">
+        <p14:creationId xmlns:p14="http://schemas.microsoft.com/office/powerpoint/2010/main" val="3329212569"/>
       </p:ext>
     </p:extLst>
   </p:cSld>
@@ -22240,6 +25297,285 @@
 </p:sld>
 </file>
 
+<file path=ppt/tags/tag1.xml><?xml version="1.0" encoding="utf-8"?>
+<p:tagLst xmlns:a="http://schemas.openxmlformats.org/drawingml/2006/main" xmlns:r="http://schemas.openxmlformats.org/officeDocument/2006/relationships" xmlns:p="http://schemas.openxmlformats.org/presentationml/2006/main">
+  <p:tag name="SLIDO_APP_VERSION" val="1.5.0.0"/>
+  <p:tag name="SLIDO_PRESENTATION_ID" val="e71f3c01-77d0-4f75-a0a7-4641e9a25248"/>
+  <p:tag name="SLIDO_EVENT_UUID" val="a94e3fb1-a5b9-48d0-bd7f-47a5d913194d"/>
+  <p:tag name="SLIDO_EVENT_SECTION_UUID" val="adfafda1-2403-454b-8981-4f01aa850f00"/>
+</p:tagLst>
+</file>
+
+<file path=ppt/tags/tag10.xml><?xml version="1.0" encoding="utf-8"?>
+<p:tagLst xmlns:a="http://schemas.openxmlformats.org/drawingml/2006/main" xmlns:r="http://schemas.openxmlformats.org/officeDocument/2006/relationships" xmlns:p="http://schemas.openxmlformats.org/presentationml/2006/main">
+  <p:tag name="SLIDO_ELEMENT" val="logo"/>
+</p:tagLst>
+</file>
+
+<file path=ppt/tags/tag11.xml><?xml version="1.0" encoding="utf-8"?>
+<p:tagLst xmlns:a="http://schemas.openxmlformats.org/drawingml/2006/main" xmlns:r="http://schemas.openxmlformats.org/officeDocument/2006/relationships" xmlns:p="http://schemas.openxmlformats.org/presentationml/2006/main">
+  <p:tag name="SLIDO_ELEMENT" val="title"/>
+</p:tagLst>
+</file>
+
+<file path=ppt/tags/tag12.xml><?xml version="1.0" encoding="utf-8"?>
+<p:tagLst xmlns:a="http://schemas.openxmlformats.org/drawingml/2006/main" xmlns:r="http://schemas.openxmlformats.org/officeDocument/2006/relationships" xmlns:p="http://schemas.openxmlformats.org/presentationml/2006/main">
+  <p:tag name="SLIDO_ELEMENT" val="reminder"/>
+</p:tagLst>
+</file>
+
+<file path=ppt/tags/tag13.xml><?xml version="1.0" encoding="utf-8"?>
+<p:tagLst xmlns:a="http://schemas.openxmlformats.org/drawingml/2006/main" xmlns:r="http://schemas.openxmlformats.org/officeDocument/2006/relationships" xmlns:p="http://schemas.openxmlformats.org/presentationml/2006/main">
+  <p:tag name="SLIDO_ELEMENT" val="dotty"/>
+</p:tagLst>
+</file>
+
+<file path=ppt/tags/tag14.xml><?xml version="1.0" encoding="utf-8"?>
+<p:tagLst xmlns:a="http://schemas.openxmlformats.org/drawingml/2006/main" xmlns:r="http://schemas.openxmlformats.org/officeDocument/2006/relationships" xmlns:p="http://schemas.openxmlformats.org/presentationml/2006/main">
+  <p:tag name="SLIDO_ELEMENT" val="footer"/>
+</p:tagLst>
+</file>
+
+<file path=ppt/tags/tag15.xml><?xml version="1.0" encoding="utf-8"?>
+<p:tagLst xmlns:a="http://schemas.openxmlformats.org/drawingml/2006/main" xmlns:r="http://schemas.openxmlformats.org/officeDocument/2006/relationships" xmlns:p="http://schemas.openxmlformats.org/presentationml/2006/main">
+  <p:tag name="SLIDO_ELEMENT" val="interaction_image"/>
+  <p:tag name="INTERACTION_TYPE" val="multiplechoice"/>
+</p:tagLst>
+</file>
+
+<file path=ppt/tags/tag16.xml><?xml version="1.0" encoding="utf-8"?>
+<p:tagLst xmlns:a="http://schemas.openxmlformats.org/drawingml/2006/main" xmlns:r="http://schemas.openxmlformats.org/officeDocument/2006/relationships" xmlns:p="http://schemas.openxmlformats.org/presentationml/2006/main">
+  <p:tag name="SLIDO_TYPE" val="SlidoPoll"/>
+  <p:tag name="SLIDO_POLL_UUID" val="569c743a-32a1-4d41-afe0-31025df77ade"/>
+  <p:tag name="SLIDO_TIMELINE" val="W3sic2hvd1Jlc3VsdHMiOmZhbHNlLCJwb2xsUXVlc3Rpb25VdWlkIjoiMjI4MmQyNGYtZjNkNS00MzkxLTkyODYtODhkZmVkMDc3ZWQxIn0seyJwb2xsUXVlc3Rpb25VdWlkIjoiMjI4MmQyNGYtZjNkNS00MzkxLTkyODYtODhkZmVkMDc3ZWQxIiwic2hvd1Jlc3VsdHMiOnRydWV9XQ=="/>
+</p:tagLst>
+</file>
+
+<file path=ppt/tags/tag17.xml><?xml version="1.0" encoding="utf-8"?>
+<p:tagLst xmlns:a="http://schemas.openxmlformats.org/drawingml/2006/main" xmlns:r="http://schemas.openxmlformats.org/officeDocument/2006/relationships" xmlns:p="http://schemas.openxmlformats.org/presentationml/2006/main">
+  <p:tag name="SLIDO_ELEMENT" val="logo"/>
+</p:tagLst>
+</file>
+
+<file path=ppt/tags/tag18.xml><?xml version="1.0" encoding="utf-8"?>
+<p:tagLst xmlns:a="http://schemas.openxmlformats.org/drawingml/2006/main" xmlns:r="http://schemas.openxmlformats.org/officeDocument/2006/relationships" xmlns:p="http://schemas.openxmlformats.org/presentationml/2006/main">
+  <p:tag name="SLIDO_ELEMENT" val="interaction_image"/>
+  <p:tag name="INTERACTION_TYPE" val="multiplechoice"/>
+</p:tagLst>
+</file>
+
+<file path=ppt/tags/tag19.xml><?xml version="1.0" encoding="utf-8"?>
+<p:tagLst xmlns:a="http://schemas.openxmlformats.org/drawingml/2006/main" xmlns:r="http://schemas.openxmlformats.org/officeDocument/2006/relationships" xmlns:p="http://schemas.openxmlformats.org/presentationml/2006/main">
+  <p:tag name="SLIDO_ELEMENT" val="title"/>
+</p:tagLst>
+</file>
+
+<file path=ppt/tags/tag2.xml><?xml version="1.0" encoding="utf-8"?>
+<p:tagLst xmlns:a="http://schemas.openxmlformats.org/drawingml/2006/main" xmlns:r="http://schemas.openxmlformats.org/officeDocument/2006/relationships" xmlns:p="http://schemas.openxmlformats.org/presentationml/2006/main">
+  <p:tag name="SLIDO_TYPE" val="SlidoPoll"/>
+  <p:tag name="SLIDO_POLL_UUID" val="76a3bf0b-fc0e-430d-b6f1-f91f618c2de2"/>
+  <p:tag name="SLIDO_TIMELINE" val="W3sicG9sbFF1ZXN0aW9uVXVpZCI6IjhjMDY1Njk3LTRlMjAtNDQ5MC05MDc3LWJlOTRjYTJhMTNkNyIsInNob3dSZXN1bHRzIjpmYWxzZX0seyJwb2xsUXVlc3Rpb25VdWlkIjoiOGMwNjU2OTctNGUyMC00NDkwLTkwNzctYmU5NGNhMmExM2Q3Iiwic2hvd1Jlc3VsdHMiOnRydWV9XQ=="/>
+</p:tagLst>
+</file>
+
+<file path=ppt/tags/tag20.xml><?xml version="1.0" encoding="utf-8"?>
+<p:tagLst xmlns:a="http://schemas.openxmlformats.org/drawingml/2006/main" xmlns:r="http://schemas.openxmlformats.org/officeDocument/2006/relationships" xmlns:p="http://schemas.openxmlformats.org/presentationml/2006/main">
+  <p:tag name="SLIDO_ELEMENT" val="reminder"/>
+</p:tagLst>
+</file>
+
+<file path=ppt/tags/tag21.xml><?xml version="1.0" encoding="utf-8"?>
+<p:tagLst xmlns:a="http://schemas.openxmlformats.org/drawingml/2006/main" xmlns:r="http://schemas.openxmlformats.org/officeDocument/2006/relationships" xmlns:p="http://schemas.openxmlformats.org/presentationml/2006/main">
+  <p:tag name="SLIDO_ELEMENT" val="dotty"/>
+</p:tagLst>
+</file>
+
+<file path=ppt/tags/tag22.xml><?xml version="1.0" encoding="utf-8"?>
+<p:tagLst xmlns:a="http://schemas.openxmlformats.org/drawingml/2006/main" xmlns:r="http://schemas.openxmlformats.org/officeDocument/2006/relationships" xmlns:p="http://schemas.openxmlformats.org/presentationml/2006/main">
+  <p:tag name="SLIDO_ELEMENT" val="footer"/>
+</p:tagLst>
+</file>
+
+<file path=ppt/tags/tag23.xml><?xml version="1.0" encoding="utf-8"?>
+<p:tagLst xmlns:a="http://schemas.openxmlformats.org/drawingml/2006/main" xmlns:r="http://schemas.openxmlformats.org/officeDocument/2006/relationships" xmlns:p="http://schemas.openxmlformats.org/presentationml/2006/main">
+  <p:tag name="SLIDO_TYPE" val="SlidoPoll"/>
+  <p:tag name="SLIDO_POLL_UUID" val="c3629f60-b76d-499e-b8c2-bac3e3022954"/>
+  <p:tag name="SLIDO_TIMELINE" val="W3sic2hvd1Jlc3VsdHMiOmZhbHNlLCJwb2xsUXVlc3Rpb25VdWlkIjoiZTg3MDJjZjYtZWM1ZS00MTFiLTk3OGYtZTljNjdjODAyM2E5In0seyJwb2xsUXVlc3Rpb25VdWlkIjoiZTg3MDJjZjYtZWM1ZS00MTFiLTk3OGYtZTljNjdjODAyM2E5Iiwic2hvd1Jlc3VsdHMiOnRydWV9XQ=="/>
+</p:tagLst>
+</file>
+
+<file path=ppt/tags/tag24.xml><?xml version="1.0" encoding="utf-8"?>
+<p:tagLst xmlns:a="http://schemas.openxmlformats.org/drawingml/2006/main" xmlns:r="http://schemas.openxmlformats.org/officeDocument/2006/relationships" xmlns:p="http://schemas.openxmlformats.org/presentationml/2006/main">
+  <p:tag name="SLIDO_ELEMENT" val="logo"/>
+</p:tagLst>
+</file>
+
+<file path=ppt/tags/tag25.xml><?xml version="1.0" encoding="utf-8"?>
+<p:tagLst xmlns:a="http://schemas.openxmlformats.org/drawingml/2006/main" xmlns:r="http://schemas.openxmlformats.org/officeDocument/2006/relationships" xmlns:p="http://schemas.openxmlformats.org/presentationml/2006/main">
+  <p:tag name="SLIDO_ELEMENT" val="interaction_image"/>
+  <p:tag name="INTERACTION_TYPE" val="multiplechoice"/>
+</p:tagLst>
+</file>
+
+<file path=ppt/tags/tag26.xml><?xml version="1.0" encoding="utf-8"?>
+<p:tagLst xmlns:a="http://schemas.openxmlformats.org/drawingml/2006/main" xmlns:r="http://schemas.openxmlformats.org/officeDocument/2006/relationships" xmlns:p="http://schemas.openxmlformats.org/presentationml/2006/main">
+  <p:tag name="SLIDO_ELEMENT" val="title"/>
+</p:tagLst>
+</file>
+
+<file path=ppt/tags/tag27.xml><?xml version="1.0" encoding="utf-8"?>
+<p:tagLst xmlns:a="http://schemas.openxmlformats.org/drawingml/2006/main" xmlns:r="http://schemas.openxmlformats.org/officeDocument/2006/relationships" xmlns:p="http://schemas.openxmlformats.org/presentationml/2006/main">
+  <p:tag name="SLIDO_ELEMENT" val="reminder"/>
+</p:tagLst>
+</file>
+
+<file path=ppt/tags/tag28.xml><?xml version="1.0" encoding="utf-8"?>
+<p:tagLst xmlns:a="http://schemas.openxmlformats.org/drawingml/2006/main" xmlns:r="http://schemas.openxmlformats.org/officeDocument/2006/relationships" xmlns:p="http://schemas.openxmlformats.org/presentationml/2006/main">
+  <p:tag name="SLIDO_ELEMENT" val="dotty"/>
+</p:tagLst>
+</file>
+
+<file path=ppt/tags/tag29.xml><?xml version="1.0" encoding="utf-8"?>
+<p:tagLst xmlns:a="http://schemas.openxmlformats.org/drawingml/2006/main" xmlns:r="http://schemas.openxmlformats.org/officeDocument/2006/relationships" xmlns:p="http://schemas.openxmlformats.org/presentationml/2006/main">
+  <p:tag name="SLIDO_ELEMENT" val="footer"/>
+</p:tagLst>
+</file>
+
+<file path=ppt/tags/tag3.xml><?xml version="1.0" encoding="utf-8"?>
+<p:tagLst xmlns:a="http://schemas.openxmlformats.org/drawingml/2006/main" xmlns:r="http://schemas.openxmlformats.org/officeDocument/2006/relationships" xmlns:p="http://schemas.openxmlformats.org/presentationml/2006/main">
+  <p:tag name="SLIDO_ELEMENT" val="logo"/>
+</p:tagLst>
+</file>
+
+<file path=ppt/tags/tag30.xml><?xml version="1.0" encoding="utf-8"?>
+<p:tagLst xmlns:a="http://schemas.openxmlformats.org/drawingml/2006/main" xmlns:r="http://schemas.openxmlformats.org/officeDocument/2006/relationships" xmlns:p="http://schemas.openxmlformats.org/presentationml/2006/main">
+  <p:tag name="SLIDO_TYPE" val="SlidoPoll"/>
+  <p:tag name="SLIDO_POLL_UUID" val="d94023a9-6e28-4b1c-8be3-b5a77cfc45fe"/>
+  <p:tag name="SLIDO_TIMELINE" val="W3sic2hvd1Jlc3VsdHMiOmZhbHNlLCJwb2xsUXVlc3Rpb25VdWlkIjoiZTliODJiYmMtNGZhNS00NDcwLTkwYzItOThiNWMyNzY4YzRmIn0seyJzaG93UmVzdWx0cyI6dHJ1ZSwicG9sbFF1ZXN0aW9uVXVpZCI6ImU5YjgyYmJjLTRmYTUtNDQ3MC05MGMyLTk4YjVjMjc2OGM0ZiJ9XQ=="/>
+</p:tagLst>
+</file>
+
+<file path=ppt/tags/tag31.xml><?xml version="1.0" encoding="utf-8"?>
+<p:tagLst xmlns:a="http://schemas.openxmlformats.org/drawingml/2006/main" xmlns:r="http://schemas.openxmlformats.org/officeDocument/2006/relationships" xmlns:p="http://schemas.openxmlformats.org/presentationml/2006/main">
+  <p:tag name="SLIDO_ELEMENT" val="logo"/>
+</p:tagLst>
+</file>
+
+<file path=ppt/tags/tag32.xml><?xml version="1.0" encoding="utf-8"?>
+<p:tagLst xmlns:a="http://schemas.openxmlformats.org/drawingml/2006/main" xmlns:r="http://schemas.openxmlformats.org/officeDocument/2006/relationships" xmlns:p="http://schemas.openxmlformats.org/presentationml/2006/main">
+  <p:tag name="SLIDO_ELEMENT" val="title"/>
+</p:tagLst>
+</file>
+
+<file path=ppt/tags/tag33.xml><?xml version="1.0" encoding="utf-8"?>
+<p:tagLst xmlns:a="http://schemas.openxmlformats.org/drawingml/2006/main" xmlns:r="http://schemas.openxmlformats.org/officeDocument/2006/relationships" xmlns:p="http://schemas.openxmlformats.org/presentationml/2006/main">
+  <p:tag name="SLIDO_ELEMENT" val="reminder"/>
+</p:tagLst>
+</file>
+
+<file path=ppt/tags/tag34.xml><?xml version="1.0" encoding="utf-8"?>
+<p:tagLst xmlns:a="http://schemas.openxmlformats.org/drawingml/2006/main" xmlns:r="http://schemas.openxmlformats.org/officeDocument/2006/relationships" xmlns:p="http://schemas.openxmlformats.org/presentationml/2006/main">
+  <p:tag name="SLIDO_ELEMENT" val="dotty"/>
+</p:tagLst>
+</file>
+
+<file path=ppt/tags/tag35.xml><?xml version="1.0" encoding="utf-8"?>
+<p:tagLst xmlns:a="http://schemas.openxmlformats.org/drawingml/2006/main" xmlns:r="http://schemas.openxmlformats.org/officeDocument/2006/relationships" xmlns:p="http://schemas.openxmlformats.org/presentationml/2006/main">
+  <p:tag name="SLIDO_ELEMENT" val="footer"/>
+</p:tagLst>
+</file>
+
+<file path=ppt/tags/tag36.xml><?xml version="1.0" encoding="utf-8"?>
+<p:tagLst xmlns:a="http://schemas.openxmlformats.org/drawingml/2006/main" xmlns:r="http://schemas.openxmlformats.org/officeDocument/2006/relationships" xmlns:p="http://schemas.openxmlformats.org/presentationml/2006/main">
+  <p:tag name="SLIDO_ELEMENT" val="interaction_image"/>
+  <p:tag name="INTERACTION_TYPE" val="multiplechoice"/>
+</p:tagLst>
+</file>
+
+<file path=ppt/tags/tag37.xml><?xml version="1.0" encoding="utf-8"?>
+<p:tagLst xmlns:a="http://schemas.openxmlformats.org/drawingml/2006/main" xmlns:r="http://schemas.openxmlformats.org/officeDocument/2006/relationships" xmlns:p="http://schemas.openxmlformats.org/presentationml/2006/main">
+  <p:tag name="SLIDO_TYPE" val="SlidoPoll"/>
+  <p:tag name="SLIDO_POLL_UUID" val="07463027-5f21-4e73-bff5-c151ca3a04c9"/>
+  <p:tag name="SLIDO_TIMELINE" val="W3sicG9sbFF1ZXN0aW9uVXVpZCI6IjkxY2U4OGIyLTFhMGUtNDkxYS1hZDg5LTY1ZDY2MDc0ZWYzNyIsInNob3dSZXN1bHRzIjpmYWxzZX0seyJwb2xsUXVlc3Rpb25VdWlkIjoiOTFjZTg4YjItMWEwZS00OTFhLWFkODktNjVkNjYwNzRlZjM3Iiwic2hvd1Jlc3VsdHMiOnRydWV9XQ=="/>
+</p:tagLst>
+</file>
+
+<file path=ppt/tags/tag38.xml><?xml version="1.0" encoding="utf-8"?>
+<p:tagLst xmlns:a="http://schemas.openxmlformats.org/drawingml/2006/main" xmlns:r="http://schemas.openxmlformats.org/officeDocument/2006/relationships" xmlns:p="http://schemas.openxmlformats.org/presentationml/2006/main">
+  <p:tag name="SLIDO_ELEMENT" val="logo"/>
+</p:tagLst>
+</file>
+
+<file path=ppt/tags/tag39.xml><?xml version="1.0" encoding="utf-8"?>
+<p:tagLst xmlns:a="http://schemas.openxmlformats.org/drawingml/2006/main" xmlns:r="http://schemas.openxmlformats.org/officeDocument/2006/relationships" xmlns:p="http://schemas.openxmlformats.org/presentationml/2006/main">
+  <p:tag name="SLIDO_ELEMENT" val="title"/>
+</p:tagLst>
+</file>
+
+<file path=ppt/tags/tag4.xml><?xml version="1.0" encoding="utf-8"?>
+<p:tagLst xmlns:a="http://schemas.openxmlformats.org/drawingml/2006/main" xmlns:r="http://schemas.openxmlformats.org/officeDocument/2006/relationships" xmlns:p="http://schemas.openxmlformats.org/presentationml/2006/main">
+  <p:tag name="SLIDO_ELEMENT" val="title"/>
+</p:tagLst>
+</file>
+
+<file path=ppt/tags/tag40.xml><?xml version="1.0" encoding="utf-8"?>
+<p:tagLst xmlns:a="http://schemas.openxmlformats.org/drawingml/2006/main" xmlns:r="http://schemas.openxmlformats.org/officeDocument/2006/relationships" xmlns:p="http://schemas.openxmlformats.org/presentationml/2006/main">
+  <p:tag name="SLIDO_ELEMENT" val="reminder"/>
+</p:tagLst>
+</file>
+
+<file path=ppt/tags/tag41.xml><?xml version="1.0" encoding="utf-8"?>
+<p:tagLst xmlns:a="http://schemas.openxmlformats.org/drawingml/2006/main" xmlns:r="http://schemas.openxmlformats.org/officeDocument/2006/relationships" xmlns:p="http://schemas.openxmlformats.org/presentationml/2006/main">
+  <p:tag name="SLIDO_ELEMENT" val="dotty"/>
+</p:tagLst>
+</file>
+
+<file path=ppt/tags/tag42.xml><?xml version="1.0" encoding="utf-8"?>
+<p:tagLst xmlns:a="http://schemas.openxmlformats.org/drawingml/2006/main" xmlns:r="http://schemas.openxmlformats.org/officeDocument/2006/relationships" xmlns:p="http://schemas.openxmlformats.org/presentationml/2006/main">
+  <p:tag name="SLIDO_ELEMENT" val="footer"/>
+</p:tagLst>
+</file>
+
+<file path=ppt/tags/tag43.xml><?xml version="1.0" encoding="utf-8"?>
+<p:tagLst xmlns:a="http://schemas.openxmlformats.org/drawingml/2006/main" xmlns:r="http://schemas.openxmlformats.org/officeDocument/2006/relationships" xmlns:p="http://schemas.openxmlformats.org/presentationml/2006/main">
+  <p:tag name="SLIDO_ELEMENT" val="interaction_image"/>
+  <p:tag name="INTERACTION_TYPE" val="multiplechoice"/>
+</p:tagLst>
+</file>
+
+<file path=ppt/tags/tag5.xml><?xml version="1.0" encoding="utf-8"?>
+<p:tagLst xmlns:a="http://schemas.openxmlformats.org/drawingml/2006/main" xmlns:r="http://schemas.openxmlformats.org/officeDocument/2006/relationships" xmlns:p="http://schemas.openxmlformats.org/presentationml/2006/main">
+  <p:tag name="SLIDO_ELEMENT" val="reminder"/>
+</p:tagLst>
+</file>
+
+<file path=ppt/tags/tag6.xml><?xml version="1.0" encoding="utf-8"?>
+<p:tagLst xmlns:a="http://schemas.openxmlformats.org/drawingml/2006/main" xmlns:r="http://schemas.openxmlformats.org/officeDocument/2006/relationships" xmlns:p="http://schemas.openxmlformats.org/presentationml/2006/main">
+  <p:tag name="SLIDO_ELEMENT" val="dotty"/>
+</p:tagLst>
+</file>
+
+<file path=ppt/tags/tag7.xml><?xml version="1.0" encoding="utf-8"?>
+<p:tagLst xmlns:a="http://schemas.openxmlformats.org/drawingml/2006/main" xmlns:r="http://schemas.openxmlformats.org/officeDocument/2006/relationships" xmlns:p="http://schemas.openxmlformats.org/presentationml/2006/main">
+  <p:tag name="SLIDO_ELEMENT" val="footer"/>
+</p:tagLst>
+</file>
+
+<file path=ppt/tags/tag8.xml><?xml version="1.0" encoding="utf-8"?>
+<p:tagLst xmlns:a="http://schemas.openxmlformats.org/drawingml/2006/main" xmlns:r="http://schemas.openxmlformats.org/officeDocument/2006/relationships" xmlns:p="http://schemas.openxmlformats.org/presentationml/2006/main">
+  <p:tag name="SLIDO_ELEMENT" val="interaction_image"/>
+  <p:tag name="INTERACTION_TYPE" val="multiplechoice"/>
+</p:tagLst>
+</file>
+
+<file path=ppt/tags/tag9.xml><?xml version="1.0" encoding="utf-8"?>
+<p:tagLst xmlns:a="http://schemas.openxmlformats.org/drawingml/2006/main" xmlns:r="http://schemas.openxmlformats.org/officeDocument/2006/relationships" xmlns:p="http://schemas.openxmlformats.org/presentationml/2006/main">
+  <p:tag name="SLIDO_TYPE" val="SlidoPoll"/>
+  <p:tag name="SLIDO_POLL_UUID" val="e2cd8ea4-02de-4abe-bda6-5443419bc01b"/>
+  <p:tag name="SLIDO_TIMELINE" val="W3sic2hvd1Jlc3VsdHMiOmZhbHNlLCJwb2xsUXVlc3Rpb25VdWlkIjoiZDBkMGYzZTktZWI3Ni00NDNmLTllYWItNGY2YmU1Mjg2ZDg0In0seyJwb2xsUXVlc3Rpb25VdWlkIjoiZDBkMGYzZTktZWI3Ni00NDNmLTllYWItNGY2YmU1Mjg2ZDg0Iiwic2hvd1Jlc3VsdHMiOnRydWV9XQ=="/>
+</p:tagLst>
+</file>
+
 <file path=ppt/theme/theme1.xml><?xml version="1.0" encoding="utf-8"?>
 <a:theme xmlns:a="http://schemas.openxmlformats.org/drawingml/2006/main" name="Office Theme">
   <a:themeElements>

--- a/PPT/Module 4 - Model Performance for Classification.pptx
+++ b/PPT/Module 4 - Model Performance for Classification.pptx
@@ -5,7 +5,7 @@
     <p:sldMasterId id="2147483648" r:id="rId1"/>
   </p:sldMasterIdLst>
   <p:notesMasterIdLst>
-    <p:notesMasterId r:id="rId32"/>
+    <p:notesMasterId r:id="rId33"/>
   </p:notesMasterIdLst>
   <p:sldIdLst>
     <p:sldId id="301" r:id="rId2"/>
@@ -34,40 +34,41 @@
     <p:sldId id="490" r:id="rId25"/>
     <p:sldId id="475" r:id="rId26"/>
     <p:sldId id="476" r:id="rId27"/>
-    <p:sldId id="477" r:id="rId28"/>
-    <p:sldId id="483" r:id="rId29"/>
-    <p:sldId id="482" r:id="rId30"/>
-    <p:sldId id="407" r:id="rId31"/>
+    <p:sldId id="491" r:id="rId28"/>
+    <p:sldId id="477" r:id="rId29"/>
+    <p:sldId id="483" r:id="rId30"/>
+    <p:sldId id="482" r:id="rId31"/>
+    <p:sldId id="407" r:id="rId32"/>
   </p:sldIdLst>
   <p:sldSz cx="12192000" cy="6858000"/>
   <p:notesSz cx="6858000" cy="9144000"/>
   <p:embeddedFontLst>
     <p:embeddedFont>
       <p:font typeface="Cambria Math" panose="02040503050406030204" pitchFamily="18" charset="0"/>
-      <p:regular r:id="rId33"/>
+      <p:regular r:id="rId34"/>
     </p:embeddedFont>
     <p:embeddedFont>
       <p:font typeface="Lato" panose="020F0502020204030203" pitchFamily="34" charset="0"/>
-      <p:regular r:id="rId34"/>
-      <p:bold r:id="rId35"/>
-      <p:italic r:id="rId36"/>
-      <p:boldItalic r:id="rId37"/>
+      <p:regular r:id="rId35"/>
+      <p:bold r:id="rId36"/>
+      <p:italic r:id="rId37"/>
+      <p:boldItalic r:id="rId38"/>
     </p:embeddedFont>
     <p:embeddedFont>
-      <p:font typeface="Lato Light" panose="020F0302020204030204" pitchFamily="34" charset="0"/>
-      <p:regular r:id="rId38"/>
-      <p:bold r:id="rId39"/>
-      <p:italic r:id="rId40"/>
-      <p:boldItalic r:id="rId41"/>
+      <p:font typeface="Lato Light" panose="020F0302020204030203" pitchFamily="34" charset="0"/>
+      <p:regular r:id="rId39"/>
+      <p:bold r:id="rId40"/>
+      <p:italic r:id="rId41"/>
+      <p:boldItalic r:id="rId42"/>
     </p:embeddedFont>
     <p:embeddedFont>
       <p:font typeface="Roboto Slab" pitchFamily="2" charset="0"/>
-      <p:regular r:id="rId42"/>
-      <p:bold r:id="rId43"/>
+      <p:regular r:id="rId43"/>
+      <p:bold r:id="rId44"/>
     </p:embeddedFont>
   </p:embeddedFontLst>
   <p:custDataLst>
-    <p:tags r:id="rId44"/>
+    <p:tags r:id="rId45"/>
   </p:custDataLst>
   <p:defaultTextStyle>
     <a:defPPr marR="0" lvl="0" algn="l" rtl="0">
@@ -303,7 +304,7 @@
       <p15:sldGuideLst xmlns:p15="http://schemas.microsoft.com/office/powerpoint/2012/main"/>
     </p:ext>
     <p:ext uri="http://customooxmlschemas.google.com/">
-      <go:slidesCustomData xmlns="" xmlns:mc="http://schemas.openxmlformats.org/markup-compatibility/2006" xmlns:mv="urn:schemas-microsoft-com:mac:vml" xmlns:c="http://schemas.openxmlformats.org/drawingml/2006/chart" xmlns:dgm="http://schemas.openxmlformats.org/drawingml/2006/diagram" xmlns:o="urn:schemas-microsoft-com:office:office" xmlns:v="urn:schemas-microsoft-com:vml" xmlns:pvml="urn:schemas-microsoft-com:office:powerpoint" xmlns:com="http://schemas.openxmlformats.org/drawingml/2006/compatibility" xmlns:p14="http://schemas.microsoft.com/office/powerpoint/2010/main" xmlns:p15="http://schemas.microsoft.com/office/powerpoint/2012/main" xmlns:ahyp="http://schemas.microsoft.com/office/drawing/2018/hyperlinkcolor" xmlns:go="http://customooxmlschemas.google.com/" r:id="rId61" roundtripDataSignature="AMtx7mh8+V1nZDCJuCgwzr3Qy4UygyySmw=="/>
+      <go:slidesCustomData xmlns:go="http://customooxmlschemas.google.com/" xmlns:ahyp="http://schemas.microsoft.com/office/drawing/2018/hyperlinkcolor" xmlns:p15="http://schemas.microsoft.com/office/powerpoint/2012/main" xmlns:p14="http://schemas.microsoft.com/office/powerpoint/2010/main" xmlns:com="http://schemas.openxmlformats.org/drawingml/2006/compatibility" xmlns:pvml="urn:schemas-microsoft-com:office:powerpoint" xmlns:v="urn:schemas-microsoft-com:vml" xmlns:o="urn:schemas-microsoft-com:office:office" xmlns:dgm="http://schemas.openxmlformats.org/drawingml/2006/diagram" xmlns:c="http://schemas.openxmlformats.org/drawingml/2006/chart" xmlns:mv="urn:schemas-microsoft-com:mac:vml" xmlns:mc="http://schemas.openxmlformats.org/markup-compatibility/2006" xmlns="" r:id="rId61" roundtripDataSignature="AMtx7mh8+V1nZDCJuCgwzr3Qy4UygyySmw=="/>
     </p:ext>
   </p:extLst>
 </p:presentation>
@@ -2464,6 +2465,115 @@
     </p:spTree>
     <p:extLst>
       <p:ext uri="{BB962C8B-B14F-4D97-AF65-F5344CB8AC3E}">
+        <p14:creationId xmlns:p14="http://schemas.microsoft.com/office/powerpoint/2010/main" val="2469144513"/>
+      </p:ext>
+    </p:extLst>
+  </p:cSld>
+  <p:clrMapOvr>
+    <a:masterClrMapping/>
+  </p:clrMapOvr>
+</p:notes>
+</file>
+
+<file path=ppt/notesSlides/notesSlide21.xml><?xml version="1.0" encoding="utf-8"?>
+<p:notes xmlns:a="http://schemas.openxmlformats.org/drawingml/2006/main" xmlns:r="http://schemas.openxmlformats.org/officeDocument/2006/relationships" xmlns:p="http://schemas.openxmlformats.org/presentationml/2006/main" showMasterSp="0" showMasterPhAnim="0">
+  <p:cSld>
+    <p:spTree>
+      <p:nvGrpSpPr>
+        <p:cNvPr id="1" name="Shape 246"/>
+        <p:cNvGrpSpPr/>
+        <p:nvPr/>
+      </p:nvGrpSpPr>
+      <p:grpSpPr>
+        <a:xfrm>
+          <a:off x="0" y="0"/>
+          <a:ext cx="0" cy="0"/>
+          <a:chOff x="0" y="0"/>
+          <a:chExt cx="0" cy="0"/>
+        </a:xfrm>
+      </p:grpSpPr>
+      <p:sp>
+        <p:nvSpPr>
+          <p:cNvPr id="247" name="Google Shape;247;p1:notes"/>
+          <p:cNvSpPr txBox="1">
+            <a:spLocks noGrp="1"/>
+          </p:cNvSpPr>
+          <p:nvPr>
+            <p:ph type="body" idx="1"/>
+          </p:nvPr>
+        </p:nvSpPr>
+        <p:spPr>
+          <a:xfrm>
+            <a:off x="685800" y="4343400"/>
+            <a:ext cx="5486400" cy="4114800"/>
+          </a:xfrm>
+          <a:prstGeom prst="rect">
+            <a:avLst/>
+          </a:prstGeom>
+        </p:spPr>
+        <p:txBody>
+          <a:bodyPr spcFirstLastPara="1" wrap="square" lIns="91425" tIns="91425" rIns="91425" bIns="91425" anchor="t" anchorCtr="0">
+            <a:noAutofit/>
+          </a:bodyPr>
+          <a:lstStyle/>
+          <a:p>
+            <a:pPr marL="0" lvl="0" indent="0" algn="l" rtl="0">
+              <a:spcBef>
+                <a:spcPts val="0"/>
+              </a:spcBef>
+              <a:spcAft>
+                <a:spcPts val="0"/>
+              </a:spcAft>
+              <a:buNone/>
+            </a:pPr>
+            <a:endParaRPr/>
+          </a:p>
+        </p:txBody>
+      </p:sp>
+      <p:sp>
+        <p:nvSpPr>
+          <p:cNvPr id="248" name="Google Shape;248;p1:notes"/>
+          <p:cNvSpPr>
+            <a:spLocks noGrp="1" noRot="1" noChangeAspect="1"/>
+          </p:cNvSpPr>
+          <p:nvPr>
+            <p:ph type="sldImg" idx="2"/>
+          </p:nvPr>
+        </p:nvSpPr>
+        <p:spPr>
+          <a:xfrm>
+            <a:off x="381000" y="685800"/>
+            <a:ext cx="6096000" cy="3429000"/>
+          </a:xfrm>
+          <a:custGeom>
+            <a:avLst/>
+            <a:gdLst/>
+            <a:ahLst/>
+            <a:cxnLst/>
+            <a:rect l="l" t="t" r="r" b="b"/>
+            <a:pathLst>
+              <a:path w="120000" h="120000" extrusionOk="0">
+                <a:moveTo>
+                  <a:pt x="0" y="0"/>
+                </a:moveTo>
+                <a:lnTo>
+                  <a:pt x="120000" y="0"/>
+                </a:lnTo>
+                <a:lnTo>
+                  <a:pt x="120000" y="120000"/>
+                </a:lnTo>
+                <a:lnTo>
+                  <a:pt x="0" y="120000"/>
+                </a:lnTo>
+                <a:close/>
+              </a:path>
+            </a:pathLst>
+          </a:custGeom>
+        </p:spPr>
+      </p:sp>
+    </p:spTree>
+    <p:extLst>
+      <p:ext uri="{BB962C8B-B14F-4D97-AF65-F5344CB8AC3E}">
         <p14:creationId xmlns:p14="http://schemas.microsoft.com/office/powerpoint/2010/main" val="1616270236"/>
       </p:ext>
     </p:extLst>
@@ -2474,7 +2584,7 @@
 </p:notes>
 </file>
 
-<file path=ppt/notesSlides/notesSlide21.xml><?xml version="1.0" encoding="utf-8"?>
+<file path=ppt/notesSlides/notesSlide22.xml><?xml version="1.0" encoding="utf-8"?>
 <p:notes xmlns:a="http://schemas.openxmlformats.org/drawingml/2006/main" xmlns:r="http://schemas.openxmlformats.org/officeDocument/2006/relationships" xmlns:p="http://schemas.openxmlformats.org/presentationml/2006/main" showMasterSp="0" showMasterPhAnim="0">
   <p:cSld>
     <p:spTree>
@@ -2601,7 +2711,7 @@
 </p:notes>
 </file>
 
-<file path=ppt/notesSlides/notesSlide22.xml><?xml version="1.0" encoding="utf-8"?>
+<file path=ppt/notesSlides/notesSlide23.xml><?xml version="1.0" encoding="utf-8"?>
 <p:notes xmlns:a="http://schemas.openxmlformats.org/drawingml/2006/main" xmlns:r="http://schemas.openxmlformats.org/officeDocument/2006/relationships" xmlns:p="http://schemas.openxmlformats.org/presentationml/2006/main" showMasterSp="0" showMasterPhAnim="0">
   <p:cSld>
     <p:spTree>
@@ -2728,7 +2838,7 @@
 </p:notes>
 </file>
 
-<file path=ppt/notesSlides/notesSlide23.xml><?xml version="1.0" encoding="utf-8"?>
+<file path=ppt/notesSlides/notesSlide24.xml><?xml version="1.0" encoding="utf-8"?>
 <p:notes xmlns:a="http://schemas.openxmlformats.org/drawingml/2006/main" xmlns:r="http://schemas.openxmlformats.org/officeDocument/2006/relationships" xmlns:p="http://schemas.openxmlformats.org/presentationml/2006/main" showMasterSp="0" showMasterPhAnim="0">
   <p:cSld>
     <p:spTree>
@@ -10051,7 +10161,7 @@
           <a:lstStyle/>
           <a:p>
             <a:r>
-              <a:rPr lang="en-US" sz="3600" b="1">
+              <a:rPr lang="en-US" sz="4000" b="1">
                 <a:solidFill>
                   <a:srgbClr val="5B5B5B"/>
                 </a:solidFill>
@@ -10267,10 +10377,10 @@
       </p:sp>
       <p:pic>
         <p:nvPicPr>
-          <p:cNvPr id="14" name="Graphic 13">
+          <p:cNvPr id="8" name="Graphic 7">
             <a:extLst>
               <a:ext uri="{FF2B5EF4-FFF2-40B4-BE49-F238E27FC236}">
-                <a16:creationId xmlns:a16="http://schemas.microsoft.com/office/drawing/2014/main" id="{C5100AD1-BBC0-C105-1196-E4FA5A9EC57C}"/>
+                <a16:creationId xmlns:a16="http://schemas.microsoft.com/office/drawing/2014/main" id="{ABA0965F-1903-486E-BA44-D8C06F454896}"/>
               </a:ext>
             </a:extLst>
           </p:cNvPr>
@@ -10526,7 +10636,7 @@
           <a:lstStyle/>
           <a:p>
             <a:r>
-              <a:rPr lang="en-US" sz="3500" b="1">
+              <a:rPr lang="en-US" sz="4000" b="1">
                 <a:solidFill>
                   <a:srgbClr val="5B5B5B"/>
                 </a:solidFill>
@@ -10742,10 +10852,10 @@
       </p:sp>
       <p:pic>
         <p:nvPicPr>
-          <p:cNvPr id="12" name="Graphic 11">
+          <p:cNvPr id="8" name="Graphic 7">
             <a:extLst>
               <a:ext uri="{FF2B5EF4-FFF2-40B4-BE49-F238E27FC236}">
-                <a16:creationId xmlns:a16="http://schemas.microsoft.com/office/drawing/2014/main" id="{C542E6B5-B0DC-4FAA-E1E1-5F51567D273B}"/>
+                <a16:creationId xmlns:a16="http://schemas.microsoft.com/office/drawing/2014/main" id="{A4C0541B-4AAD-4771-BCDA-BDBAB9E9F2ED}"/>
               </a:ext>
             </a:extLst>
           </p:cNvPr>
@@ -10938,46 +11048,6 @@
           </a:prstGeom>
         </p:spPr>
       </p:pic>
-      <p:pic>
-        <p:nvPicPr>
-          <p:cNvPr id="5" name="Graphic 4">
-            <a:extLst>
-              <a:ext uri="{FF2B5EF4-FFF2-40B4-BE49-F238E27FC236}">
-                <a16:creationId xmlns:a16="http://schemas.microsoft.com/office/drawing/2014/main" id="{B31B6A8E-515A-7285-7D07-45F990165957}"/>
-              </a:ext>
-            </a:extLst>
-          </p:cNvPr>
-          <p:cNvPicPr>
-            <a:picLocks/>
-          </p:cNvPicPr>
-          <p:nvPr>
-            <p:custDataLst>
-              <p:tags r:id="rId3"/>
-            </p:custDataLst>
-          </p:nvPr>
-        </p:nvPicPr>
-        <p:blipFill>
-          <a:blip r:embed="rId11">
-            <a:extLst>
-              <a:ext uri="{96DAC541-7B7A-43D3-8B79-37D633B846F1}">
-                <asvg:svgBlip xmlns:asvg="http://schemas.microsoft.com/office/drawing/2016/SVG/main" r:embed="rId12"/>
-              </a:ext>
-            </a:extLst>
-          </a:blip>
-          <a:stretch>
-            <a:fillRect/>
-          </a:stretch>
-        </p:blipFill>
-        <p:spPr>
-          <a:xfrm>
-            <a:off x="1158240" y="2270760"/>
-            <a:ext cx="2316480" cy="2316480"/>
-          </a:xfrm>
-          <a:prstGeom prst="rect">
-            <a:avLst/>
-          </a:prstGeom>
-        </p:spPr>
-      </p:pic>
       <p:sp>
         <p:nvSpPr>
           <p:cNvPr id="6" name="Rectangle 5">
@@ -10990,7 +11060,7 @@
           <p:cNvSpPr/>
           <p:nvPr>
             <p:custDataLst>
-              <p:tags r:id="rId4"/>
+              <p:tags r:id="rId3"/>
             </p:custDataLst>
           </p:nvPr>
         </p:nvSpPr>
@@ -11041,7 +11111,7 @@
           <a:lstStyle/>
           <a:p>
             <a:r>
-              <a:rPr lang="en-US" sz="3300" b="1">
+              <a:rPr lang="en-US" sz="4000" b="1">
                 <a:solidFill>
                   <a:srgbClr val="5B5B5B"/>
                 </a:solidFill>
@@ -11063,7 +11133,7 @@
           <p:cNvSpPr/>
           <p:nvPr>
             <p:custDataLst>
-              <p:tags r:id="rId5"/>
+              <p:tags r:id="rId4"/>
             </p:custDataLst>
           </p:nvPr>
         </p:nvSpPr>
@@ -11143,15 +11213,15 @@
           </p:cNvPicPr>
           <p:nvPr>
             <p:custDataLst>
-              <p:tags r:id="rId6"/>
+              <p:tags r:id="rId5"/>
             </p:custDataLst>
           </p:nvPr>
         </p:nvPicPr>
         <p:blipFill>
-          <a:blip r:embed="rId13">
+          <a:blip r:embed="rId11">
             <a:extLst>
               <a:ext uri="{96DAC541-7B7A-43D3-8B79-37D633B846F1}">
-                <asvg:svgBlip xmlns:asvg="http://schemas.microsoft.com/office/drawing/2016/SVG/main" r:embed="rId14"/>
+                <asvg:svgBlip xmlns:asvg="http://schemas.microsoft.com/office/drawing/2016/SVG/main" r:embed="rId12"/>
               </a:ext>
             </a:extLst>
           </a:blip>
@@ -11181,7 +11251,7 @@
           <p:cNvSpPr/>
           <p:nvPr>
             <p:custDataLst>
-              <p:tags r:id="rId7"/>
+              <p:tags r:id="rId6"/>
             </p:custDataLst>
           </p:nvPr>
         </p:nvSpPr>
@@ -11255,6 +11325,46 @@
           </a:p>
         </p:txBody>
       </p:sp>
+      <p:pic>
+        <p:nvPicPr>
+          <p:cNvPr id="4" name="Graphic 3">
+            <a:extLst>
+              <a:ext uri="{FF2B5EF4-FFF2-40B4-BE49-F238E27FC236}">
+                <a16:creationId xmlns:a16="http://schemas.microsoft.com/office/drawing/2014/main" id="{C00D2BAC-F037-406A-9F43-BD0EB025D68E}"/>
+              </a:ext>
+            </a:extLst>
+          </p:cNvPr>
+          <p:cNvPicPr>
+            <a:picLocks/>
+          </p:cNvPicPr>
+          <p:nvPr>
+            <p:custDataLst>
+              <p:tags r:id="rId7"/>
+            </p:custDataLst>
+          </p:nvPr>
+        </p:nvPicPr>
+        <p:blipFill>
+          <a:blip r:embed="rId13">
+            <a:extLst>
+              <a:ext uri="{96DAC541-7B7A-43D3-8B79-37D633B846F1}">
+                <asvg:svgBlip xmlns:asvg="http://schemas.microsoft.com/office/drawing/2016/SVG/main" r:embed="rId14"/>
+              </a:ext>
+            </a:extLst>
+          </a:blip>
+          <a:stretch>
+            <a:fillRect/>
+          </a:stretch>
+        </p:blipFill>
+        <p:spPr>
+          <a:xfrm>
+            <a:off x="1158240" y="2270760"/>
+            <a:ext cx="2316480" cy="2316480"/>
+          </a:xfrm>
+          <a:prstGeom prst="rect">
+            <a:avLst/>
+          </a:prstGeom>
+        </p:spPr>
+      </p:pic>
     </p:spTree>
     <p:custDataLst>
       <p:tags r:id="rId1"/>
@@ -11413,46 +11523,6 @@
           </a:prstGeom>
         </p:spPr>
       </p:pic>
-      <p:pic>
-        <p:nvPicPr>
-          <p:cNvPr id="5" name="Graphic 4">
-            <a:extLst>
-              <a:ext uri="{FF2B5EF4-FFF2-40B4-BE49-F238E27FC236}">
-                <a16:creationId xmlns:a16="http://schemas.microsoft.com/office/drawing/2014/main" id="{9D065030-C6FE-2863-15B9-D8F4DFBF77BD}"/>
-              </a:ext>
-            </a:extLst>
-          </p:cNvPr>
-          <p:cNvPicPr>
-            <a:picLocks/>
-          </p:cNvPicPr>
-          <p:nvPr>
-            <p:custDataLst>
-              <p:tags r:id="rId3"/>
-            </p:custDataLst>
-          </p:nvPr>
-        </p:nvPicPr>
-        <p:blipFill>
-          <a:blip r:embed="rId11">
-            <a:extLst>
-              <a:ext uri="{96DAC541-7B7A-43D3-8B79-37D633B846F1}">
-                <asvg:svgBlip xmlns:asvg="http://schemas.microsoft.com/office/drawing/2016/SVG/main" r:embed="rId12"/>
-              </a:ext>
-            </a:extLst>
-          </a:blip>
-          <a:stretch>
-            <a:fillRect/>
-          </a:stretch>
-        </p:blipFill>
-        <p:spPr>
-          <a:xfrm>
-            <a:off x="1158240" y="2270760"/>
-            <a:ext cx="2316480" cy="2316480"/>
-          </a:xfrm>
-          <a:prstGeom prst="rect">
-            <a:avLst/>
-          </a:prstGeom>
-        </p:spPr>
-      </p:pic>
       <p:sp>
         <p:nvSpPr>
           <p:cNvPr id="6" name="Rectangle 5">
@@ -11465,7 +11535,7 @@
           <p:cNvSpPr/>
           <p:nvPr>
             <p:custDataLst>
-              <p:tags r:id="rId4"/>
+              <p:tags r:id="rId3"/>
             </p:custDataLst>
           </p:nvPr>
         </p:nvSpPr>
@@ -11516,7 +11586,7 @@
           <a:lstStyle/>
           <a:p>
             <a:r>
-              <a:rPr lang="en-US" sz="3500" b="1">
+              <a:rPr lang="en-US" sz="4000" b="1">
                 <a:solidFill>
                   <a:srgbClr val="5B5B5B"/>
                 </a:solidFill>
@@ -11538,7 +11608,7 @@
           <p:cNvSpPr/>
           <p:nvPr>
             <p:custDataLst>
-              <p:tags r:id="rId5"/>
+              <p:tags r:id="rId4"/>
             </p:custDataLst>
           </p:nvPr>
         </p:nvSpPr>
@@ -11618,15 +11688,15 @@
           </p:cNvPicPr>
           <p:nvPr>
             <p:custDataLst>
-              <p:tags r:id="rId6"/>
+              <p:tags r:id="rId5"/>
             </p:custDataLst>
           </p:nvPr>
         </p:nvPicPr>
         <p:blipFill>
-          <a:blip r:embed="rId13">
+          <a:blip r:embed="rId11">
             <a:extLst>
               <a:ext uri="{96DAC541-7B7A-43D3-8B79-37D633B846F1}">
-                <asvg:svgBlip xmlns:asvg="http://schemas.microsoft.com/office/drawing/2016/SVG/main" r:embed="rId14"/>
+                <asvg:svgBlip xmlns:asvg="http://schemas.microsoft.com/office/drawing/2016/SVG/main" r:embed="rId12"/>
               </a:ext>
             </a:extLst>
           </a:blip>
@@ -11656,7 +11726,7 @@
           <p:cNvSpPr/>
           <p:nvPr>
             <p:custDataLst>
-              <p:tags r:id="rId7"/>
+              <p:tags r:id="rId6"/>
             </p:custDataLst>
           </p:nvPr>
         </p:nvSpPr>
@@ -11730,6 +11800,46 @@
           </a:p>
         </p:txBody>
       </p:sp>
+      <p:pic>
+        <p:nvPicPr>
+          <p:cNvPr id="4" name="Graphic 3">
+            <a:extLst>
+              <a:ext uri="{FF2B5EF4-FFF2-40B4-BE49-F238E27FC236}">
+                <a16:creationId xmlns:a16="http://schemas.microsoft.com/office/drawing/2014/main" id="{378332AA-7C55-4A9A-8016-BFEB7ED158F9}"/>
+              </a:ext>
+            </a:extLst>
+          </p:cNvPr>
+          <p:cNvPicPr>
+            <a:picLocks/>
+          </p:cNvPicPr>
+          <p:nvPr>
+            <p:custDataLst>
+              <p:tags r:id="rId7"/>
+            </p:custDataLst>
+          </p:nvPr>
+        </p:nvPicPr>
+        <p:blipFill>
+          <a:blip r:embed="rId13">
+            <a:extLst>
+              <a:ext uri="{96DAC541-7B7A-43D3-8B79-37D633B846F1}">
+                <asvg:svgBlip xmlns:asvg="http://schemas.microsoft.com/office/drawing/2016/SVG/main" r:embed="rId14"/>
+              </a:ext>
+            </a:extLst>
+          </a:blip>
+          <a:stretch>
+            <a:fillRect/>
+          </a:stretch>
+        </p:blipFill>
+        <p:spPr>
+          <a:xfrm>
+            <a:off x="1158240" y="2270760"/>
+            <a:ext cx="2316480" cy="2316480"/>
+          </a:xfrm>
+          <a:prstGeom prst="rect">
+            <a:avLst/>
+          </a:prstGeom>
+        </p:spPr>
+      </p:pic>
     </p:spTree>
     <p:custDataLst>
       <p:tags r:id="rId1"/>
@@ -16353,6 +16463,796 @@
             </a:pPr>
             <a:r>
               <a:rPr lang="en-US" dirty="0"/>
+              <a:t>1-Specificity</a:t>
+            </a:r>
+            <a:endParaRPr dirty="0"/>
+          </a:p>
+        </p:txBody>
+      </p:sp>
+      <p:sp>
+        <p:nvSpPr>
+          <p:cNvPr id="251" name="Google Shape;251;p1"/>
+          <p:cNvSpPr txBox="1">
+            <a:spLocks noGrp="1"/>
+          </p:cNvSpPr>
+          <p:nvPr>
+            <p:ph type="body" idx="1"/>
+          </p:nvPr>
+        </p:nvSpPr>
+        <p:spPr>
+          <a:xfrm>
+            <a:off x="940411" y="1805668"/>
+            <a:ext cx="11075633" cy="4351338"/>
+          </a:xfrm>
+          <a:prstGeom prst="rect">
+            <a:avLst/>
+          </a:prstGeom>
+          <a:noFill/>
+          <a:ln>
+            <a:noFill/>
+          </a:ln>
+        </p:spPr>
+        <p:txBody>
+          <a:bodyPr spcFirstLastPara="1" wrap="square" lIns="91425" tIns="45700" rIns="91425" bIns="45700" anchor="t" anchorCtr="0">
+            <a:normAutofit/>
+          </a:bodyPr>
+          <a:lstStyle/>
+          <a:p>
+            <a:pPr indent="-457200">
+              <a:spcBef>
+                <a:spcPts val="0"/>
+              </a:spcBef>
+              <a:buSzPts val="2800"/>
+              <a:buFont typeface="Wingdings" panose="05000000000000000000" pitchFamily="2" charset="2"/>
+              <a:buChar char="q"/>
+            </a:pPr>
+            <a:r>
+              <a:rPr lang="en-US" dirty="0"/>
+              <a:t>The False Positive Rate (FPR)</a:t>
+            </a:r>
+          </a:p>
+          <a:p>
+            <a:pPr marL="0" indent="0">
+              <a:spcBef>
+                <a:spcPts val="0"/>
+              </a:spcBef>
+              <a:buSzPts val="2800"/>
+              <a:buNone/>
+            </a:pPr>
+            <a:endParaRPr lang="en-US" dirty="0"/>
+          </a:p>
+        </p:txBody>
+      </p:sp>
+      <p:pic>
+        <p:nvPicPr>
+          <p:cNvPr id="17410" name="Picture 2" descr="Simple guide to confusion matrix terminology">
+            <a:extLst>
+              <a:ext uri="{FF2B5EF4-FFF2-40B4-BE49-F238E27FC236}">
+                <a16:creationId xmlns:a16="http://schemas.microsoft.com/office/drawing/2014/main" id="{E610A7E6-0C7C-6E07-A4B8-24593B0A2567}"/>
+              </a:ext>
+            </a:extLst>
+          </p:cNvPr>
+          <p:cNvPicPr>
+            <a:picLocks noChangeAspect="1" noChangeArrowheads="1"/>
+          </p:cNvPicPr>
+          <p:nvPr/>
+        </p:nvPicPr>
+        <p:blipFill>
+          <a:blip r:embed="rId3">
+            <a:extLst>
+              <a:ext uri="{28A0092B-C50C-407E-A947-70E740481C1C}">
+                <a14:useLocalDpi xmlns:a14="http://schemas.microsoft.com/office/drawing/2010/main" val="0"/>
+              </a:ext>
+            </a:extLst>
+          </a:blip>
+          <a:srcRect/>
+          <a:stretch>
+            <a:fillRect/>
+          </a:stretch>
+        </p:blipFill>
+        <p:spPr bwMode="auto">
+          <a:xfrm>
+            <a:off x="940411" y="3429000"/>
+            <a:ext cx="5457711" cy="3115490"/>
+          </a:xfrm>
+          <a:prstGeom prst="rect">
+            <a:avLst/>
+          </a:prstGeom>
+          <a:noFill/>
+          <a:extLst>
+            <a:ext uri="{909E8E84-426E-40DD-AFC4-6F175D3DCCD1}">
+              <a14:hiddenFill xmlns:a14="http://schemas.microsoft.com/office/drawing/2010/main">
+                <a:solidFill>
+                  <a:srgbClr val="FFFFFF"/>
+                </a:solidFill>
+              </a14:hiddenFill>
+            </a:ext>
+          </a:extLst>
+        </p:spPr>
+      </p:pic>
+      <mc:AlternateContent xmlns:mc="http://schemas.openxmlformats.org/markup-compatibility/2006">
+        <mc:Choice xmlns:a14="http://schemas.microsoft.com/office/drawing/2010/main" Requires="a14">
+          <p:sp>
+            <p:nvSpPr>
+              <p:cNvPr id="3" name="TextBox 2">
+                <a:extLst>
+                  <a:ext uri="{FF2B5EF4-FFF2-40B4-BE49-F238E27FC236}">
+                    <a16:creationId xmlns:a16="http://schemas.microsoft.com/office/drawing/2014/main" id="{279B63DD-7022-4757-F885-52B4841443AF}"/>
+                  </a:ext>
+                </a:extLst>
+              </p:cNvPr>
+              <p:cNvSpPr txBox="1"/>
+              <p:nvPr/>
+            </p:nvSpPr>
+            <p:spPr>
+              <a:xfrm>
+                <a:off x="4323805" y="5081451"/>
+                <a:ext cx="333489" cy="224870"/>
+              </a:xfrm>
+              <a:prstGeom prst="rect">
+                <a:avLst/>
+              </a:prstGeom>
+              <a:noFill/>
+            </p:spPr>
+            <p:txBody>
+              <a:bodyPr wrap="none" lIns="0" tIns="0" rIns="0" bIns="0" rtlCol="0">
+                <a:spAutoFit/>
+              </a:bodyPr>
+              <a:lstStyle/>
+              <a:p>
+                <a:pPr/>
+                <a14:m>
+                  <m:oMathPara xmlns:m="http://schemas.openxmlformats.org/officeDocument/2006/math">
+                    <m:oMathParaPr>
+                      <m:jc m:val="centerGroup"/>
+                    </m:oMathParaPr>
+                    <m:oMath xmlns:m="http://schemas.openxmlformats.org/officeDocument/2006/math">
+                      <m:sSub>
+                        <m:sSubPr>
+                          <m:ctrlPr>
+                            <a:rPr lang="en-US" b="0" i="1" smtClean="0">
+                              <a:latin typeface="Cambria Math" panose="02040503050406030204" pitchFamily="18" charset="0"/>
+                            </a:rPr>
+                          </m:ctrlPr>
+                        </m:sSubPr>
+                        <m:e>
+                          <m:r>
+                            <a:rPr lang="en-US" b="0" i="1" smtClean="0">
+                              <a:latin typeface="Cambria Math" panose="02040503050406030204" pitchFamily="18" charset="0"/>
+                            </a:rPr>
+                            <m:t>𝑛</m:t>
+                          </m:r>
+                        </m:e>
+                        <m:sub>
+                          <m:r>
+                            <a:rPr lang="en-US" b="0" i="1" smtClean="0">
+                              <a:latin typeface="Cambria Math" panose="02040503050406030204" pitchFamily="18" charset="0"/>
+                            </a:rPr>
+                            <m:t>1,1</m:t>
+                          </m:r>
+                        </m:sub>
+                      </m:sSub>
+                    </m:oMath>
+                  </m:oMathPara>
+                </a14:m>
+                <a:endParaRPr lang="en-US" dirty="0"/>
+              </a:p>
+            </p:txBody>
+          </p:sp>
+        </mc:Choice>
+        <mc:Fallback>
+          <p:sp>
+            <p:nvSpPr>
+              <p:cNvPr id="3" name="TextBox 2">
+                <a:extLst>
+                  <a:ext uri="{FF2B5EF4-FFF2-40B4-BE49-F238E27FC236}">
+                    <a16:creationId xmlns:a16="http://schemas.microsoft.com/office/drawing/2014/main" id="{279B63DD-7022-4757-F885-52B4841443AF}"/>
+                  </a:ext>
+                </a:extLst>
+              </p:cNvPr>
+              <p:cNvSpPr txBox="1">
+                <a:spLocks noRot="1" noChangeAspect="1" noMove="1" noResize="1" noEditPoints="1" noAdjustHandles="1" noChangeArrowheads="1" noChangeShapeType="1" noTextEdit="1"/>
+              </p:cNvSpPr>
+              <p:nvPr/>
+            </p:nvSpPr>
+            <p:spPr>
+              <a:xfrm>
+                <a:off x="4323805" y="5081451"/>
+                <a:ext cx="333489" cy="224870"/>
+              </a:xfrm>
+              <a:prstGeom prst="rect">
+                <a:avLst/>
+              </a:prstGeom>
+              <a:blipFill>
+                <a:blip r:embed="rId4"/>
+                <a:stretch>
+                  <a:fillRect l="-5455" r="-1818" b="-13889"/>
+                </a:stretch>
+              </a:blipFill>
+            </p:spPr>
+            <p:txBody>
+              <a:bodyPr/>
+              <a:lstStyle/>
+              <a:p>
+                <a:r>
+                  <a:rPr lang="en-US">
+                    <a:noFill/>
+                  </a:rPr>
+                  <a:t> </a:t>
+                </a:r>
+              </a:p>
+            </p:txBody>
+          </p:sp>
+        </mc:Fallback>
+      </mc:AlternateContent>
+      <mc:AlternateContent xmlns:mc="http://schemas.openxmlformats.org/markup-compatibility/2006">
+        <mc:Choice xmlns:a14="http://schemas.microsoft.com/office/drawing/2010/main" Requires="a14">
+          <p:sp>
+            <p:nvSpPr>
+              <p:cNvPr id="4" name="TextBox 3">
+                <a:extLst>
+                  <a:ext uri="{FF2B5EF4-FFF2-40B4-BE49-F238E27FC236}">
+                    <a16:creationId xmlns:a16="http://schemas.microsoft.com/office/drawing/2014/main" id="{7CCA4670-620F-AD24-10FA-CCE93E6ED4DB}"/>
+                  </a:ext>
+                </a:extLst>
+              </p:cNvPr>
+              <p:cNvSpPr txBox="1"/>
+              <p:nvPr/>
+            </p:nvSpPr>
+            <p:spPr>
+              <a:xfrm>
+                <a:off x="4323804" y="4429132"/>
+                <a:ext cx="337657" cy="224870"/>
+              </a:xfrm>
+              <a:prstGeom prst="rect">
+                <a:avLst/>
+              </a:prstGeom>
+              <a:noFill/>
+            </p:spPr>
+            <p:txBody>
+              <a:bodyPr wrap="none" lIns="0" tIns="0" rIns="0" bIns="0" rtlCol="0">
+                <a:spAutoFit/>
+              </a:bodyPr>
+              <a:lstStyle/>
+              <a:p>
+                <a:pPr/>
+                <a14:m>
+                  <m:oMathPara xmlns:m="http://schemas.openxmlformats.org/officeDocument/2006/math">
+                    <m:oMathParaPr>
+                      <m:jc m:val="centerGroup"/>
+                    </m:oMathParaPr>
+                    <m:oMath xmlns:m="http://schemas.openxmlformats.org/officeDocument/2006/math">
+                      <m:sSub>
+                        <m:sSubPr>
+                          <m:ctrlPr>
+                            <a:rPr lang="en-US" b="0" i="1" smtClean="0">
+                              <a:latin typeface="Cambria Math" panose="02040503050406030204" pitchFamily="18" charset="0"/>
+                            </a:rPr>
+                          </m:ctrlPr>
+                        </m:sSubPr>
+                        <m:e>
+                          <m:r>
+                            <a:rPr lang="en-US" b="0" i="1" smtClean="0">
+                              <a:latin typeface="Cambria Math" panose="02040503050406030204" pitchFamily="18" charset="0"/>
+                            </a:rPr>
+                            <m:t>𝑛</m:t>
+                          </m:r>
+                        </m:e>
+                        <m:sub>
+                          <m:r>
+                            <a:rPr lang="en-US" b="0" i="1" smtClean="0">
+                              <a:latin typeface="Cambria Math" panose="02040503050406030204" pitchFamily="18" charset="0"/>
+                            </a:rPr>
+                            <m:t>0,1</m:t>
+                          </m:r>
+                        </m:sub>
+                      </m:sSub>
+                    </m:oMath>
+                  </m:oMathPara>
+                </a14:m>
+                <a:endParaRPr lang="en-US" dirty="0"/>
+              </a:p>
+            </p:txBody>
+          </p:sp>
+        </mc:Choice>
+        <mc:Fallback>
+          <p:sp>
+            <p:nvSpPr>
+              <p:cNvPr id="4" name="TextBox 3">
+                <a:extLst>
+                  <a:ext uri="{FF2B5EF4-FFF2-40B4-BE49-F238E27FC236}">
+                    <a16:creationId xmlns:a16="http://schemas.microsoft.com/office/drawing/2014/main" id="{7CCA4670-620F-AD24-10FA-CCE93E6ED4DB}"/>
+                  </a:ext>
+                </a:extLst>
+              </p:cNvPr>
+              <p:cNvSpPr txBox="1">
+                <a:spLocks noRot="1" noChangeAspect="1" noMove="1" noResize="1" noEditPoints="1" noAdjustHandles="1" noChangeArrowheads="1" noChangeShapeType="1" noTextEdit="1"/>
+              </p:cNvSpPr>
+              <p:nvPr/>
+            </p:nvSpPr>
+            <p:spPr>
+              <a:xfrm>
+                <a:off x="4323804" y="4429132"/>
+                <a:ext cx="337657" cy="224870"/>
+              </a:xfrm>
+              <a:prstGeom prst="rect">
+                <a:avLst/>
+              </a:prstGeom>
+              <a:blipFill>
+                <a:blip r:embed="rId5"/>
+                <a:stretch>
+                  <a:fillRect l="-5357" r="-1786" b="-13889"/>
+                </a:stretch>
+              </a:blipFill>
+            </p:spPr>
+            <p:txBody>
+              <a:bodyPr/>
+              <a:lstStyle/>
+              <a:p>
+                <a:r>
+                  <a:rPr lang="en-US">
+                    <a:noFill/>
+                  </a:rPr>
+                  <a:t> </a:t>
+                </a:r>
+              </a:p>
+            </p:txBody>
+          </p:sp>
+        </mc:Fallback>
+      </mc:AlternateContent>
+      <mc:AlternateContent xmlns:mc="http://schemas.openxmlformats.org/markup-compatibility/2006">
+        <mc:Choice xmlns:a14="http://schemas.microsoft.com/office/drawing/2010/main" Requires="a14">
+          <p:sp>
+            <p:nvSpPr>
+              <p:cNvPr id="5" name="TextBox 4">
+                <a:extLst>
+                  <a:ext uri="{FF2B5EF4-FFF2-40B4-BE49-F238E27FC236}">
+                    <a16:creationId xmlns:a16="http://schemas.microsoft.com/office/drawing/2014/main" id="{99556731-7BEA-6884-3275-110112322CBC}"/>
+                  </a:ext>
+                </a:extLst>
+              </p:cNvPr>
+              <p:cNvSpPr txBox="1"/>
+              <p:nvPr/>
+            </p:nvSpPr>
+            <p:spPr>
+              <a:xfrm>
+                <a:off x="3021872" y="4429132"/>
+                <a:ext cx="337657" cy="224870"/>
+              </a:xfrm>
+              <a:prstGeom prst="rect">
+                <a:avLst/>
+              </a:prstGeom>
+              <a:noFill/>
+            </p:spPr>
+            <p:txBody>
+              <a:bodyPr wrap="none" lIns="0" tIns="0" rIns="0" bIns="0" rtlCol="0">
+                <a:spAutoFit/>
+              </a:bodyPr>
+              <a:lstStyle/>
+              <a:p>
+                <a:pPr/>
+                <a14:m>
+                  <m:oMathPara xmlns:m="http://schemas.openxmlformats.org/officeDocument/2006/math">
+                    <m:oMathParaPr>
+                      <m:jc m:val="centerGroup"/>
+                    </m:oMathParaPr>
+                    <m:oMath xmlns:m="http://schemas.openxmlformats.org/officeDocument/2006/math">
+                      <m:sSub>
+                        <m:sSubPr>
+                          <m:ctrlPr>
+                            <a:rPr lang="en-US" b="0" i="1" smtClean="0">
+                              <a:latin typeface="Cambria Math" panose="02040503050406030204" pitchFamily="18" charset="0"/>
+                            </a:rPr>
+                          </m:ctrlPr>
+                        </m:sSubPr>
+                        <m:e>
+                          <m:r>
+                            <a:rPr lang="en-US" b="0" i="1" smtClean="0">
+                              <a:latin typeface="Cambria Math" panose="02040503050406030204" pitchFamily="18" charset="0"/>
+                            </a:rPr>
+                            <m:t>𝑛</m:t>
+                          </m:r>
+                        </m:e>
+                        <m:sub>
+                          <m:r>
+                            <a:rPr lang="en-US" b="0" i="1" smtClean="0">
+                              <a:latin typeface="Cambria Math" panose="02040503050406030204" pitchFamily="18" charset="0"/>
+                            </a:rPr>
+                            <m:t>0,0</m:t>
+                          </m:r>
+                        </m:sub>
+                      </m:sSub>
+                    </m:oMath>
+                  </m:oMathPara>
+                </a14:m>
+                <a:endParaRPr lang="en-US" dirty="0"/>
+              </a:p>
+            </p:txBody>
+          </p:sp>
+        </mc:Choice>
+        <mc:Fallback>
+          <p:sp>
+            <p:nvSpPr>
+              <p:cNvPr id="5" name="TextBox 4">
+                <a:extLst>
+                  <a:ext uri="{FF2B5EF4-FFF2-40B4-BE49-F238E27FC236}">
+                    <a16:creationId xmlns:a16="http://schemas.microsoft.com/office/drawing/2014/main" id="{99556731-7BEA-6884-3275-110112322CBC}"/>
+                  </a:ext>
+                </a:extLst>
+              </p:cNvPr>
+              <p:cNvSpPr txBox="1">
+                <a:spLocks noRot="1" noChangeAspect="1" noMove="1" noResize="1" noEditPoints="1" noAdjustHandles="1" noChangeArrowheads="1" noChangeShapeType="1" noTextEdit="1"/>
+              </p:cNvSpPr>
+              <p:nvPr/>
+            </p:nvSpPr>
+            <p:spPr>
+              <a:xfrm>
+                <a:off x="3021872" y="4429132"/>
+                <a:ext cx="337657" cy="224870"/>
+              </a:xfrm>
+              <a:prstGeom prst="rect">
+                <a:avLst/>
+              </a:prstGeom>
+              <a:blipFill>
+                <a:blip r:embed="rId6"/>
+                <a:stretch>
+                  <a:fillRect l="-7273" r="-3636" b="-13889"/>
+                </a:stretch>
+              </a:blipFill>
+            </p:spPr>
+            <p:txBody>
+              <a:bodyPr/>
+              <a:lstStyle/>
+              <a:p>
+                <a:r>
+                  <a:rPr lang="en-US">
+                    <a:noFill/>
+                  </a:rPr>
+                  <a:t> </a:t>
+                </a:r>
+              </a:p>
+            </p:txBody>
+          </p:sp>
+        </mc:Fallback>
+      </mc:AlternateContent>
+      <mc:AlternateContent xmlns:mc="http://schemas.openxmlformats.org/markup-compatibility/2006">
+        <mc:Choice xmlns:a14="http://schemas.microsoft.com/office/drawing/2010/main" Requires="a14">
+          <p:sp>
+            <p:nvSpPr>
+              <p:cNvPr id="6" name="TextBox 5">
+                <a:extLst>
+                  <a:ext uri="{FF2B5EF4-FFF2-40B4-BE49-F238E27FC236}">
+                    <a16:creationId xmlns:a16="http://schemas.microsoft.com/office/drawing/2014/main" id="{418011E6-3EDD-CD11-3271-6E42E3527872}"/>
+                  </a:ext>
+                </a:extLst>
+              </p:cNvPr>
+              <p:cNvSpPr txBox="1"/>
+              <p:nvPr/>
+            </p:nvSpPr>
+            <p:spPr>
+              <a:xfrm>
+                <a:off x="3021872" y="5081451"/>
+                <a:ext cx="333489" cy="224870"/>
+              </a:xfrm>
+              <a:prstGeom prst="rect">
+                <a:avLst/>
+              </a:prstGeom>
+              <a:noFill/>
+            </p:spPr>
+            <p:txBody>
+              <a:bodyPr wrap="none" lIns="0" tIns="0" rIns="0" bIns="0" rtlCol="0">
+                <a:spAutoFit/>
+              </a:bodyPr>
+              <a:lstStyle/>
+              <a:p>
+                <a:pPr/>
+                <a14:m>
+                  <m:oMathPara xmlns:m="http://schemas.openxmlformats.org/officeDocument/2006/math">
+                    <m:oMathParaPr>
+                      <m:jc m:val="centerGroup"/>
+                    </m:oMathParaPr>
+                    <m:oMath xmlns:m="http://schemas.openxmlformats.org/officeDocument/2006/math">
+                      <m:sSub>
+                        <m:sSubPr>
+                          <m:ctrlPr>
+                            <a:rPr lang="en-US" b="0" i="1" smtClean="0">
+                              <a:latin typeface="Cambria Math" panose="02040503050406030204" pitchFamily="18" charset="0"/>
+                            </a:rPr>
+                          </m:ctrlPr>
+                        </m:sSubPr>
+                        <m:e>
+                          <m:r>
+                            <a:rPr lang="en-US" b="0" i="1" smtClean="0">
+                              <a:latin typeface="Cambria Math" panose="02040503050406030204" pitchFamily="18" charset="0"/>
+                            </a:rPr>
+                            <m:t>𝑛</m:t>
+                          </m:r>
+                        </m:e>
+                        <m:sub>
+                          <m:r>
+                            <a:rPr lang="en-US" b="0" i="1" smtClean="0">
+                              <a:latin typeface="Cambria Math" panose="02040503050406030204" pitchFamily="18" charset="0"/>
+                            </a:rPr>
+                            <m:t>1,0</m:t>
+                          </m:r>
+                        </m:sub>
+                      </m:sSub>
+                    </m:oMath>
+                  </m:oMathPara>
+                </a14:m>
+                <a:endParaRPr lang="en-US" dirty="0"/>
+              </a:p>
+            </p:txBody>
+          </p:sp>
+        </mc:Choice>
+        <mc:Fallback>
+          <p:sp>
+            <p:nvSpPr>
+              <p:cNvPr id="6" name="TextBox 5">
+                <a:extLst>
+                  <a:ext uri="{FF2B5EF4-FFF2-40B4-BE49-F238E27FC236}">
+                    <a16:creationId xmlns:a16="http://schemas.microsoft.com/office/drawing/2014/main" id="{418011E6-3EDD-CD11-3271-6E42E3527872}"/>
+                  </a:ext>
+                </a:extLst>
+              </p:cNvPr>
+              <p:cNvSpPr txBox="1">
+                <a:spLocks noRot="1" noChangeAspect="1" noMove="1" noResize="1" noEditPoints="1" noAdjustHandles="1" noChangeArrowheads="1" noChangeShapeType="1" noTextEdit="1"/>
+              </p:cNvSpPr>
+              <p:nvPr/>
+            </p:nvSpPr>
+            <p:spPr>
+              <a:xfrm>
+                <a:off x="3021872" y="5081451"/>
+                <a:ext cx="333489" cy="224870"/>
+              </a:xfrm>
+              <a:prstGeom prst="rect">
+                <a:avLst/>
+              </a:prstGeom>
+              <a:blipFill>
+                <a:blip r:embed="rId7"/>
+                <a:stretch>
+                  <a:fillRect l="-7407" r="-3704" b="-13889"/>
+                </a:stretch>
+              </a:blipFill>
+            </p:spPr>
+            <p:txBody>
+              <a:bodyPr/>
+              <a:lstStyle/>
+              <a:p>
+                <a:r>
+                  <a:rPr lang="en-US">
+                    <a:noFill/>
+                  </a:rPr>
+                  <a:t> </a:t>
+                </a:r>
+              </a:p>
+            </p:txBody>
+          </p:sp>
+        </mc:Fallback>
+      </mc:AlternateContent>
+      <mc:AlternateContent xmlns:mc="http://schemas.openxmlformats.org/markup-compatibility/2006">
+        <mc:Choice xmlns:a14="http://schemas.microsoft.com/office/drawing/2010/main" Requires="a14">
+          <p:sp>
+            <p:nvSpPr>
+              <p:cNvPr id="2" name="TextBox 1">
+                <a:extLst>
+                  <a:ext uri="{FF2B5EF4-FFF2-40B4-BE49-F238E27FC236}">
+                    <a16:creationId xmlns:a16="http://schemas.microsoft.com/office/drawing/2014/main" id="{0A7313A7-12BC-B550-6468-5BA6597E8FEA}"/>
+                  </a:ext>
+                </a:extLst>
+              </p:cNvPr>
+              <p:cNvSpPr txBox="1"/>
+              <p:nvPr/>
+            </p:nvSpPr>
+            <p:spPr>
+              <a:xfrm>
+                <a:off x="6850932" y="4478740"/>
+                <a:ext cx="2321148" cy="697627"/>
+              </a:xfrm>
+              <a:prstGeom prst="rect">
+                <a:avLst/>
+              </a:prstGeom>
+              <a:noFill/>
+            </p:spPr>
+            <p:txBody>
+              <a:bodyPr wrap="none" lIns="0" tIns="0" rIns="0" bIns="0" rtlCol="0">
+                <a:spAutoFit/>
+              </a:bodyPr>
+              <a:lstStyle/>
+              <a:p>
+                <a:pPr/>
+                <a14:m>
+                  <m:oMathPara xmlns:m="http://schemas.openxmlformats.org/officeDocument/2006/math">
+                    <m:oMathParaPr>
+                      <m:jc m:val="centerGroup"/>
+                    </m:oMathParaPr>
+                    <m:oMath xmlns:m="http://schemas.openxmlformats.org/officeDocument/2006/math">
+                      <m:r>
+                        <a:rPr lang="en-US" sz="2400" b="1" i="0" smtClean="0">
+                          <a:latin typeface="Cambria Math" panose="02040503050406030204" pitchFamily="18" charset="0"/>
+                        </a:rPr>
+                        <m:t>𝐅𝐏𝐑</m:t>
+                      </m:r>
+                      <m:r>
+                        <a:rPr lang="en-US" sz="2400" b="1" i="1" smtClean="0">
+                          <a:latin typeface="Cambria Math" panose="02040503050406030204" pitchFamily="18" charset="0"/>
+                        </a:rPr>
+                        <m:t>= </m:t>
+                      </m:r>
+                      <m:f>
+                        <m:fPr>
+                          <m:ctrlPr>
+                            <a:rPr lang="en-US" sz="2400" b="1" i="1" smtClean="0">
+                              <a:latin typeface="Cambria Math" panose="02040503050406030204" pitchFamily="18" charset="0"/>
+                            </a:rPr>
+                          </m:ctrlPr>
+                        </m:fPr>
+                        <m:num>
+                          <m:r>
+                            <a:rPr lang="en-US" sz="2400" b="1" i="0" smtClean="0">
+                              <a:latin typeface="Cambria Math" panose="02040503050406030204" pitchFamily="18" charset="0"/>
+                            </a:rPr>
+                            <m:t>𝐓𝐍</m:t>
+                          </m:r>
+                        </m:num>
+                        <m:den>
+                          <m:r>
+                            <a:rPr lang="en-US" sz="2400" b="1" i="0" smtClean="0">
+                              <a:latin typeface="Cambria Math" panose="02040503050406030204" pitchFamily="18" charset="0"/>
+                            </a:rPr>
+                            <m:t>𝐓𝐍</m:t>
+                          </m:r>
+                          <m:r>
+                            <a:rPr lang="en-US" sz="2400" b="1" i="0" smtClean="0">
+                              <a:latin typeface="Cambria Math" panose="02040503050406030204" pitchFamily="18" charset="0"/>
+                            </a:rPr>
+                            <m:t>+</m:t>
+                          </m:r>
+                          <m:r>
+                            <a:rPr lang="en-US" sz="2400" b="1" i="0" smtClean="0">
+                              <a:latin typeface="Cambria Math" panose="02040503050406030204" pitchFamily="18" charset="0"/>
+                            </a:rPr>
+                            <m:t>𝐅</m:t>
+                          </m:r>
+                          <m:r>
+                            <a:rPr lang="en-US" sz="2400" b="1" i="1" smtClean="0">
+                              <a:latin typeface="Cambria Math" panose="02040503050406030204" pitchFamily="18" charset="0"/>
+                            </a:rPr>
+                            <m:t>𝑵</m:t>
+                          </m:r>
+                        </m:den>
+                      </m:f>
+                    </m:oMath>
+                  </m:oMathPara>
+                </a14:m>
+                <a:endParaRPr lang="en-US" sz="2400" b="1" dirty="0"/>
+              </a:p>
+            </p:txBody>
+          </p:sp>
+        </mc:Choice>
+        <mc:Fallback>
+          <p:sp>
+            <p:nvSpPr>
+              <p:cNvPr id="2" name="TextBox 1">
+                <a:extLst>
+                  <a:ext uri="{FF2B5EF4-FFF2-40B4-BE49-F238E27FC236}">
+                    <a16:creationId xmlns:a16="http://schemas.microsoft.com/office/drawing/2014/main" id="{0A7313A7-12BC-B550-6468-5BA6597E8FEA}"/>
+                  </a:ext>
+                </a:extLst>
+              </p:cNvPr>
+              <p:cNvSpPr txBox="1">
+                <a:spLocks noRot="1" noChangeAspect="1" noMove="1" noResize="1" noEditPoints="1" noAdjustHandles="1" noChangeArrowheads="1" noChangeShapeType="1" noTextEdit="1"/>
+              </p:cNvSpPr>
+              <p:nvPr/>
+            </p:nvSpPr>
+            <p:spPr>
+              <a:xfrm>
+                <a:off x="6850932" y="4478740"/>
+                <a:ext cx="2321148" cy="697627"/>
+              </a:xfrm>
+              <a:prstGeom prst="rect">
+                <a:avLst/>
+              </a:prstGeom>
+              <a:blipFill>
+                <a:blip r:embed="rId8"/>
+                <a:stretch>
+                  <a:fillRect/>
+                </a:stretch>
+              </a:blipFill>
+            </p:spPr>
+            <p:txBody>
+              <a:bodyPr/>
+              <a:lstStyle/>
+              <a:p>
+                <a:r>
+                  <a:rPr lang="en-US">
+                    <a:noFill/>
+                  </a:rPr>
+                  <a:t> </a:t>
+                </a:r>
+              </a:p>
+            </p:txBody>
+          </p:sp>
+        </mc:Fallback>
+      </mc:AlternateContent>
+    </p:spTree>
+    <p:extLst>
+      <p:ext uri="{BB962C8B-B14F-4D97-AF65-F5344CB8AC3E}">
+        <p14:creationId xmlns:p14="http://schemas.microsoft.com/office/powerpoint/2010/main" val="3244738900"/>
+      </p:ext>
+    </p:extLst>
+  </p:cSld>
+  <p:clrMapOvr>
+    <a:masterClrMapping/>
+  </p:clrMapOvr>
+</p:sld>
+</file>
+
+<file path=ppt/slides/slide28.xml><?xml version="1.0" encoding="utf-8"?>
+<p:sld xmlns:a="http://schemas.openxmlformats.org/drawingml/2006/main" xmlns:r="http://schemas.openxmlformats.org/officeDocument/2006/relationships" xmlns:p="http://schemas.openxmlformats.org/presentationml/2006/main">
+  <p:cSld>
+    <p:spTree>
+      <p:nvGrpSpPr>
+        <p:cNvPr id="1" name="Shape 249"/>
+        <p:cNvGrpSpPr/>
+        <p:nvPr/>
+      </p:nvGrpSpPr>
+      <p:grpSpPr>
+        <a:xfrm>
+          <a:off x="0" y="0"/>
+          <a:ext cx="0" cy="0"/>
+          <a:chOff x="0" y="0"/>
+          <a:chExt cx="0" cy="0"/>
+        </a:xfrm>
+      </p:grpSpPr>
+      <p:sp>
+        <p:nvSpPr>
+          <p:cNvPr id="250" name="Google Shape;250;p1"/>
+          <p:cNvSpPr txBox="1">
+            <a:spLocks noGrp="1"/>
+          </p:cNvSpPr>
+          <p:nvPr>
+            <p:ph type="title"/>
+          </p:nvPr>
+        </p:nvSpPr>
+        <p:spPr>
+          <a:xfrm>
+            <a:off x="838200" y="365125"/>
+            <a:ext cx="11014166" cy="1325563"/>
+          </a:xfrm>
+          <a:prstGeom prst="rect">
+            <a:avLst/>
+          </a:prstGeom>
+          <a:noFill/>
+          <a:ln>
+            <a:noFill/>
+          </a:ln>
+        </p:spPr>
+        <p:txBody>
+          <a:bodyPr spcFirstLastPara="1" wrap="square" lIns="91425" tIns="45700" rIns="91425" bIns="45700" anchor="ctr" anchorCtr="0">
+            <a:normAutofit/>
+          </a:bodyPr>
+          <a:lstStyle/>
+          <a:p>
+            <a:pPr marL="0" lvl="0" indent="0" algn="l" rtl="0">
+              <a:lnSpc>
+                <a:spcPct val="90000"/>
+              </a:lnSpc>
+              <a:spcBef>
+                <a:spcPts val="0"/>
+              </a:spcBef>
+              <a:spcAft>
+                <a:spcPts val="0"/>
+              </a:spcAft>
+              <a:buClr>
+                <a:schemeClr val="dk1"/>
+              </a:buClr>
+              <a:buSzPts val="4400"/>
+              <a:buFont typeface="Roboto Slab"/>
+              <a:buNone/>
+            </a:pPr>
+            <a:r>
+              <a:rPr lang="en-US" dirty="0"/>
               <a:t>Precision</a:t>
             </a:r>
             <a:endParaRPr dirty="0"/>
@@ -17304,7 +18204,7 @@
 </p:sld>
 </file>
 
-<file path=ppt/slides/slide28.xml><?xml version="1.0" encoding="utf-8"?>
+<file path=ppt/slides/slide29.xml><?xml version="1.0" encoding="utf-8"?>
 <p:sld xmlns:a="http://schemas.openxmlformats.org/drawingml/2006/main" xmlns:r="http://schemas.openxmlformats.org/officeDocument/2006/relationships" xmlns:p="http://schemas.openxmlformats.org/presentationml/2006/main">
   <p:cSld>
     <p:spTree>
@@ -18327,7 +19227,253 @@
 </p:sld>
 </file>
 
-<file path=ppt/slides/slide29.xml><?xml version="1.0" encoding="utf-8"?>
+<file path=ppt/slides/slide3.xml><?xml version="1.0" encoding="utf-8"?>
+<p:sld xmlns:a="http://schemas.openxmlformats.org/drawingml/2006/main" xmlns:r="http://schemas.openxmlformats.org/officeDocument/2006/relationships" xmlns:p="http://schemas.openxmlformats.org/presentationml/2006/main">
+  <p:cSld>
+    <p:spTree>
+      <p:nvGrpSpPr>
+        <p:cNvPr id="1" name="Shape 249"/>
+        <p:cNvGrpSpPr/>
+        <p:nvPr/>
+      </p:nvGrpSpPr>
+      <p:grpSpPr>
+        <a:xfrm>
+          <a:off x="0" y="0"/>
+          <a:ext cx="0" cy="0"/>
+          <a:chOff x="0" y="0"/>
+          <a:chExt cx="0" cy="0"/>
+        </a:xfrm>
+      </p:grpSpPr>
+      <p:sp>
+        <p:nvSpPr>
+          <p:cNvPr id="250" name="Google Shape;250;p1"/>
+          <p:cNvSpPr txBox="1">
+            <a:spLocks noGrp="1"/>
+          </p:cNvSpPr>
+          <p:nvPr>
+            <p:ph type="title"/>
+          </p:nvPr>
+        </p:nvSpPr>
+        <p:spPr>
+          <a:xfrm>
+            <a:off x="838200" y="365125"/>
+            <a:ext cx="11014166" cy="1325563"/>
+          </a:xfrm>
+          <a:prstGeom prst="rect">
+            <a:avLst/>
+          </a:prstGeom>
+          <a:noFill/>
+          <a:ln>
+            <a:noFill/>
+          </a:ln>
+        </p:spPr>
+        <p:txBody>
+          <a:bodyPr spcFirstLastPara="1" wrap="square" lIns="91425" tIns="45700" rIns="91425" bIns="45700" anchor="ctr" anchorCtr="0">
+            <a:normAutofit/>
+          </a:bodyPr>
+          <a:lstStyle/>
+          <a:p>
+            <a:pPr marL="0" lvl="0" indent="0" algn="l" rtl="0">
+              <a:lnSpc>
+                <a:spcPct val="90000"/>
+              </a:lnSpc>
+              <a:spcBef>
+                <a:spcPts val="0"/>
+              </a:spcBef>
+              <a:spcAft>
+                <a:spcPts val="0"/>
+              </a:spcAft>
+              <a:buClr>
+                <a:schemeClr val="dk1"/>
+              </a:buClr>
+              <a:buSzPts val="4400"/>
+              <a:buFont typeface="Roboto Slab"/>
+              <a:buNone/>
+            </a:pPr>
+            <a:r>
+              <a:rPr lang="en-US" dirty="0"/>
+              <a:t>Performance Metrics</a:t>
+            </a:r>
+            <a:endParaRPr dirty="0"/>
+          </a:p>
+        </p:txBody>
+      </p:sp>
+      <p:sp>
+        <p:nvSpPr>
+          <p:cNvPr id="251" name="Google Shape;251;p1"/>
+          <p:cNvSpPr txBox="1">
+            <a:spLocks noGrp="1"/>
+          </p:cNvSpPr>
+          <p:nvPr>
+            <p:ph type="body" idx="1"/>
+          </p:nvPr>
+        </p:nvSpPr>
+        <p:spPr>
+          <a:xfrm>
+            <a:off x="940411" y="1805668"/>
+            <a:ext cx="11075633" cy="4351338"/>
+          </a:xfrm>
+          <a:prstGeom prst="rect">
+            <a:avLst/>
+          </a:prstGeom>
+          <a:noFill/>
+          <a:ln>
+            <a:noFill/>
+          </a:ln>
+        </p:spPr>
+        <p:txBody>
+          <a:bodyPr spcFirstLastPara="1" wrap="square" lIns="91425" tIns="45700" rIns="91425" bIns="45700" anchor="t" anchorCtr="0">
+            <a:normAutofit/>
+          </a:bodyPr>
+          <a:lstStyle/>
+          <a:p>
+            <a:pPr indent="-457200">
+              <a:spcBef>
+                <a:spcPts val="0"/>
+              </a:spcBef>
+              <a:buSzPts val="2800"/>
+              <a:buFont typeface="Wingdings" panose="05000000000000000000" pitchFamily="2" charset="2"/>
+              <a:buChar char="q"/>
+            </a:pPr>
+            <a:r>
+              <a:rPr lang="en-US" dirty="0"/>
+              <a:t>These are used to measure how good a model is.</a:t>
+            </a:r>
+            <a:endParaRPr lang="en-US" dirty="0">
+              <a:sym typeface="Libre Franklin"/>
+            </a:endParaRPr>
+          </a:p>
+          <a:p>
+            <a:pPr indent="-457200">
+              <a:spcBef>
+                <a:spcPts val="0"/>
+              </a:spcBef>
+              <a:buSzPts val="2800"/>
+              <a:buFont typeface="Wingdings" panose="05000000000000000000" pitchFamily="2" charset="2"/>
+              <a:buChar char="q"/>
+            </a:pPr>
+            <a:r>
+              <a:rPr lang="en-US" dirty="0"/>
+              <a:t>Also called evaluation metrics and depend on the task:</a:t>
+            </a:r>
+          </a:p>
+          <a:p>
+            <a:pPr lvl="1" indent="-457200">
+              <a:spcBef>
+                <a:spcPts val="0"/>
+              </a:spcBef>
+              <a:buSzPts val="2800"/>
+              <a:buFont typeface="Wingdings" pitchFamily="2" charset="2"/>
+              <a:buChar char="§"/>
+            </a:pPr>
+            <a:r>
+              <a:rPr lang="en-US" dirty="0">
+                <a:sym typeface="Libre Franklin"/>
+              </a:rPr>
+              <a:t>Regression Metrics</a:t>
+            </a:r>
+          </a:p>
+          <a:p>
+            <a:pPr lvl="1" indent="-457200">
+              <a:spcBef>
+                <a:spcPts val="0"/>
+              </a:spcBef>
+              <a:buSzPts val="2800"/>
+              <a:buFont typeface="Wingdings" pitchFamily="2" charset="2"/>
+              <a:buChar char="§"/>
+            </a:pPr>
+            <a:r>
+              <a:rPr lang="en-US" dirty="0">
+                <a:sym typeface="Libre Franklin"/>
+              </a:rPr>
+              <a:t>Classification Metrics</a:t>
+            </a:r>
+          </a:p>
+          <a:p>
+            <a:pPr lvl="1" indent="-457200">
+              <a:spcBef>
+                <a:spcPts val="0"/>
+              </a:spcBef>
+              <a:buSzPts val="2800"/>
+              <a:buFont typeface="Wingdings" pitchFamily="2" charset="2"/>
+              <a:buChar char="§"/>
+            </a:pPr>
+            <a:r>
+              <a:rPr lang="en-US" dirty="0">
+                <a:sym typeface="Libre Franklin"/>
+              </a:rPr>
+              <a:t>Propensity Metrics</a:t>
+            </a:r>
+          </a:p>
+          <a:p>
+            <a:pPr indent="-457200">
+              <a:spcBef>
+                <a:spcPts val="0"/>
+              </a:spcBef>
+              <a:buSzPts val="2800"/>
+              <a:buFont typeface="Wingdings" panose="05000000000000000000" pitchFamily="2" charset="2"/>
+              <a:buChar char="q"/>
+            </a:pPr>
+            <a:endParaRPr lang="en-US" dirty="0">
+              <a:sym typeface="Libre Franklin"/>
+            </a:endParaRPr>
+          </a:p>
+          <a:p>
+            <a:pPr marL="0" indent="0">
+              <a:spcBef>
+                <a:spcPts val="0"/>
+              </a:spcBef>
+              <a:buSzPts val="2800"/>
+              <a:buNone/>
+            </a:pPr>
+            <a:endParaRPr lang="en-US" dirty="0"/>
+          </a:p>
+        </p:txBody>
+      </p:sp>
+      <p:pic>
+        <p:nvPicPr>
+          <p:cNvPr id="2" name="Picture 1">
+            <a:extLst>
+              <a:ext uri="{FF2B5EF4-FFF2-40B4-BE49-F238E27FC236}">
+                <a16:creationId xmlns:a16="http://schemas.microsoft.com/office/drawing/2014/main" id="{BBA8C305-DFC0-D12A-005E-220ED8D026EF}"/>
+              </a:ext>
+            </a:extLst>
+          </p:cNvPr>
+          <p:cNvPicPr>
+            <a:picLocks noChangeAspect="1"/>
+          </p:cNvPicPr>
+          <p:nvPr/>
+        </p:nvPicPr>
+        <p:blipFill>
+          <a:blip r:embed="rId3"/>
+          <a:stretch>
+            <a:fillRect/>
+          </a:stretch>
+        </p:blipFill>
+        <p:spPr>
+          <a:xfrm>
+            <a:off x="1506468" y="3981337"/>
+            <a:ext cx="2711269" cy="2711269"/>
+          </a:xfrm>
+          <a:prstGeom prst="rect">
+            <a:avLst/>
+          </a:prstGeom>
+        </p:spPr>
+      </p:pic>
+    </p:spTree>
+    <p:extLst>
+      <p:ext uri="{BB962C8B-B14F-4D97-AF65-F5344CB8AC3E}">
+        <p14:creationId xmlns:p14="http://schemas.microsoft.com/office/powerpoint/2010/main" val="4269744705"/>
+      </p:ext>
+    </p:extLst>
+  </p:cSld>
+  <p:clrMapOvr>
+    <a:masterClrMapping/>
+  </p:clrMapOvr>
+</p:sld>
+</file>
+
+<file path=ppt/slides/slide30.xml><?xml version="1.0" encoding="utf-8"?>
 <p:sld xmlns:a="http://schemas.openxmlformats.org/drawingml/2006/main" xmlns:r="http://schemas.openxmlformats.org/officeDocument/2006/relationships" xmlns:p="http://schemas.openxmlformats.org/presentationml/2006/main">
   <p:cSld>
     <p:spTree>
@@ -18882,253 +20028,7 @@
 </p:sld>
 </file>
 
-<file path=ppt/slides/slide3.xml><?xml version="1.0" encoding="utf-8"?>
-<p:sld xmlns:a="http://schemas.openxmlformats.org/drawingml/2006/main" xmlns:r="http://schemas.openxmlformats.org/officeDocument/2006/relationships" xmlns:p="http://schemas.openxmlformats.org/presentationml/2006/main">
-  <p:cSld>
-    <p:spTree>
-      <p:nvGrpSpPr>
-        <p:cNvPr id="1" name="Shape 249"/>
-        <p:cNvGrpSpPr/>
-        <p:nvPr/>
-      </p:nvGrpSpPr>
-      <p:grpSpPr>
-        <a:xfrm>
-          <a:off x="0" y="0"/>
-          <a:ext cx="0" cy="0"/>
-          <a:chOff x="0" y="0"/>
-          <a:chExt cx="0" cy="0"/>
-        </a:xfrm>
-      </p:grpSpPr>
-      <p:sp>
-        <p:nvSpPr>
-          <p:cNvPr id="250" name="Google Shape;250;p1"/>
-          <p:cNvSpPr txBox="1">
-            <a:spLocks noGrp="1"/>
-          </p:cNvSpPr>
-          <p:nvPr>
-            <p:ph type="title"/>
-          </p:nvPr>
-        </p:nvSpPr>
-        <p:spPr>
-          <a:xfrm>
-            <a:off x="838200" y="365125"/>
-            <a:ext cx="11014166" cy="1325563"/>
-          </a:xfrm>
-          <a:prstGeom prst="rect">
-            <a:avLst/>
-          </a:prstGeom>
-          <a:noFill/>
-          <a:ln>
-            <a:noFill/>
-          </a:ln>
-        </p:spPr>
-        <p:txBody>
-          <a:bodyPr spcFirstLastPara="1" wrap="square" lIns="91425" tIns="45700" rIns="91425" bIns="45700" anchor="ctr" anchorCtr="0">
-            <a:normAutofit/>
-          </a:bodyPr>
-          <a:lstStyle/>
-          <a:p>
-            <a:pPr marL="0" lvl="0" indent="0" algn="l" rtl="0">
-              <a:lnSpc>
-                <a:spcPct val="90000"/>
-              </a:lnSpc>
-              <a:spcBef>
-                <a:spcPts val="0"/>
-              </a:spcBef>
-              <a:spcAft>
-                <a:spcPts val="0"/>
-              </a:spcAft>
-              <a:buClr>
-                <a:schemeClr val="dk1"/>
-              </a:buClr>
-              <a:buSzPts val="4400"/>
-              <a:buFont typeface="Roboto Slab"/>
-              <a:buNone/>
-            </a:pPr>
-            <a:r>
-              <a:rPr lang="en-US" dirty="0"/>
-              <a:t>Performance Metrics</a:t>
-            </a:r>
-            <a:endParaRPr dirty="0"/>
-          </a:p>
-        </p:txBody>
-      </p:sp>
-      <p:sp>
-        <p:nvSpPr>
-          <p:cNvPr id="251" name="Google Shape;251;p1"/>
-          <p:cNvSpPr txBox="1">
-            <a:spLocks noGrp="1"/>
-          </p:cNvSpPr>
-          <p:nvPr>
-            <p:ph type="body" idx="1"/>
-          </p:nvPr>
-        </p:nvSpPr>
-        <p:spPr>
-          <a:xfrm>
-            <a:off x="940411" y="1805668"/>
-            <a:ext cx="11075633" cy="4351338"/>
-          </a:xfrm>
-          <a:prstGeom prst="rect">
-            <a:avLst/>
-          </a:prstGeom>
-          <a:noFill/>
-          <a:ln>
-            <a:noFill/>
-          </a:ln>
-        </p:spPr>
-        <p:txBody>
-          <a:bodyPr spcFirstLastPara="1" wrap="square" lIns="91425" tIns="45700" rIns="91425" bIns="45700" anchor="t" anchorCtr="0">
-            <a:normAutofit/>
-          </a:bodyPr>
-          <a:lstStyle/>
-          <a:p>
-            <a:pPr indent="-457200">
-              <a:spcBef>
-                <a:spcPts val="0"/>
-              </a:spcBef>
-              <a:buSzPts val="2800"/>
-              <a:buFont typeface="Wingdings" panose="05000000000000000000" pitchFamily="2" charset="2"/>
-              <a:buChar char="q"/>
-            </a:pPr>
-            <a:r>
-              <a:rPr lang="en-US" dirty="0"/>
-              <a:t>These are used to measure how good a model is.</a:t>
-            </a:r>
-            <a:endParaRPr lang="en-US" dirty="0">
-              <a:sym typeface="Libre Franklin"/>
-            </a:endParaRPr>
-          </a:p>
-          <a:p>
-            <a:pPr indent="-457200">
-              <a:spcBef>
-                <a:spcPts val="0"/>
-              </a:spcBef>
-              <a:buSzPts val="2800"/>
-              <a:buFont typeface="Wingdings" panose="05000000000000000000" pitchFamily="2" charset="2"/>
-              <a:buChar char="q"/>
-            </a:pPr>
-            <a:r>
-              <a:rPr lang="en-US" dirty="0"/>
-              <a:t>Also called evaluation metrics and depend on the task:</a:t>
-            </a:r>
-          </a:p>
-          <a:p>
-            <a:pPr lvl="1" indent="-457200">
-              <a:spcBef>
-                <a:spcPts val="0"/>
-              </a:spcBef>
-              <a:buSzPts val="2800"/>
-              <a:buFont typeface="Wingdings" pitchFamily="2" charset="2"/>
-              <a:buChar char="§"/>
-            </a:pPr>
-            <a:r>
-              <a:rPr lang="en-US" dirty="0">
-                <a:sym typeface="Libre Franklin"/>
-              </a:rPr>
-              <a:t>Regression Metrics</a:t>
-            </a:r>
-          </a:p>
-          <a:p>
-            <a:pPr lvl="1" indent="-457200">
-              <a:spcBef>
-                <a:spcPts val="0"/>
-              </a:spcBef>
-              <a:buSzPts val="2800"/>
-              <a:buFont typeface="Wingdings" pitchFamily="2" charset="2"/>
-              <a:buChar char="§"/>
-            </a:pPr>
-            <a:r>
-              <a:rPr lang="en-US" dirty="0">
-                <a:sym typeface="Libre Franklin"/>
-              </a:rPr>
-              <a:t>Classification Metrics</a:t>
-            </a:r>
-          </a:p>
-          <a:p>
-            <a:pPr lvl="1" indent="-457200">
-              <a:spcBef>
-                <a:spcPts val="0"/>
-              </a:spcBef>
-              <a:buSzPts val="2800"/>
-              <a:buFont typeface="Wingdings" pitchFamily="2" charset="2"/>
-              <a:buChar char="§"/>
-            </a:pPr>
-            <a:r>
-              <a:rPr lang="en-US" dirty="0">
-                <a:sym typeface="Libre Franklin"/>
-              </a:rPr>
-              <a:t>Propensity Metrics</a:t>
-            </a:r>
-          </a:p>
-          <a:p>
-            <a:pPr indent="-457200">
-              <a:spcBef>
-                <a:spcPts val="0"/>
-              </a:spcBef>
-              <a:buSzPts val="2800"/>
-              <a:buFont typeface="Wingdings" panose="05000000000000000000" pitchFamily="2" charset="2"/>
-              <a:buChar char="q"/>
-            </a:pPr>
-            <a:endParaRPr lang="en-US" dirty="0">
-              <a:sym typeface="Libre Franklin"/>
-            </a:endParaRPr>
-          </a:p>
-          <a:p>
-            <a:pPr marL="0" indent="0">
-              <a:spcBef>
-                <a:spcPts val="0"/>
-              </a:spcBef>
-              <a:buSzPts val="2800"/>
-              <a:buNone/>
-            </a:pPr>
-            <a:endParaRPr lang="en-US" dirty="0"/>
-          </a:p>
-        </p:txBody>
-      </p:sp>
-      <p:pic>
-        <p:nvPicPr>
-          <p:cNvPr id="2" name="Picture 1">
-            <a:extLst>
-              <a:ext uri="{FF2B5EF4-FFF2-40B4-BE49-F238E27FC236}">
-                <a16:creationId xmlns:a16="http://schemas.microsoft.com/office/drawing/2014/main" id="{BBA8C305-DFC0-D12A-005E-220ED8D026EF}"/>
-              </a:ext>
-            </a:extLst>
-          </p:cNvPr>
-          <p:cNvPicPr>
-            <a:picLocks noChangeAspect="1"/>
-          </p:cNvPicPr>
-          <p:nvPr/>
-        </p:nvPicPr>
-        <p:blipFill>
-          <a:blip r:embed="rId3"/>
-          <a:stretch>
-            <a:fillRect/>
-          </a:stretch>
-        </p:blipFill>
-        <p:spPr>
-          <a:xfrm>
-            <a:off x="1506468" y="3981337"/>
-            <a:ext cx="2711269" cy="2711269"/>
-          </a:xfrm>
-          <a:prstGeom prst="rect">
-            <a:avLst/>
-          </a:prstGeom>
-        </p:spPr>
-      </p:pic>
-    </p:spTree>
-    <p:extLst>
-      <p:ext uri="{BB962C8B-B14F-4D97-AF65-F5344CB8AC3E}">
-        <p14:creationId xmlns:p14="http://schemas.microsoft.com/office/powerpoint/2010/main" val="4269744705"/>
-      </p:ext>
-    </p:extLst>
-  </p:cSld>
-  <p:clrMapOvr>
-    <a:masterClrMapping/>
-  </p:clrMapOvr>
-</p:sld>
-</file>
-
-<file path=ppt/slides/slide30.xml><?xml version="1.0" encoding="utf-8"?>
+<file path=ppt/slides/slide31.xml><?xml version="1.0" encoding="utf-8"?>
 <p:sld xmlns:a="http://schemas.openxmlformats.org/drawingml/2006/main" xmlns:r="http://schemas.openxmlformats.org/officeDocument/2006/relationships" xmlns:p="http://schemas.openxmlformats.org/presentationml/2006/main">
   <p:cSld>
     <p:spTree>
@@ -25339,7 +26239,7 @@
 <file path=ppt/tags/tag15.xml><?xml version="1.0" encoding="utf-8"?>
 <p:tagLst xmlns:a="http://schemas.openxmlformats.org/drawingml/2006/main" xmlns:r="http://schemas.openxmlformats.org/officeDocument/2006/relationships" xmlns:p="http://schemas.openxmlformats.org/presentationml/2006/main">
   <p:tag name="SLIDO_ELEMENT" val="interaction_image"/>
-  <p:tag name="INTERACTION_TYPE" val="multiplechoice"/>
+  <p:tag name="INTERACTION_TYPE" val="MultipleChoice"/>
 </p:tagLst>
 </file>
 
@@ -25347,7 +26247,7 @@
 <p:tagLst xmlns:a="http://schemas.openxmlformats.org/drawingml/2006/main" xmlns:r="http://schemas.openxmlformats.org/officeDocument/2006/relationships" xmlns:p="http://schemas.openxmlformats.org/presentationml/2006/main">
   <p:tag name="SLIDO_TYPE" val="SlidoPoll"/>
   <p:tag name="SLIDO_POLL_UUID" val="569c743a-32a1-4d41-afe0-31025df77ade"/>
-  <p:tag name="SLIDO_TIMELINE" val="W3sic2hvd1Jlc3VsdHMiOmZhbHNlLCJwb2xsUXVlc3Rpb25VdWlkIjoiMjI4MmQyNGYtZjNkNS00MzkxLTkyODYtODhkZmVkMDc3ZWQxIn0seyJwb2xsUXVlc3Rpb25VdWlkIjoiMjI4MmQyNGYtZjNkNS00MzkxLTkyODYtODhkZmVkMDc3ZWQxIiwic2hvd1Jlc3VsdHMiOnRydWV9XQ=="/>
+  <p:tag name="SLIDO_TIMELINE" val="W3sicG9sbFF1ZXN0aW9uVXVpZCI6IjIyODJkMjRmLWYzZDUtNDM5MS05Mjg2LTg4ZGZlZDA3N2VkMSIsInNob3dSZXN1bHRzIjpmYWxzZSwic2hvd0NvcnJlY3RBbnN3ZXJzIjpmYWxzZSwidm90aW5nTG9ja2VkIjpmYWxzZX0seyJwb2xsUXVlc3Rpb25VdWlkIjoiMjI4MmQyNGYtZjNkNS00MzkxLTkyODYtODhkZmVkMDc3ZWQxIiwic2hvd1Jlc3VsdHMiOnRydWUsInNob3dDb3JyZWN0QW5zd2VycyI6ZmFsc2UsInZvdGluZ0xvY2tlZCI6ZmFsc2V9XQ=="/>
 </p:tagLst>
 </file>
 
@@ -25359,14 +26259,13 @@
 
 <file path=ppt/tags/tag18.xml><?xml version="1.0" encoding="utf-8"?>
 <p:tagLst xmlns:a="http://schemas.openxmlformats.org/drawingml/2006/main" xmlns:r="http://schemas.openxmlformats.org/officeDocument/2006/relationships" xmlns:p="http://schemas.openxmlformats.org/presentationml/2006/main">
-  <p:tag name="SLIDO_ELEMENT" val="interaction_image"/>
-  <p:tag name="INTERACTION_TYPE" val="multiplechoice"/>
+  <p:tag name="SLIDO_ELEMENT" val="title"/>
 </p:tagLst>
 </file>
 
 <file path=ppt/tags/tag19.xml><?xml version="1.0" encoding="utf-8"?>
 <p:tagLst xmlns:a="http://schemas.openxmlformats.org/drawingml/2006/main" xmlns:r="http://schemas.openxmlformats.org/officeDocument/2006/relationships" xmlns:p="http://schemas.openxmlformats.org/presentationml/2006/main">
-  <p:tag name="SLIDO_ELEMENT" val="title"/>
+  <p:tag name="SLIDO_ELEMENT" val="reminder"/>
 </p:tagLst>
 </file>
 
@@ -25374,25 +26273,26 @@
 <p:tagLst xmlns:a="http://schemas.openxmlformats.org/drawingml/2006/main" xmlns:r="http://schemas.openxmlformats.org/officeDocument/2006/relationships" xmlns:p="http://schemas.openxmlformats.org/presentationml/2006/main">
   <p:tag name="SLIDO_TYPE" val="SlidoPoll"/>
   <p:tag name="SLIDO_POLL_UUID" val="76a3bf0b-fc0e-430d-b6f1-f91f618c2de2"/>
-  <p:tag name="SLIDO_TIMELINE" val="W3sicG9sbFF1ZXN0aW9uVXVpZCI6IjhjMDY1Njk3LTRlMjAtNDQ5MC05MDc3LWJlOTRjYTJhMTNkNyIsInNob3dSZXN1bHRzIjpmYWxzZX0seyJwb2xsUXVlc3Rpb25VdWlkIjoiOGMwNjU2OTctNGUyMC00NDkwLTkwNzctYmU5NGNhMmExM2Q3Iiwic2hvd1Jlc3VsdHMiOnRydWV9XQ=="/>
+  <p:tag name="SLIDO_TIMELINE" val="W3sicG9sbFF1ZXN0aW9uVXVpZCI6IjhjMDY1Njk3LTRlMjAtNDQ5MC05MDc3LWJlOTRjYTJhMTNkNyIsInNob3dSZXN1bHRzIjpmYWxzZSwic2hvd0NvcnJlY3RBbnN3ZXJzIjpmYWxzZSwidm90aW5nTG9ja2VkIjpmYWxzZX0seyJwb2xsUXVlc3Rpb25VdWlkIjoiOGMwNjU2OTctNGUyMC00NDkwLTkwNzctYmU5NGNhMmExM2Q3Iiwic2hvd1Jlc3VsdHMiOnRydWUsInNob3dDb3JyZWN0QW5zd2VycyI6ZmFsc2UsInZvdGluZ0xvY2tlZCI6ZmFsc2V9XQ=="/>
 </p:tagLst>
 </file>
 
 <file path=ppt/tags/tag20.xml><?xml version="1.0" encoding="utf-8"?>
 <p:tagLst xmlns:a="http://schemas.openxmlformats.org/drawingml/2006/main" xmlns:r="http://schemas.openxmlformats.org/officeDocument/2006/relationships" xmlns:p="http://schemas.openxmlformats.org/presentationml/2006/main">
-  <p:tag name="SLIDO_ELEMENT" val="reminder"/>
+  <p:tag name="SLIDO_ELEMENT" val="dotty"/>
 </p:tagLst>
 </file>
 
 <file path=ppt/tags/tag21.xml><?xml version="1.0" encoding="utf-8"?>
 <p:tagLst xmlns:a="http://schemas.openxmlformats.org/drawingml/2006/main" xmlns:r="http://schemas.openxmlformats.org/officeDocument/2006/relationships" xmlns:p="http://schemas.openxmlformats.org/presentationml/2006/main">
-  <p:tag name="SLIDO_ELEMENT" val="dotty"/>
+  <p:tag name="SLIDO_ELEMENT" val="footer"/>
 </p:tagLst>
 </file>
 
 <file path=ppt/tags/tag22.xml><?xml version="1.0" encoding="utf-8"?>
 <p:tagLst xmlns:a="http://schemas.openxmlformats.org/drawingml/2006/main" xmlns:r="http://schemas.openxmlformats.org/officeDocument/2006/relationships" xmlns:p="http://schemas.openxmlformats.org/presentationml/2006/main">
-  <p:tag name="SLIDO_ELEMENT" val="footer"/>
+  <p:tag name="SLIDO_ELEMENT" val="interaction_image"/>
+  <p:tag name="INTERACTION_TYPE" val="MultipleChoice"/>
 </p:tagLst>
 </file>
 
@@ -25400,7 +26300,7 @@
 <p:tagLst xmlns:a="http://schemas.openxmlformats.org/drawingml/2006/main" xmlns:r="http://schemas.openxmlformats.org/officeDocument/2006/relationships" xmlns:p="http://schemas.openxmlformats.org/presentationml/2006/main">
   <p:tag name="SLIDO_TYPE" val="SlidoPoll"/>
   <p:tag name="SLIDO_POLL_UUID" val="c3629f60-b76d-499e-b8c2-bac3e3022954"/>
-  <p:tag name="SLIDO_TIMELINE" val="W3sic2hvd1Jlc3VsdHMiOmZhbHNlLCJwb2xsUXVlc3Rpb25VdWlkIjoiZTg3MDJjZjYtZWM1ZS00MTFiLTk3OGYtZTljNjdjODAyM2E5In0seyJwb2xsUXVlc3Rpb25VdWlkIjoiZTg3MDJjZjYtZWM1ZS00MTFiLTk3OGYtZTljNjdjODAyM2E5Iiwic2hvd1Jlc3VsdHMiOnRydWV9XQ=="/>
+  <p:tag name="SLIDO_TIMELINE" val="W3sicG9sbFF1ZXN0aW9uVXVpZCI6ImU4NzAyY2Y2LWVjNWUtNDExYi05NzhmLWU5YzY3YzgwMjNhOSIsInNob3dSZXN1bHRzIjpmYWxzZSwic2hvd0NvcnJlY3RBbnN3ZXJzIjpmYWxzZSwidm90aW5nTG9ja2VkIjpmYWxzZX0seyJwb2xsUXVlc3Rpb25VdWlkIjoiZTg3MDJjZjYtZWM1ZS00MTFiLTk3OGYtZTljNjdjODAyM2E5Iiwic2hvd1Jlc3VsdHMiOnRydWUsInNob3dDb3JyZWN0QW5zd2VycyI6ZmFsc2UsInZvdGluZ0xvY2tlZCI6ZmFsc2V9XQ=="/>
 </p:tagLst>
 </file>
 
@@ -25412,32 +26312,32 @@
 
 <file path=ppt/tags/tag25.xml><?xml version="1.0" encoding="utf-8"?>
 <p:tagLst xmlns:a="http://schemas.openxmlformats.org/drawingml/2006/main" xmlns:r="http://schemas.openxmlformats.org/officeDocument/2006/relationships" xmlns:p="http://schemas.openxmlformats.org/presentationml/2006/main">
-  <p:tag name="SLIDO_ELEMENT" val="interaction_image"/>
-  <p:tag name="INTERACTION_TYPE" val="multiplechoice"/>
+  <p:tag name="SLIDO_ELEMENT" val="title"/>
 </p:tagLst>
 </file>
 
 <file path=ppt/tags/tag26.xml><?xml version="1.0" encoding="utf-8"?>
 <p:tagLst xmlns:a="http://schemas.openxmlformats.org/drawingml/2006/main" xmlns:r="http://schemas.openxmlformats.org/officeDocument/2006/relationships" xmlns:p="http://schemas.openxmlformats.org/presentationml/2006/main">
-  <p:tag name="SLIDO_ELEMENT" val="title"/>
+  <p:tag name="SLIDO_ELEMENT" val="reminder"/>
 </p:tagLst>
 </file>
 
 <file path=ppt/tags/tag27.xml><?xml version="1.0" encoding="utf-8"?>
 <p:tagLst xmlns:a="http://schemas.openxmlformats.org/drawingml/2006/main" xmlns:r="http://schemas.openxmlformats.org/officeDocument/2006/relationships" xmlns:p="http://schemas.openxmlformats.org/presentationml/2006/main">
-  <p:tag name="SLIDO_ELEMENT" val="reminder"/>
+  <p:tag name="SLIDO_ELEMENT" val="dotty"/>
 </p:tagLst>
 </file>
 
 <file path=ppt/tags/tag28.xml><?xml version="1.0" encoding="utf-8"?>
 <p:tagLst xmlns:a="http://schemas.openxmlformats.org/drawingml/2006/main" xmlns:r="http://schemas.openxmlformats.org/officeDocument/2006/relationships" xmlns:p="http://schemas.openxmlformats.org/presentationml/2006/main">
-  <p:tag name="SLIDO_ELEMENT" val="dotty"/>
+  <p:tag name="SLIDO_ELEMENT" val="footer"/>
 </p:tagLst>
 </file>
 
 <file path=ppt/tags/tag29.xml><?xml version="1.0" encoding="utf-8"?>
 <p:tagLst xmlns:a="http://schemas.openxmlformats.org/drawingml/2006/main" xmlns:r="http://schemas.openxmlformats.org/officeDocument/2006/relationships" xmlns:p="http://schemas.openxmlformats.org/presentationml/2006/main">
-  <p:tag name="SLIDO_ELEMENT" val="footer"/>
+  <p:tag name="SLIDO_ELEMENT" val="interaction_image"/>
+  <p:tag name="INTERACTION_TYPE" val="MultipleChoice"/>
 </p:tagLst>
 </file>
 
@@ -25564,7 +26464,7 @@
 <file path=ppt/tags/tag8.xml><?xml version="1.0" encoding="utf-8"?>
 <p:tagLst xmlns:a="http://schemas.openxmlformats.org/drawingml/2006/main" xmlns:r="http://schemas.openxmlformats.org/officeDocument/2006/relationships" xmlns:p="http://schemas.openxmlformats.org/presentationml/2006/main">
   <p:tag name="SLIDO_ELEMENT" val="interaction_image"/>
-  <p:tag name="INTERACTION_TYPE" val="multiplechoice"/>
+  <p:tag name="INTERACTION_TYPE" val="MultipleChoice"/>
 </p:tagLst>
 </file>
 
@@ -25572,7 +26472,7 @@
 <p:tagLst xmlns:a="http://schemas.openxmlformats.org/drawingml/2006/main" xmlns:r="http://schemas.openxmlformats.org/officeDocument/2006/relationships" xmlns:p="http://schemas.openxmlformats.org/presentationml/2006/main">
   <p:tag name="SLIDO_TYPE" val="SlidoPoll"/>
   <p:tag name="SLIDO_POLL_UUID" val="e2cd8ea4-02de-4abe-bda6-5443419bc01b"/>
-  <p:tag name="SLIDO_TIMELINE" val="W3sic2hvd1Jlc3VsdHMiOmZhbHNlLCJwb2xsUXVlc3Rpb25VdWlkIjoiZDBkMGYzZTktZWI3Ni00NDNmLTllYWItNGY2YmU1Mjg2ZDg0In0seyJwb2xsUXVlc3Rpb25VdWlkIjoiZDBkMGYzZTktZWI3Ni00NDNmLTllYWItNGY2YmU1Mjg2ZDg0Iiwic2hvd1Jlc3VsdHMiOnRydWV9XQ=="/>
+  <p:tag name="SLIDO_TIMELINE" val="W3sicG9sbFF1ZXN0aW9uVXVpZCI6ImQwZDBmM2U5LWViNzYtNDQzZi05ZWFiLTRmNmJlNTI4NmQ4NCIsInNob3dSZXN1bHRzIjpmYWxzZSwic2hvd0NvcnJlY3RBbnN3ZXJzIjpmYWxzZSwidm90aW5nTG9ja2VkIjpmYWxzZX0seyJwb2xsUXVlc3Rpb25VdWlkIjoiZDBkMGYzZTktZWI3Ni00NDNmLTllYWItNGY2YmU1Mjg2ZDg0Iiwic2hvd1Jlc3VsdHMiOnRydWUsInNob3dDb3JyZWN0QW5zd2VycyI6ZmFsc2UsInZvdGluZ0xvY2tlZCI6ZmFsc2V9XQ=="/>
 </p:tagLst>
 </file>
 
